--- a/JavaScript/Document/JS-Presentation.pptx
+++ b/JavaScript/Document/JS-Presentation.pptx
@@ -5,7 +5,7 @@
     <p:sldMasterId id="2147483648" r:id="rId1"/>
   </p:sldMasterIdLst>
   <p:notesMasterIdLst>
-    <p:notesMasterId r:id="rId13"/>
+    <p:notesMasterId r:id="rId15"/>
   </p:notesMasterIdLst>
   <p:sldIdLst>
     <p:sldId id="256" r:id="rId2"/>
@@ -19,6 +19,8 @@
     <p:sldId id="268" r:id="rId10"/>
     <p:sldId id="269" r:id="rId11"/>
     <p:sldId id="270" r:id="rId12"/>
+    <p:sldId id="271" r:id="rId13"/>
+    <p:sldId id="272" r:id="rId14"/>
   </p:sldIdLst>
   <p:sldSz cx="12192000" cy="6858000"/>
   <p:notesSz cx="6858000" cy="9144000"/>
@@ -5735,6 +5737,1748 @@
 </p:sld>
 </file>
 
+<file path=ppt/slides/slide12.xml><?xml version="1.0" encoding="utf-8"?>
+<p:sld xmlns:a="http://schemas.openxmlformats.org/drawingml/2006/main" xmlns:r="http://schemas.openxmlformats.org/officeDocument/2006/relationships" xmlns:p="http://schemas.openxmlformats.org/presentationml/2006/main">
+  <p:cSld>
+    <p:bg>
+      <p:bgPr>
+        <a:blipFill dpi="0" rotWithShape="1">
+          <a:blip r:embed="rId2">
+            <a:lum/>
+          </a:blip>
+          <a:srcRect/>
+          <a:stretch>
+            <a:fillRect/>
+          </a:stretch>
+        </a:blipFill>
+        <a:effectLst/>
+      </p:bgPr>
+    </p:bg>
+    <p:spTree>
+      <p:nvGrpSpPr>
+        <p:cNvPr id="1" name=""/>
+        <p:cNvGrpSpPr/>
+        <p:nvPr/>
+      </p:nvGrpSpPr>
+      <p:grpSpPr>
+        <a:xfrm>
+          <a:off x="0" y="0"/>
+          <a:ext cx="0" cy="0"/>
+          <a:chOff x="0" y="0"/>
+          <a:chExt cx="0" cy="0"/>
+        </a:xfrm>
+      </p:grpSpPr>
+      <p:sp>
+        <p:nvSpPr>
+          <p:cNvPr id="2" name="Rectangle 1">
+            <a:extLst>
+              <a:ext uri="{FF2B5EF4-FFF2-40B4-BE49-F238E27FC236}">
+                <a16:creationId xmlns:a16="http://schemas.microsoft.com/office/drawing/2014/main" id="{9C508F75-2551-C444-ADEA-13E1006C4F6C}"/>
+              </a:ext>
+            </a:extLst>
+          </p:cNvPr>
+          <p:cNvSpPr/>
+          <p:nvPr/>
+        </p:nvSpPr>
+        <p:spPr>
+          <a:xfrm>
+            <a:off x="5979381" y="3720539"/>
+            <a:ext cx="4079017" cy="1000274"/>
+          </a:xfrm>
+          <a:prstGeom prst="rect">
+            <a:avLst/>
+          </a:prstGeom>
+        </p:spPr>
+        <p:txBody>
+          <a:bodyPr wrap="square">
+            <a:spAutoFit/>
+          </a:bodyPr>
+          <a:lstStyle/>
+          <a:p>
+            <a:pPr algn="ctr"/>
+            <a:r>
+              <a:rPr lang="en-US" sz="2400" dirty="0">
+                <a:solidFill>
+                  <a:srgbClr val="F0DA50"/>
+                </a:solidFill>
+                <a:latin typeface="DINPro" panose="02000503030000020004" pitchFamily="2" charset="0"/>
+              </a:rPr>
+              <a:t>CHAPTER 3</a:t>
+            </a:r>
+          </a:p>
+          <a:p>
+            <a:pPr algn="ctr"/>
+            <a:r>
+              <a:rPr lang="en-US" sz="3500" dirty="0">
+                <a:solidFill>
+                  <a:schemeClr val="bg1"/>
+                </a:solidFill>
+                <a:latin typeface="DINPro" panose="02000503030000020004" pitchFamily="2" charset="0"/>
+              </a:rPr>
+              <a:t>Code Structure</a:t>
+            </a:r>
+            <a:endParaRPr lang="en-US" sz="3500" dirty="0">
+              <a:solidFill>
+                <a:schemeClr val="bg1"/>
+              </a:solidFill>
+            </a:endParaRPr>
+          </a:p>
+        </p:txBody>
+      </p:sp>
+      <p:sp>
+        <p:nvSpPr>
+          <p:cNvPr id="3" name="Rectangle 2">
+            <a:extLst>
+              <a:ext uri="{FF2B5EF4-FFF2-40B4-BE49-F238E27FC236}">
+                <a16:creationId xmlns:a16="http://schemas.microsoft.com/office/drawing/2014/main" id="{2B34B07D-6CF5-314E-9CC1-C214AA7E8BE3}"/>
+              </a:ext>
+            </a:extLst>
+          </p:cNvPr>
+          <p:cNvSpPr/>
+          <p:nvPr/>
+        </p:nvSpPr>
+        <p:spPr>
+          <a:xfrm>
+            <a:off x="-15902" y="987817"/>
+            <a:ext cx="3211862" cy="720000"/>
+          </a:xfrm>
+          <a:prstGeom prst="rect">
+            <a:avLst/>
+          </a:prstGeom>
+          <a:solidFill>
+            <a:srgbClr val="002060"/>
+          </a:solidFill>
+        </p:spPr>
+        <p:style>
+          <a:lnRef idx="2">
+            <a:schemeClr val="accent1">
+              <a:shade val="50000"/>
+            </a:schemeClr>
+          </a:lnRef>
+          <a:fillRef idx="1">
+            <a:schemeClr val="accent1"/>
+          </a:fillRef>
+          <a:effectRef idx="0">
+            <a:schemeClr val="accent1"/>
+          </a:effectRef>
+          <a:fontRef idx="minor">
+            <a:schemeClr val="lt1"/>
+          </a:fontRef>
+        </p:style>
+        <p:txBody>
+          <a:bodyPr rtlCol="0" anchor="ctr"/>
+          <a:lstStyle/>
+          <a:p>
+            <a:pPr algn="ctr"/>
+            <a:r>
+              <a:rPr lang="en-GB" sz="2000" dirty="0">
+                <a:latin typeface="DINPro" panose="02000503030000020004" pitchFamily="2" charset="0"/>
+              </a:rPr>
+              <a:t>Statements</a:t>
+            </a:r>
+            <a:endParaRPr lang="en-US" sz="2000" dirty="0">
+              <a:latin typeface="DINPro" panose="02000503030000020004" pitchFamily="2" charset="0"/>
+            </a:endParaRPr>
+          </a:p>
+        </p:txBody>
+      </p:sp>
+      <p:sp>
+        <p:nvSpPr>
+          <p:cNvPr id="4" name="Rectangle 3">
+            <a:extLst>
+              <a:ext uri="{FF2B5EF4-FFF2-40B4-BE49-F238E27FC236}">
+                <a16:creationId xmlns:a16="http://schemas.microsoft.com/office/drawing/2014/main" id="{8F695826-88CC-4A4C-9F05-6EB7CC2DF676}"/>
+              </a:ext>
+            </a:extLst>
+          </p:cNvPr>
+          <p:cNvSpPr/>
+          <p:nvPr/>
+        </p:nvSpPr>
+        <p:spPr>
+          <a:xfrm>
+            <a:off x="-15902" y="1989263"/>
+            <a:ext cx="3211861" cy="720000"/>
+          </a:xfrm>
+          <a:prstGeom prst="rect">
+            <a:avLst/>
+          </a:prstGeom>
+          <a:solidFill>
+            <a:srgbClr val="002060"/>
+          </a:solidFill>
+        </p:spPr>
+        <p:style>
+          <a:lnRef idx="2">
+            <a:schemeClr val="accent1">
+              <a:shade val="50000"/>
+            </a:schemeClr>
+          </a:lnRef>
+          <a:fillRef idx="1">
+            <a:schemeClr val="accent1"/>
+          </a:fillRef>
+          <a:effectRef idx="0">
+            <a:schemeClr val="accent1"/>
+          </a:effectRef>
+          <a:fontRef idx="minor">
+            <a:schemeClr val="lt1"/>
+          </a:fontRef>
+        </p:style>
+        <p:txBody>
+          <a:bodyPr rtlCol="0" anchor="ctr"/>
+          <a:lstStyle/>
+          <a:p>
+            <a:pPr algn="ctr">
+              <a:lnSpc>
+                <a:spcPct val="100000"/>
+              </a:lnSpc>
+              <a:buClr>
+                <a:srgbClr val="0070C0"/>
+              </a:buClr>
+            </a:pPr>
+            <a:r>
+              <a:rPr lang="en-GB" dirty="0">
+                <a:latin typeface="DINPro" panose="02000503030000020004" pitchFamily="2" charset="0"/>
+              </a:rPr>
+              <a:t>Semicolons</a:t>
+            </a:r>
+            <a:endParaRPr lang="en-US" sz="2000" dirty="0">
+              <a:latin typeface="DINPro" panose="02000503030000020004" pitchFamily="2" charset="0"/>
+              <a:cs typeface="Didot" panose="02000503000000020003" pitchFamily="2" charset="-79"/>
+            </a:endParaRPr>
+          </a:p>
+        </p:txBody>
+      </p:sp>
+      <p:sp>
+        <p:nvSpPr>
+          <p:cNvPr id="5" name="Rectangle 4">
+            <a:extLst>
+              <a:ext uri="{FF2B5EF4-FFF2-40B4-BE49-F238E27FC236}">
+                <a16:creationId xmlns:a16="http://schemas.microsoft.com/office/drawing/2014/main" id="{3AC63835-D890-5B4D-A4D3-D1304910A751}"/>
+              </a:ext>
+            </a:extLst>
+          </p:cNvPr>
+          <p:cNvSpPr/>
+          <p:nvPr/>
+        </p:nvSpPr>
+        <p:spPr>
+          <a:xfrm>
+            <a:off x="-15902" y="2993245"/>
+            <a:ext cx="3211863" cy="720000"/>
+          </a:xfrm>
+          <a:prstGeom prst="rect">
+            <a:avLst/>
+          </a:prstGeom>
+          <a:solidFill>
+            <a:srgbClr val="002060"/>
+          </a:solidFill>
+        </p:spPr>
+        <p:style>
+          <a:lnRef idx="2">
+            <a:schemeClr val="accent1">
+              <a:shade val="50000"/>
+            </a:schemeClr>
+          </a:lnRef>
+          <a:fillRef idx="1">
+            <a:schemeClr val="accent1"/>
+          </a:fillRef>
+          <a:effectRef idx="0">
+            <a:schemeClr val="accent1"/>
+          </a:effectRef>
+          <a:fontRef idx="minor">
+            <a:schemeClr val="lt1"/>
+          </a:fontRef>
+        </p:style>
+        <p:txBody>
+          <a:bodyPr rtlCol="0" anchor="ctr"/>
+          <a:lstStyle/>
+          <a:p>
+            <a:pPr algn="ctr">
+              <a:lnSpc>
+                <a:spcPct val="100000"/>
+              </a:lnSpc>
+              <a:buClr>
+                <a:srgbClr val="0070C0"/>
+              </a:buClr>
+            </a:pPr>
+            <a:r>
+              <a:rPr lang="en-GB" sz="2000" dirty="0">
+                <a:latin typeface="DINPro" panose="02000503030000020004" pitchFamily="2" charset="0"/>
+              </a:rPr>
+              <a:t>Comments</a:t>
+            </a:r>
+            <a:endParaRPr lang="en-US" sz="2000" dirty="0">
+              <a:latin typeface="DINPro" panose="02000503030000020004" pitchFamily="2" charset="0"/>
+              <a:cs typeface="Didot" panose="02000503000000020003" pitchFamily="2" charset="-79"/>
+            </a:endParaRPr>
+          </a:p>
+        </p:txBody>
+      </p:sp>
+      <p:pic>
+        <p:nvPicPr>
+          <p:cNvPr id="10" name="Picture 9" descr="A close up of a sign&#10;&#10;Description automatically generated">
+            <a:extLst>
+              <a:ext uri="{FF2B5EF4-FFF2-40B4-BE49-F238E27FC236}">
+                <a16:creationId xmlns:a16="http://schemas.microsoft.com/office/drawing/2014/main" id="{5A6553C5-15E8-E14A-996B-7CD7B5E6236C}"/>
+              </a:ext>
+            </a:extLst>
+          </p:cNvPr>
+          <p:cNvPicPr>
+            <a:picLocks noChangeAspect="1"/>
+          </p:cNvPicPr>
+          <p:nvPr/>
+        </p:nvPicPr>
+        <p:blipFill>
+          <a:blip r:embed="rId3"/>
+          <a:stretch>
+            <a:fillRect/>
+          </a:stretch>
+        </p:blipFill>
+        <p:spPr>
+          <a:xfrm>
+            <a:off x="10705703" y="222802"/>
+            <a:ext cx="1486297" cy="512085"/>
+          </a:xfrm>
+          <a:prstGeom prst="rect">
+            <a:avLst/>
+          </a:prstGeom>
+        </p:spPr>
+      </p:pic>
+      <p:pic>
+        <p:nvPicPr>
+          <p:cNvPr id="12" name="Picture 11" descr="A close up of a logo&#10;&#10;Description automatically generated">
+            <a:extLst>
+              <a:ext uri="{FF2B5EF4-FFF2-40B4-BE49-F238E27FC236}">
+                <a16:creationId xmlns:a16="http://schemas.microsoft.com/office/drawing/2014/main" id="{F3051263-F22D-8643-AF0D-8EBC552692A2}"/>
+              </a:ext>
+            </a:extLst>
+          </p:cNvPr>
+          <p:cNvPicPr>
+            <a:picLocks noChangeAspect="1"/>
+          </p:cNvPicPr>
+          <p:nvPr/>
+        </p:nvPicPr>
+        <p:blipFill>
+          <a:blip r:embed="rId4"/>
+          <a:stretch>
+            <a:fillRect/>
+          </a:stretch>
+        </p:blipFill>
+        <p:spPr>
+          <a:xfrm>
+            <a:off x="7084266" y="1628302"/>
+            <a:ext cx="1835978" cy="1841224"/>
+          </a:xfrm>
+          <a:prstGeom prst="rect">
+            <a:avLst/>
+          </a:prstGeom>
+        </p:spPr>
+      </p:pic>
+    </p:spTree>
+    <p:extLst>
+      <p:ext uri="{BB962C8B-B14F-4D97-AF65-F5344CB8AC3E}">
+        <p14:creationId xmlns:p14="http://schemas.microsoft.com/office/powerpoint/2010/main" val="3034958879"/>
+      </p:ext>
+    </p:extLst>
+  </p:cSld>
+  <p:clrMapOvr>
+    <a:masterClrMapping/>
+  </p:clrMapOvr>
+  <p:timing>
+    <p:tnLst>
+      <p:par>
+        <p:cTn id="1" dur="indefinite" restart="never" nodeType="tmRoot">
+          <p:childTnLst>
+            <p:seq concurrent="1" nextAc="seek">
+              <p:cTn id="2" dur="indefinite" nodeType="mainSeq">
+                <p:childTnLst>
+                  <p:par>
+                    <p:cTn id="3" fill="hold">
+                      <p:stCondLst>
+                        <p:cond delay="indefinite"/>
+                      </p:stCondLst>
+                      <p:childTnLst>
+                        <p:par>
+                          <p:cTn id="4" fill="hold">
+                            <p:stCondLst>
+                              <p:cond delay="0"/>
+                            </p:stCondLst>
+                            <p:childTnLst>
+                              <p:par>
+                                <p:cTn id="5" presetID="41" presetClass="entr" presetSubtype="0" fill="hold" grpId="0" nodeType="clickEffect">
+                                  <p:stCondLst>
+                                    <p:cond delay="0"/>
+                                  </p:stCondLst>
+                                  <p:iterate type="lt">
+                                    <p:tmPct val="10000"/>
+                                  </p:iterate>
+                                  <p:childTnLst>
+                                    <p:set>
+                                      <p:cBhvr>
+                                        <p:cTn id="6" dur="1" fill="hold">
+                                          <p:stCondLst>
+                                            <p:cond delay="0"/>
+                                          </p:stCondLst>
+                                        </p:cTn>
+                                        <p:tgtEl>
+                                          <p:spTgt spid="3"/>
+                                        </p:tgtEl>
+                                        <p:attrNameLst>
+                                          <p:attrName>style.visibility</p:attrName>
+                                        </p:attrNameLst>
+                                      </p:cBhvr>
+                                      <p:to>
+                                        <p:strVal val="visible"/>
+                                      </p:to>
+                                    </p:set>
+                                    <p:anim calcmode="lin" valueType="num">
+                                      <p:cBhvr>
+                                        <p:cTn id="7" dur="500" fill="hold"/>
+                                        <p:tgtEl>
+                                          <p:spTgt spid="3"/>
+                                        </p:tgtEl>
+                                        <p:attrNameLst>
+                                          <p:attrName>ppt_x</p:attrName>
+                                        </p:attrNameLst>
+                                      </p:cBhvr>
+                                      <p:tavLst>
+                                        <p:tav tm="0">
+                                          <p:val>
+                                            <p:strVal val="#ppt_x"/>
+                                          </p:val>
+                                        </p:tav>
+                                        <p:tav tm="50000">
+                                          <p:val>
+                                            <p:strVal val="#ppt_x+.1"/>
+                                          </p:val>
+                                        </p:tav>
+                                        <p:tav tm="100000">
+                                          <p:val>
+                                            <p:strVal val="#ppt_x"/>
+                                          </p:val>
+                                        </p:tav>
+                                      </p:tavLst>
+                                    </p:anim>
+                                    <p:anim calcmode="lin" valueType="num">
+                                      <p:cBhvr>
+                                        <p:cTn id="8" dur="500" fill="hold"/>
+                                        <p:tgtEl>
+                                          <p:spTgt spid="3"/>
+                                        </p:tgtEl>
+                                        <p:attrNameLst>
+                                          <p:attrName>ppt_y</p:attrName>
+                                        </p:attrNameLst>
+                                      </p:cBhvr>
+                                      <p:tavLst>
+                                        <p:tav tm="0">
+                                          <p:val>
+                                            <p:strVal val="#ppt_y"/>
+                                          </p:val>
+                                        </p:tav>
+                                        <p:tav tm="100000">
+                                          <p:val>
+                                            <p:strVal val="#ppt_y"/>
+                                          </p:val>
+                                        </p:tav>
+                                      </p:tavLst>
+                                    </p:anim>
+                                    <p:anim calcmode="lin" valueType="num">
+                                      <p:cBhvr>
+                                        <p:cTn id="9" dur="500" fill="hold"/>
+                                        <p:tgtEl>
+                                          <p:spTgt spid="3"/>
+                                        </p:tgtEl>
+                                        <p:attrNameLst>
+                                          <p:attrName>ppt_h</p:attrName>
+                                        </p:attrNameLst>
+                                      </p:cBhvr>
+                                      <p:tavLst>
+                                        <p:tav tm="0">
+                                          <p:val>
+                                            <p:strVal val="#ppt_h/10"/>
+                                          </p:val>
+                                        </p:tav>
+                                        <p:tav tm="50000">
+                                          <p:val>
+                                            <p:strVal val="#ppt_h+.01"/>
+                                          </p:val>
+                                        </p:tav>
+                                        <p:tav tm="100000">
+                                          <p:val>
+                                            <p:strVal val="#ppt_h"/>
+                                          </p:val>
+                                        </p:tav>
+                                      </p:tavLst>
+                                    </p:anim>
+                                    <p:anim calcmode="lin" valueType="num">
+                                      <p:cBhvr>
+                                        <p:cTn id="10" dur="500" fill="hold"/>
+                                        <p:tgtEl>
+                                          <p:spTgt spid="3"/>
+                                        </p:tgtEl>
+                                        <p:attrNameLst>
+                                          <p:attrName>ppt_w</p:attrName>
+                                        </p:attrNameLst>
+                                      </p:cBhvr>
+                                      <p:tavLst>
+                                        <p:tav tm="0">
+                                          <p:val>
+                                            <p:strVal val="#ppt_w/10"/>
+                                          </p:val>
+                                        </p:tav>
+                                        <p:tav tm="50000">
+                                          <p:val>
+                                            <p:strVal val="#ppt_w+.01"/>
+                                          </p:val>
+                                        </p:tav>
+                                        <p:tav tm="100000">
+                                          <p:val>
+                                            <p:strVal val="#ppt_w"/>
+                                          </p:val>
+                                        </p:tav>
+                                      </p:tavLst>
+                                    </p:anim>
+                                    <p:animEffect transition="in" filter="fade">
+                                      <p:cBhvr>
+                                        <p:cTn id="11" dur="500" tmFilter="0,0; .5, 1; 1, 1"/>
+                                        <p:tgtEl>
+                                          <p:spTgt spid="3"/>
+                                        </p:tgtEl>
+                                      </p:cBhvr>
+                                    </p:animEffect>
+                                  </p:childTnLst>
+                                </p:cTn>
+                              </p:par>
+                            </p:childTnLst>
+                          </p:cTn>
+                        </p:par>
+                      </p:childTnLst>
+                    </p:cTn>
+                  </p:par>
+                  <p:par>
+                    <p:cTn id="12" fill="hold">
+                      <p:stCondLst>
+                        <p:cond delay="indefinite"/>
+                      </p:stCondLst>
+                      <p:childTnLst>
+                        <p:par>
+                          <p:cTn id="13" fill="hold">
+                            <p:stCondLst>
+                              <p:cond delay="0"/>
+                            </p:stCondLst>
+                            <p:childTnLst>
+                              <p:par>
+                                <p:cTn id="14" presetID="41" presetClass="entr" presetSubtype="0" fill="hold" grpId="0" nodeType="clickEffect">
+                                  <p:stCondLst>
+                                    <p:cond delay="0"/>
+                                  </p:stCondLst>
+                                  <p:iterate type="lt">
+                                    <p:tmPct val="10000"/>
+                                  </p:iterate>
+                                  <p:childTnLst>
+                                    <p:set>
+                                      <p:cBhvr>
+                                        <p:cTn id="15" dur="1" fill="hold">
+                                          <p:stCondLst>
+                                            <p:cond delay="0"/>
+                                          </p:stCondLst>
+                                        </p:cTn>
+                                        <p:tgtEl>
+                                          <p:spTgt spid="4"/>
+                                        </p:tgtEl>
+                                        <p:attrNameLst>
+                                          <p:attrName>style.visibility</p:attrName>
+                                        </p:attrNameLst>
+                                      </p:cBhvr>
+                                      <p:to>
+                                        <p:strVal val="visible"/>
+                                      </p:to>
+                                    </p:set>
+                                    <p:anim calcmode="lin" valueType="num">
+                                      <p:cBhvr>
+                                        <p:cTn id="16" dur="500" fill="hold"/>
+                                        <p:tgtEl>
+                                          <p:spTgt spid="4"/>
+                                        </p:tgtEl>
+                                        <p:attrNameLst>
+                                          <p:attrName>ppt_x</p:attrName>
+                                        </p:attrNameLst>
+                                      </p:cBhvr>
+                                      <p:tavLst>
+                                        <p:tav tm="0">
+                                          <p:val>
+                                            <p:strVal val="#ppt_x"/>
+                                          </p:val>
+                                        </p:tav>
+                                        <p:tav tm="50000">
+                                          <p:val>
+                                            <p:strVal val="#ppt_x+.1"/>
+                                          </p:val>
+                                        </p:tav>
+                                        <p:tav tm="100000">
+                                          <p:val>
+                                            <p:strVal val="#ppt_x"/>
+                                          </p:val>
+                                        </p:tav>
+                                      </p:tavLst>
+                                    </p:anim>
+                                    <p:anim calcmode="lin" valueType="num">
+                                      <p:cBhvr>
+                                        <p:cTn id="17" dur="500" fill="hold"/>
+                                        <p:tgtEl>
+                                          <p:spTgt spid="4"/>
+                                        </p:tgtEl>
+                                        <p:attrNameLst>
+                                          <p:attrName>ppt_y</p:attrName>
+                                        </p:attrNameLst>
+                                      </p:cBhvr>
+                                      <p:tavLst>
+                                        <p:tav tm="0">
+                                          <p:val>
+                                            <p:strVal val="#ppt_y"/>
+                                          </p:val>
+                                        </p:tav>
+                                        <p:tav tm="100000">
+                                          <p:val>
+                                            <p:strVal val="#ppt_y"/>
+                                          </p:val>
+                                        </p:tav>
+                                      </p:tavLst>
+                                    </p:anim>
+                                    <p:anim calcmode="lin" valueType="num">
+                                      <p:cBhvr>
+                                        <p:cTn id="18" dur="500" fill="hold"/>
+                                        <p:tgtEl>
+                                          <p:spTgt spid="4"/>
+                                        </p:tgtEl>
+                                        <p:attrNameLst>
+                                          <p:attrName>ppt_h</p:attrName>
+                                        </p:attrNameLst>
+                                      </p:cBhvr>
+                                      <p:tavLst>
+                                        <p:tav tm="0">
+                                          <p:val>
+                                            <p:strVal val="#ppt_h/10"/>
+                                          </p:val>
+                                        </p:tav>
+                                        <p:tav tm="50000">
+                                          <p:val>
+                                            <p:strVal val="#ppt_h+.01"/>
+                                          </p:val>
+                                        </p:tav>
+                                        <p:tav tm="100000">
+                                          <p:val>
+                                            <p:strVal val="#ppt_h"/>
+                                          </p:val>
+                                        </p:tav>
+                                      </p:tavLst>
+                                    </p:anim>
+                                    <p:anim calcmode="lin" valueType="num">
+                                      <p:cBhvr>
+                                        <p:cTn id="19" dur="500" fill="hold"/>
+                                        <p:tgtEl>
+                                          <p:spTgt spid="4"/>
+                                        </p:tgtEl>
+                                        <p:attrNameLst>
+                                          <p:attrName>ppt_w</p:attrName>
+                                        </p:attrNameLst>
+                                      </p:cBhvr>
+                                      <p:tavLst>
+                                        <p:tav tm="0">
+                                          <p:val>
+                                            <p:strVal val="#ppt_w/10"/>
+                                          </p:val>
+                                        </p:tav>
+                                        <p:tav tm="50000">
+                                          <p:val>
+                                            <p:strVal val="#ppt_w+.01"/>
+                                          </p:val>
+                                        </p:tav>
+                                        <p:tav tm="100000">
+                                          <p:val>
+                                            <p:strVal val="#ppt_w"/>
+                                          </p:val>
+                                        </p:tav>
+                                      </p:tavLst>
+                                    </p:anim>
+                                    <p:animEffect transition="in" filter="fade">
+                                      <p:cBhvr>
+                                        <p:cTn id="20" dur="500" tmFilter="0,0; .5, 1; 1, 1"/>
+                                        <p:tgtEl>
+                                          <p:spTgt spid="4"/>
+                                        </p:tgtEl>
+                                      </p:cBhvr>
+                                    </p:animEffect>
+                                  </p:childTnLst>
+                                </p:cTn>
+                              </p:par>
+                            </p:childTnLst>
+                          </p:cTn>
+                        </p:par>
+                      </p:childTnLst>
+                    </p:cTn>
+                  </p:par>
+                  <p:par>
+                    <p:cTn id="21" fill="hold">
+                      <p:stCondLst>
+                        <p:cond delay="indefinite"/>
+                      </p:stCondLst>
+                      <p:childTnLst>
+                        <p:par>
+                          <p:cTn id="22" fill="hold">
+                            <p:stCondLst>
+                              <p:cond delay="0"/>
+                            </p:stCondLst>
+                            <p:childTnLst>
+                              <p:par>
+                                <p:cTn id="23" presetID="41" presetClass="entr" presetSubtype="0" fill="hold" grpId="0" nodeType="clickEffect">
+                                  <p:stCondLst>
+                                    <p:cond delay="0"/>
+                                  </p:stCondLst>
+                                  <p:iterate type="lt">
+                                    <p:tmPct val="10000"/>
+                                  </p:iterate>
+                                  <p:childTnLst>
+                                    <p:set>
+                                      <p:cBhvr>
+                                        <p:cTn id="24" dur="1" fill="hold">
+                                          <p:stCondLst>
+                                            <p:cond delay="0"/>
+                                          </p:stCondLst>
+                                        </p:cTn>
+                                        <p:tgtEl>
+                                          <p:spTgt spid="5"/>
+                                        </p:tgtEl>
+                                        <p:attrNameLst>
+                                          <p:attrName>style.visibility</p:attrName>
+                                        </p:attrNameLst>
+                                      </p:cBhvr>
+                                      <p:to>
+                                        <p:strVal val="visible"/>
+                                      </p:to>
+                                    </p:set>
+                                    <p:anim calcmode="lin" valueType="num">
+                                      <p:cBhvr>
+                                        <p:cTn id="25" dur="500" fill="hold"/>
+                                        <p:tgtEl>
+                                          <p:spTgt spid="5"/>
+                                        </p:tgtEl>
+                                        <p:attrNameLst>
+                                          <p:attrName>ppt_x</p:attrName>
+                                        </p:attrNameLst>
+                                      </p:cBhvr>
+                                      <p:tavLst>
+                                        <p:tav tm="0">
+                                          <p:val>
+                                            <p:strVal val="#ppt_x"/>
+                                          </p:val>
+                                        </p:tav>
+                                        <p:tav tm="50000">
+                                          <p:val>
+                                            <p:strVal val="#ppt_x+.1"/>
+                                          </p:val>
+                                        </p:tav>
+                                        <p:tav tm="100000">
+                                          <p:val>
+                                            <p:strVal val="#ppt_x"/>
+                                          </p:val>
+                                        </p:tav>
+                                      </p:tavLst>
+                                    </p:anim>
+                                    <p:anim calcmode="lin" valueType="num">
+                                      <p:cBhvr>
+                                        <p:cTn id="26" dur="500" fill="hold"/>
+                                        <p:tgtEl>
+                                          <p:spTgt spid="5"/>
+                                        </p:tgtEl>
+                                        <p:attrNameLst>
+                                          <p:attrName>ppt_y</p:attrName>
+                                        </p:attrNameLst>
+                                      </p:cBhvr>
+                                      <p:tavLst>
+                                        <p:tav tm="0">
+                                          <p:val>
+                                            <p:strVal val="#ppt_y"/>
+                                          </p:val>
+                                        </p:tav>
+                                        <p:tav tm="100000">
+                                          <p:val>
+                                            <p:strVal val="#ppt_y"/>
+                                          </p:val>
+                                        </p:tav>
+                                      </p:tavLst>
+                                    </p:anim>
+                                    <p:anim calcmode="lin" valueType="num">
+                                      <p:cBhvr>
+                                        <p:cTn id="27" dur="500" fill="hold"/>
+                                        <p:tgtEl>
+                                          <p:spTgt spid="5"/>
+                                        </p:tgtEl>
+                                        <p:attrNameLst>
+                                          <p:attrName>ppt_h</p:attrName>
+                                        </p:attrNameLst>
+                                      </p:cBhvr>
+                                      <p:tavLst>
+                                        <p:tav tm="0">
+                                          <p:val>
+                                            <p:strVal val="#ppt_h/10"/>
+                                          </p:val>
+                                        </p:tav>
+                                        <p:tav tm="50000">
+                                          <p:val>
+                                            <p:strVal val="#ppt_h+.01"/>
+                                          </p:val>
+                                        </p:tav>
+                                        <p:tav tm="100000">
+                                          <p:val>
+                                            <p:strVal val="#ppt_h"/>
+                                          </p:val>
+                                        </p:tav>
+                                      </p:tavLst>
+                                    </p:anim>
+                                    <p:anim calcmode="lin" valueType="num">
+                                      <p:cBhvr>
+                                        <p:cTn id="28" dur="500" fill="hold"/>
+                                        <p:tgtEl>
+                                          <p:spTgt spid="5"/>
+                                        </p:tgtEl>
+                                        <p:attrNameLst>
+                                          <p:attrName>ppt_w</p:attrName>
+                                        </p:attrNameLst>
+                                      </p:cBhvr>
+                                      <p:tavLst>
+                                        <p:tav tm="0">
+                                          <p:val>
+                                            <p:strVal val="#ppt_w/10"/>
+                                          </p:val>
+                                        </p:tav>
+                                        <p:tav tm="50000">
+                                          <p:val>
+                                            <p:strVal val="#ppt_w+.01"/>
+                                          </p:val>
+                                        </p:tav>
+                                        <p:tav tm="100000">
+                                          <p:val>
+                                            <p:strVal val="#ppt_w"/>
+                                          </p:val>
+                                        </p:tav>
+                                      </p:tavLst>
+                                    </p:anim>
+                                    <p:animEffect transition="in" filter="fade">
+                                      <p:cBhvr>
+                                        <p:cTn id="29" dur="500" tmFilter="0,0; .5, 1; 1, 1"/>
+                                        <p:tgtEl>
+                                          <p:spTgt spid="5"/>
+                                        </p:tgtEl>
+                                      </p:cBhvr>
+                                    </p:animEffect>
+                                  </p:childTnLst>
+                                </p:cTn>
+                              </p:par>
+                            </p:childTnLst>
+                          </p:cTn>
+                        </p:par>
+                      </p:childTnLst>
+                    </p:cTn>
+                  </p:par>
+                </p:childTnLst>
+              </p:cTn>
+              <p:prevCondLst>
+                <p:cond evt="onPrev" delay="0">
+                  <p:tgtEl>
+                    <p:sldTgt/>
+                  </p:tgtEl>
+                </p:cond>
+              </p:prevCondLst>
+              <p:nextCondLst>
+                <p:cond evt="onNext" delay="0">
+                  <p:tgtEl>
+                    <p:sldTgt/>
+                  </p:tgtEl>
+                </p:cond>
+              </p:nextCondLst>
+            </p:seq>
+          </p:childTnLst>
+        </p:cTn>
+      </p:par>
+    </p:tnLst>
+    <p:bldLst>
+      <p:bldP spid="3" grpId="0" animBg="1"/>
+      <p:bldP spid="4" grpId="0" animBg="1"/>
+      <p:bldP spid="5" grpId="0" animBg="1"/>
+    </p:bldLst>
+  </p:timing>
+</p:sld>
+</file>
+
+<file path=ppt/slides/slide13.xml><?xml version="1.0" encoding="utf-8"?>
+<p:sld xmlns:a="http://schemas.openxmlformats.org/drawingml/2006/main" xmlns:r="http://schemas.openxmlformats.org/officeDocument/2006/relationships" xmlns:p="http://schemas.openxmlformats.org/presentationml/2006/main">
+  <p:cSld>
+    <p:bg>
+      <p:bgPr>
+        <a:blipFill dpi="0" rotWithShape="1">
+          <a:blip r:embed="rId2">
+            <a:lum/>
+          </a:blip>
+          <a:srcRect/>
+          <a:stretch>
+            <a:fillRect/>
+          </a:stretch>
+        </a:blipFill>
+        <a:effectLst/>
+      </p:bgPr>
+    </p:bg>
+    <p:spTree>
+      <p:nvGrpSpPr>
+        <p:cNvPr id="1" name=""/>
+        <p:cNvGrpSpPr/>
+        <p:nvPr/>
+      </p:nvGrpSpPr>
+      <p:grpSpPr>
+        <a:xfrm>
+          <a:off x="0" y="0"/>
+          <a:ext cx="0" cy="0"/>
+          <a:chOff x="0" y="0"/>
+          <a:chExt cx="0" cy="0"/>
+        </a:xfrm>
+      </p:grpSpPr>
+      <p:sp>
+        <p:nvSpPr>
+          <p:cNvPr id="3" name="Rectangle 2">
+            <a:extLst>
+              <a:ext uri="{FF2B5EF4-FFF2-40B4-BE49-F238E27FC236}">
+                <a16:creationId xmlns:a16="http://schemas.microsoft.com/office/drawing/2014/main" id="{2B34B07D-6CF5-314E-9CC1-C214AA7E8BE3}"/>
+              </a:ext>
+            </a:extLst>
+          </p:cNvPr>
+          <p:cNvSpPr/>
+          <p:nvPr/>
+        </p:nvSpPr>
+        <p:spPr>
+          <a:xfrm>
+            <a:off x="-15902" y="987817"/>
+            <a:ext cx="3211862" cy="720000"/>
+          </a:xfrm>
+          <a:prstGeom prst="rect">
+            <a:avLst/>
+          </a:prstGeom>
+          <a:solidFill>
+            <a:srgbClr val="F0DA50"/>
+          </a:solidFill>
+        </p:spPr>
+        <p:style>
+          <a:lnRef idx="2">
+            <a:schemeClr val="accent1">
+              <a:shade val="50000"/>
+            </a:schemeClr>
+          </a:lnRef>
+          <a:fillRef idx="1">
+            <a:schemeClr val="accent1"/>
+          </a:fillRef>
+          <a:effectRef idx="0">
+            <a:schemeClr val="accent1"/>
+          </a:effectRef>
+          <a:fontRef idx="minor">
+            <a:schemeClr val="lt1"/>
+          </a:fontRef>
+        </p:style>
+        <p:txBody>
+          <a:bodyPr rtlCol="0" anchor="ctr"/>
+          <a:lstStyle/>
+          <a:p>
+            <a:pPr algn="ctr"/>
+            <a:r>
+              <a:rPr lang="en-GB" sz="2000" dirty="0">
+                <a:solidFill>
+                  <a:srgbClr val="0A0454"/>
+                </a:solidFill>
+                <a:latin typeface="DINPro" panose="02000503030000020004" pitchFamily="2" charset="0"/>
+              </a:rPr>
+              <a:t>Statements</a:t>
+            </a:r>
+            <a:endParaRPr lang="en-US" sz="2000" dirty="0">
+              <a:solidFill>
+                <a:srgbClr val="0A0454"/>
+              </a:solidFill>
+              <a:latin typeface="DINPro" panose="02000503030000020004" pitchFamily="2" charset="0"/>
+            </a:endParaRPr>
+          </a:p>
+        </p:txBody>
+      </p:sp>
+      <p:sp>
+        <p:nvSpPr>
+          <p:cNvPr id="4" name="Rectangle 3">
+            <a:extLst>
+              <a:ext uri="{FF2B5EF4-FFF2-40B4-BE49-F238E27FC236}">
+                <a16:creationId xmlns:a16="http://schemas.microsoft.com/office/drawing/2014/main" id="{8F695826-88CC-4A4C-9F05-6EB7CC2DF676}"/>
+              </a:ext>
+            </a:extLst>
+          </p:cNvPr>
+          <p:cNvSpPr/>
+          <p:nvPr/>
+        </p:nvSpPr>
+        <p:spPr>
+          <a:xfrm>
+            <a:off x="-15902" y="1989263"/>
+            <a:ext cx="3211861" cy="720000"/>
+          </a:xfrm>
+          <a:prstGeom prst="rect">
+            <a:avLst/>
+          </a:prstGeom>
+          <a:solidFill>
+            <a:srgbClr val="002060"/>
+          </a:solidFill>
+        </p:spPr>
+        <p:style>
+          <a:lnRef idx="2">
+            <a:schemeClr val="accent1">
+              <a:shade val="50000"/>
+            </a:schemeClr>
+          </a:lnRef>
+          <a:fillRef idx="1">
+            <a:schemeClr val="accent1"/>
+          </a:fillRef>
+          <a:effectRef idx="0">
+            <a:schemeClr val="accent1"/>
+          </a:effectRef>
+          <a:fontRef idx="minor">
+            <a:schemeClr val="lt1"/>
+          </a:fontRef>
+        </p:style>
+        <p:txBody>
+          <a:bodyPr rtlCol="0" anchor="ctr"/>
+          <a:lstStyle/>
+          <a:p>
+            <a:pPr algn="ctr">
+              <a:lnSpc>
+                <a:spcPct val="100000"/>
+              </a:lnSpc>
+              <a:buClr>
+                <a:srgbClr val="0070C0"/>
+              </a:buClr>
+            </a:pPr>
+            <a:r>
+              <a:rPr lang="en-GB" dirty="0">
+                <a:latin typeface="DINPro" panose="02000503030000020004" pitchFamily="2" charset="0"/>
+              </a:rPr>
+              <a:t>Semicolons</a:t>
+            </a:r>
+            <a:endParaRPr lang="en-US" sz="2000" dirty="0">
+              <a:latin typeface="DINPro" panose="02000503030000020004" pitchFamily="2" charset="0"/>
+              <a:cs typeface="Didot" panose="02000503000000020003" pitchFamily="2" charset="-79"/>
+            </a:endParaRPr>
+          </a:p>
+        </p:txBody>
+      </p:sp>
+      <p:sp>
+        <p:nvSpPr>
+          <p:cNvPr id="5" name="Rectangle 4">
+            <a:extLst>
+              <a:ext uri="{FF2B5EF4-FFF2-40B4-BE49-F238E27FC236}">
+                <a16:creationId xmlns:a16="http://schemas.microsoft.com/office/drawing/2014/main" id="{3AC63835-D890-5B4D-A4D3-D1304910A751}"/>
+              </a:ext>
+            </a:extLst>
+          </p:cNvPr>
+          <p:cNvSpPr/>
+          <p:nvPr/>
+        </p:nvSpPr>
+        <p:spPr>
+          <a:xfrm>
+            <a:off x="-15902" y="2993245"/>
+            <a:ext cx="3211863" cy="720000"/>
+          </a:xfrm>
+          <a:prstGeom prst="rect">
+            <a:avLst/>
+          </a:prstGeom>
+          <a:solidFill>
+            <a:srgbClr val="002060"/>
+          </a:solidFill>
+        </p:spPr>
+        <p:style>
+          <a:lnRef idx="2">
+            <a:schemeClr val="accent1">
+              <a:shade val="50000"/>
+            </a:schemeClr>
+          </a:lnRef>
+          <a:fillRef idx="1">
+            <a:schemeClr val="accent1"/>
+          </a:fillRef>
+          <a:effectRef idx="0">
+            <a:schemeClr val="accent1"/>
+          </a:effectRef>
+          <a:fontRef idx="minor">
+            <a:schemeClr val="lt1"/>
+          </a:fontRef>
+        </p:style>
+        <p:txBody>
+          <a:bodyPr rtlCol="0" anchor="ctr"/>
+          <a:lstStyle/>
+          <a:p>
+            <a:pPr algn="ctr">
+              <a:lnSpc>
+                <a:spcPct val="100000"/>
+              </a:lnSpc>
+              <a:buClr>
+                <a:srgbClr val="0070C0"/>
+              </a:buClr>
+            </a:pPr>
+            <a:r>
+              <a:rPr lang="en-GB" sz="2000" dirty="0">
+                <a:latin typeface="DINPro" panose="02000503030000020004" pitchFamily="2" charset="0"/>
+              </a:rPr>
+              <a:t>Comments</a:t>
+            </a:r>
+            <a:endParaRPr lang="en-US" sz="2000" dirty="0">
+              <a:latin typeface="DINPro" panose="02000503030000020004" pitchFamily="2" charset="0"/>
+              <a:cs typeface="Didot" panose="02000503000000020003" pitchFamily="2" charset="-79"/>
+            </a:endParaRPr>
+          </a:p>
+        </p:txBody>
+      </p:sp>
+      <p:pic>
+        <p:nvPicPr>
+          <p:cNvPr id="10" name="Picture 9" descr="A close up of a sign&#10;&#10;Description automatically generated">
+            <a:extLst>
+              <a:ext uri="{FF2B5EF4-FFF2-40B4-BE49-F238E27FC236}">
+                <a16:creationId xmlns:a16="http://schemas.microsoft.com/office/drawing/2014/main" id="{5A6553C5-15E8-E14A-996B-7CD7B5E6236C}"/>
+              </a:ext>
+            </a:extLst>
+          </p:cNvPr>
+          <p:cNvPicPr>
+            <a:picLocks noChangeAspect="1"/>
+          </p:cNvPicPr>
+          <p:nvPr/>
+        </p:nvPicPr>
+        <p:blipFill>
+          <a:blip r:embed="rId3"/>
+          <a:stretch>
+            <a:fillRect/>
+          </a:stretch>
+        </p:blipFill>
+        <p:spPr>
+          <a:xfrm>
+            <a:off x="10705703" y="222802"/>
+            <a:ext cx="1486297" cy="512085"/>
+          </a:xfrm>
+          <a:prstGeom prst="rect">
+            <a:avLst/>
+          </a:prstGeom>
+        </p:spPr>
+      </p:pic>
+      <p:sp>
+        <p:nvSpPr>
+          <p:cNvPr id="8" name="TextBox 7">
+            <a:extLst>
+              <a:ext uri="{FF2B5EF4-FFF2-40B4-BE49-F238E27FC236}">
+                <a16:creationId xmlns:a16="http://schemas.microsoft.com/office/drawing/2014/main" id="{796D6E82-87CB-5B4A-83B4-A5C7A93EAE2B}"/>
+              </a:ext>
+            </a:extLst>
+          </p:cNvPr>
+          <p:cNvSpPr txBox="1"/>
+          <p:nvPr/>
+        </p:nvSpPr>
+        <p:spPr>
+          <a:xfrm>
+            <a:off x="5195449" y="987817"/>
+            <a:ext cx="5510254" cy="2010807"/>
+          </a:xfrm>
+          <a:prstGeom prst="rect">
+            <a:avLst/>
+          </a:prstGeom>
+          <a:noFill/>
+        </p:spPr>
+        <p:txBody>
+          <a:bodyPr wrap="square" rtlCol="0">
+            <a:spAutoFit/>
+          </a:bodyPr>
+          <a:lstStyle/>
+          <a:p>
+            <a:pPr algn="ctr">
+              <a:spcAft>
+                <a:spcPts val="2000"/>
+              </a:spcAft>
+            </a:pPr>
+            <a:r>
+              <a:rPr lang="en-GB" dirty="0">
+                <a:solidFill>
+                  <a:schemeClr val="bg1"/>
+                </a:solidFill>
+                <a:latin typeface="DINPro" panose="02000503030000020004" pitchFamily="2" charset="0"/>
+              </a:rPr>
+              <a:t>Inline JavaScript can be achieved by using Script tag inside the body of the HTML, and instead of specifying the source(</a:t>
+            </a:r>
+            <a:r>
+              <a:rPr lang="en-GB" dirty="0" err="1">
+                <a:solidFill>
+                  <a:schemeClr val="bg1"/>
+                </a:solidFill>
+                <a:latin typeface="DINPro" panose="02000503030000020004" pitchFamily="2" charset="0"/>
+              </a:rPr>
+              <a:t>src</a:t>
+            </a:r>
+            <a:r>
+              <a:rPr lang="en-GB" dirty="0">
+                <a:solidFill>
+                  <a:schemeClr val="bg1"/>
+                </a:solidFill>
+                <a:latin typeface="DINPro" panose="02000503030000020004" pitchFamily="2" charset="0"/>
+              </a:rPr>
+              <a:t>=”…”) of the JavaScript file in the Script tag, we have to write all the JavaScript code inside the Script tag.</a:t>
+            </a:r>
+          </a:p>
+          <a:p>
+            <a:pPr algn="ctr">
+              <a:spcAft>
+                <a:spcPts val="2000"/>
+              </a:spcAft>
+            </a:pPr>
+            <a:r>
+              <a:rPr lang="en-US" dirty="0">
+                <a:solidFill>
+                  <a:srgbClr val="F0DA50"/>
+                </a:solidFill>
+                <a:latin typeface="DINPro" panose="02000503030000020004" pitchFamily="2" charset="0"/>
+              </a:rPr>
+              <a:t>Syntax: &lt;script&gt; // JavaScript Code &lt;/script&gt;</a:t>
+            </a:r>
+          </a:p>
+        </p:txBody>
+      </p:sp>
+    </p:spTree>
+    <p:extLst>
+      <p:ext uri="{BB962C8B-B14F-4D97-AF65-F5344CB8AC3E}">
+        <p14:creationId xmlns:p14="http://schemas.microsoft.com/office/powerpoint/2010/main" val="1590962273"/>
+      </p:ext>
+    </p:extLst>
+  </p:cSld>
+  <p:clrMapOvr>
+    <a:masterClrMapping/>
+  </p:clrMapOvr>
+  <p:timing>
+    <p:tnLst>
+      <p:par>
+        <p:cTn id="1" dur="indefinite" restart="never" nodeType="tmRoot">
+          <p:childTnLst>
+            <p:seq concurrent="1" nextAc="seek">
+              <p:cTn id="2" dur="indefinite" nodeType="mainSeq">
+                <p:childTnLst>
+                  <p:par>
+                    <p:cTn id="3" fill="hold">
+                      <p:stCondLst>
+                        <p:cond delay="indefinite"/>
+                      </p:stCondLst>
+                      <p:childTnLst>
+                        <p:par>
+                          <p:cTn id="4" fill="hold">
+                            <p:stCondLst>
+                              <p:cond delay="0"/>
+                            </p:stCondLst>
+                            <p:childTnLst>
+                              <p:par>
+                                <p:cTn id="5" presetID="41" presetClass="entr" presetSubtype="0" fill="hold" grpId="0" nodeType="clickEffect">
+                                  <p:stCondLst>
+                                    <p:cond delay="0"/>
+                                  </p:stCondLst>
+                                  <p:iterate type="lt">
+                                    <p:tmPct val="10000"/>
+                                  </p:iterate>
+                                  <p:childTnLst>
+                                    <p:set>
+                                      <p:cBhvr>
+                                        <p:cTn id="6" dur="1" fill="hold">
+                                          <p:stCondLst>
+                                            <p:cond delay="0"/>
+                                          </p:stCondLst>
+                                        </p:cTn>
+                                        <p:tgtEl>
+                                          <p:spTgt spid="3"/>
+                                        </p:tgtEl>
+                                        <p:attrNameLst>
+                                          <p:attrName>style.visibility</p:attrName>
+                                        </p:attrNameLst>
+                                      </p:cBhvr>
+                                      <p:to>
+                                        <p:strVal val="visible"/>
+                                      </p:to>
+                                    </p:set>
+                                    <p:anim calcmode="lin" valueType="num">
+                                      <p:cBhvr>
+                                        <p:cTn id="7" dur="500" fill="hold"/>
+                                        <p:tgtEl>
+                                          <p:spTgt spid="3"/>
+                                        </p:tgtEl>
+                                        <p:attrNameLst>
+                                          <p:attrName>ppt_x</p:attrName>
+                                        </p:attrNameLst>
+                                      </p:cBhvr>
+                                      <p:tavLst>
+                                        <p:tav tm="0">
+                                          <p:val>
+                                            <p:strVal val="#ppt_x"/>
+                                          </p:val>
+                                        </p:tav>
+                                        <p:tav tm="50000">
+                                          <p:val>
+                                            <p:strVal val="#ppt_x+.1"/>
+                                          </p:val>
+                                        </p:tav>
+                                        <p:tav tm="100000">
+                                          <p:val>
+                                            <p:strVal val="#ppt_x"/>
+                                          </p:val>
+                                        </p:tav>
+                                      </p:tavLst>
+                                    </p:anim>
+                                    <p:anim calcmode="lin" valueType="num">
+                                      <p:cBhvr>
+                                        <p:cTn id="8" dur="500" fill="hold"/>
+                                        <p:tgtEl>
+                                          <p:spTgt spid="3"/>
+                                        </p:tgtEl>
+                                        <p:attrNameLst>
+                                          <p:attrName>ppt_y</p:attrName>
+                                        </p:attrNameLst>
+                                      </p:cBhvr>
+                                      <p:tavLst>
+                                        <p:tav tm="0">
+                                          <p:val>
+                                            <p:strVal val="#ppt_y"/>
+                                          </p:val>
+                                        </p:tav>
+                                        <p:tav tm="100000">
+                                          <p:val>
+                                            <p:strVal val="#ppt_y"/>
+                                          </p:val>
+                                        </p:tav>
+                                      </p:tavLst>
+                                    </p:anim>
+                                    <p:anim calcmode="lin" valueType="num">
+                                      <p:cBhvr>
+                                        <p:cTn id="9" dur="500" fill="hold"/>
+                                        <p:tgtEl>
+                                          <p:spTgt spid="3"/>
+                                        </p:tgtEl>
+                                        <p:attrNameLst>
+                                          <p:attrName>ppt_h</p:attrName>
+                                        </p:attrNameLst>
+                                      </p:cBhvr>
+                                      <p:tavLst>
+                                        <p:tav tm="0">
+                                          <p:val>
+                                            <p:strVal val="#ppt_h/10"/>
+                                          </p:val>
+                                        </p:tav>
+                                        <p:tav tm="50000">
+                                          <p:val>
+                                            <p:strVal val="#ppt_h+.01"/>
+                                          </p:val>
+                                        </p:tav>
+                                        <p:tav tm="100000">
+                                          <p:val>
+                                            <p:strVal val="#ppt_h"/>
+                                          </p:val>
+                                        </p:tav>
+                                      </p:tavLst>
+                                    </p:anim>
+                                    <p:anim calcmode="lin" valueType="num">
+                                      <p:cBhvr>
+                                        <p:cTn id="10" dur="500" fill="hold"/>
+                                        <p:tgtEl>
+                                          <p:spTgt spid="3"/>
+                                        </p:tgtEl>
+                                        <p:attrNameLst>
+                                          <p:attrName>ppt_w</p:attrName>
+                                        </p:attrNameLst>
+                                      </p:cBhvr>
+                                      <p:tavLst>
+                                        <p:tav tm="0">
+                                          <p:val>
+                                            <p:strVal val="#ppt_w/10"/>
+                                          </p:val>
+                                        </p:tav>
+                                        <p:tav tm="50000">
+                                          <p:val>
+                                            <p:strVal val="#ppt_w+.01"/>
+                                          </p:val>
+                                        </p:tav>
+                                        <p:tav tm="100000">
+                                          <p:val>
+                                            <p:strVal val="#ppt_w"/>
+                                          </p:val>
+                                        </p:tav>
+                                      </p:tavLst>
+                                    </p:anim>
+                                    <p:animEffect transition="in" filter="fade">
+                                      <p:cBhvr>
+                                        <p:cTn id="11" dur="500" tmFilter="0,0; .5, 1; 1, 1"/>
+                                        <p:tgtEl>
+                                          <p:spTgt spid="3"/>
+                                        </p:tgtEl>
+                                      </p:cBhvr>
+                                    </p:animEffect>
+                                  </p:childTnLst>
+                                </p:cTn>
+                              </p:par>
+                            </p:childTnLst>
+                          </p:cTn>
+                        </p:par>
+                      </p:childTnLst>
+                    </p:cTn>
+                  </p:par>
+                  <p:par>
+                    <p:cTn id="12" fill="hold">
+                      <p:stCondLst>
+                        <p:cond delay="indefinite"/>
+                      </p:stCondLst>
+                      <p:childTnLst>
+                        <p:par>
+                          <p:cTn id="13" fill="hold">
+                            <p:stCondLst>
+                              <p:cond delay="0"/>
+                            </p:stCondLst>
+                            <p:childTnLst>
+                              <p:par>
+                                <p:cTn id="14" presetID="41" presetClass="entr" presetSubtype="0" fill="hold" grpId="0" nodeType="clickEffect">
+                                  <p:stCondLst>
+                                    <p:cond delay="0"/>
+                                  </p:stCondLst>
+                                  <p:iterate type="lt">
+                                    <p:tmPct val="10000"/>
+                                  </p:iterate>
+                                  <p:childTnLst>
+                                    <p:set>
+                                      <p:cBhvr>
+                                        <p:cTn id="15" dur="1" fill="hold">
+                                          <p:stCondLst>
+                                            <p:cond delay="0"/>
+                                          </p:stCondLst>
+                                        </p:cTn>
+                                        <p:tgtEl>
+                                          <p:spTgt spid="4"/>
+                                        </p:tgtEl>
+                                        <p:attrNameLst>
+                                          <p:attrName>style.visibility</p:attrName>
+                                        </p:attrNameLst>
+                                      </p:cBhvr>
+                                      <p:to>
+                                        <p:strVal val="visible"/>
+                                      </p:to>
+                                    </p:set>
+                                    <p:anim calcmode="lin" valueType="num">
+                                      <p:cBhvr>
+                                        <p:cTn id="16" dur="500" fill="hold"/>
+                                        <p:tgtEl>
+                                          <p:spTgt spid="4"/>
+                                        </p:tgtEl>
+                                        <p:attrNameLst>
+                                          <p:attrName>ppt_x</p:attrName>
+                                        </p:attrNameLst>
+                                      </p:cBhvr>
+                                      <p:tavLst>
+                                        <p:tav tm="0">
+                                          <p:val>
+                                            <p:strVal val="#ppt_x"/>
+                                          </p:val>
+                                        </p:tav>
+                                        <p:tav tm="50000">
+                                          <p:val>
+                                            <p:strVal val="#ppt_x+.1"/>
+                                          </p:val>
+                                        </p:tav>
+                                        <p:tav tm="100000">
+                                          <p:val>
+                                            <p:strVal val="#ppt_x"/>
+                                          </p:val>
+                                        </p:tav>
+                                      </p:tavLst>
+                                    </p:anim>
+                                    <p:anim calcmode="lin" valueType="num">
+                                      <p:cBhvr>
+                                        <p:cTn id="17" dur="500" fill="hold"/>
+                                        <p:tgtEl>
+                                          <p:spTgt spid="4"/>
+                                        </p:tgtEl>
+                                        <p:attrNameLst>
+                                          <p:attrName>ppt_y</p:attrName>
+                                        </p:attrNameLst>
+                                      </p:cBhvr>
+                                      <p:tavLst>
+                                        <p:tav tm="0">
+                                          <p:val>
+                                            <p:strVal val="#ppt_y"/>
+                                          </p:val>
+                                        </p:tav>
+                                        <p:tav tm="100000">
+                                          <p:val>
+                                            <p:strVal val="#ppt_y"/>
+                                          </p:val>
+                                        </p:tav>
+                                      </p:tavLst>
+                                    </p:anim>
+                                    <p:anim calcmode="lin" valueType="num">
+                                      <p:cBhvr>
+                                        <p:cTn id="18" dur="500" fill="hold"/>
+                                        <p:tgtEl>
+                                          <p:spTgt spid="4"/>
+                                        </p:tgtEl>
+                                        <p:attrNameLst>
+                                          <p:attrName>ppt_h</p:attrName>
+                                        </p:attrNameLst>
+                                      </p:cBhvr>
+                                      <p:tavLst>
+                                        <p:tav tm="0">
+                                          <p:val>
+                                            <p:strVal val="#ppt_h/10"/>
+                                          </p:val>
+                                        </p:tav>
+                                        <p:tav tm="50000">
+                                          <p:val>
+                                            <p:strVal val="#ppt_h+.01"/>
+                                          </p:val>
+                                        </p:tav>
+                                        <p:tav tm="100000">
+                                          <p:val>
+                                            <p:strVal val="#ppt_h"/>
+                                          </p:val>
+                                        </p:tav>
+                                      </p:tavLst>
+                                    </p:anim>
+                                    <p:anim calcmode="lin" valueType="num">
+                                      <p:cBhvr>
+                                        <p:cTn id="19" dur="500" fill="hold"/>
+                                        <p:tgtEl>
+                                          <p:spTgt spid="4"/>
+                                        </p:tgtEl>
+                                        <p:attrNameLst>
+                                          <p:attrName>ppt_w</p:attrName>
+                                        </p:attrNameLst>
+                                      </p:cBhvr>
+                                      <p:tavLst>
+                                        <p:tav tm="0">
+                                          <p:val>
+                                            <p:strVal val="#ppt_w/10"/>
+                                          </p:val>
+                                        </p:tav>
+                                        <p:tav tm="50000">
+                                          <p:val>
+                                            <p:strVal val="#ppt_w+.01"/>
+                                          </p:val>
+                                        </p:tav>
+                                        <p:tav tm="100000">
+                                          <p:val>
+                                            <p:strVal val="#ppt_w"/>
+                                          </p:val>
+                                        </p:tav>
+                                      </p:tavLst>
+                                    </p:anim>
+                                    <p:animEffect transition="in" filter="fade">
+                                      <p:cBhvr>
+                                        <p:cTn id="20" dur="500" tmFilter="0,0; .5, 1; 1, 1"/>
+                                        <p:tgtEl>
+                                          <p:spTgt spid="4"/>
+                                        </p:tgtEl>
+                                      </p:cBhvr>
+                                    </p:animEffect>
+                                  </p:childTnLst>
+                                </p:cTn>
+                              </p:par>
+                            </p:childTnLst>
+                          </p:cTn>
+                        </p:par>
+                      </p:childTnLst>
+                    </p:cTn>
+                  </p:par>
+                  <p:par>
+                    <p:cTn id="21" fill="hold">
+                      <p:stCondLst>
+                        <p:cond delay="indefinite"/>
+                      </p:stCondLst>
+                      <p:childTnLst>
+                        <p:par>
+                          <p:cTn id="22" fill="hold">
+                            <p:stCondLst>
+                              <p:cond delay="0"/>
+                            </p:stCondLst>
+                            <p:childTnLst>
+                              <p:par>
+                                <p:cTn id="23" presetID="41" presetClass="entr" presetSubtype="0" fill="hold" grpId="0" nodeType="clickEffect">
+                                  <p:stCondLst>
+                                    <p:cond delay="0"/>
+                                  </p:stCondLst>
+                                  <p:iterate type="lt">
+                                    <p:tmPct val="10000"/>
+                                  </p:iterate>
+                                  <p:childTnLst>
+                                    <p:set>
+                                      <p:cBhvr>
+                                        <p:cTn id="24" dur="1" fill="hold">
+                                          <p:stCondLst>
+                                            <p:cond delay="0"/>
+                                          </p:stCondLst>
+                                        </p:cTn>
+                                        <p:tgtEl>
+                                          <p:spTgt spid="5"/>
+                                        </p:tgtEl>
+                                        <p:attrNameLst>
+                                          <p:attrName>style.visibility</p:attrName>
+                                        </p:attrNameLst>
+                                      </p:cBhvr>
+                                      <p:to>
+                                        <p:strVal val="visible"/>
+                                      </p:to>
+                                    </p:set>
+                                    <p:anim calcmode="lin" valueType="num">
+                                      <p:cBhvr>
+                                        <p:cTn id="25" dur="500" fill="hold"/>
+                                        <p:tgtEl>
+                                          <p:spTgt spid="5"/>
+                                        </p:tgtEl>
+                                        <p:attrNameLst>
+                                          <p:attrName>ppt_x</p:attrName>
+                                        </p:attrNameLst>
+                                      </p:cBhvr>
+                                      <p:tavLst>
+                                        <p:tav tm="0">
+                                          <p:val>
+                                            <p:strVal val="#ppt_x"/>
+                                          </p:val>
+                                        </p:tav>
+                                        <p:tav tm="50000">
+                                          <p:val>
+                                            <p:strVal val="#ppt_x+.1"/>
+                                          </p:val>
+                                        </p:tav>
+                                        <p:tav tm="100000">
+                                          <p:val>
+                                            <p:strVal val="#ppt_x"/>
+                                          </p:val>
+                                        </p:tav>
+                                      </p:tavLst>
+                                    </p:anim>
+                                    <p:anim calcmode="lin" valueType="num">
+                                      <p:cBhvr>
+                                        <p:cTn id="26" dur="500" fill="hold"/>
+                                        <p:tgtEl>
+                                          <p:spTgt spid="5"/>
+                                        </p:tgtEl>
+                                        <p:attrNameLst>
+                                          <p:attrName>ppt_y</p:attrName>
+                                        </p:attrNameLst>
+                                      </p:cBhvr>
+                                      <p:tavLst>
+                                        <p:tav tm="0">
+                                          <p:val>
+                                            <p:strVal val="#ppt_y"/>
+                                          </p:val>
+                                        </p:tav>
+                                        <p:tav tm="100000">
+                                          <p:val>
+                                            <p:strVal val="#ppt_y"/>
+                                          </p:val>
+                                        </p:tav>
+                                      </p:tavLst>
+                                    </p:anim>
+                                    <p:anim calcmode="lin" valueType="num">
+                                      <p:cBhvr>
+                                        <p:cTn id="27" dur="500" fill="hold"/>
+                                        <p:tgtEl>
+                                          <p:spTgt spid="5"/>
+                                        </p:tgtEl>
+                                        <p:attrNameLst>
+                                          <p:attrName>ppt_h</p:attrName>
+                                        </p:attrNameLst>
+                                      </p:cBhvr>
+                                      <p:tavLst>
+                                        <p:tav tm="0">
+                                          <p:val>
+                                            <p:strVal val="#ppt_h/10"/>
+                                          </p:val>
+                                        </p:tav>
+                                        <p:tav tm="50000">
+                                          <p:val>
+                                            <p:strVal val="#ppt_h+.01"/>
+                                          </p:val>
+                                        </p:tav>
+                                        <p:tav tm="100000">
+                                          <p:val>
+                                            <p:strVal val="#ppt_h"/>
+                                          </p:val>
+                                        </p:tav>
+                                      </p:tavLst>
+                                    </p:anim>
+                                    <p:anim calcmode="lin" valueType="num">
+                                      <p:cBhvr>
+                                        <p:cTn id="28" dur="500" fill="hold"/>
+                                        <p:tgtEl>
+                                          <p:spTgt spid="5"/>
+                                        </p:tgtEl>
+                                        <p:attrNameLst>
+                                          <p:attrName>ppt_w</p:attrName>
+                                        </p:attrNameLst>
+                                      </p:cBhvr>
+                                      <p:tavLst>
+                                        <p:tav tm="0">
+                                          <p:val>
+                                            <p:strVal val="#ppt_w/10"/>
+                                          </p:val>
+                                        </p:tav>
+                                        <p:tav tm="50000">
+                                          <p:val>
+                                            <p:strVal val="#ppt_w+.01"/>
+                                          </p:val>
+                                        </p:tav>
+                                        <p:tav tm="100000">
+                                          <p:val>
+                                            <p:strVal val="#ppt_w"/>
+                                          </p:val>
+                                        </p:tav>
+                                      </p:tavLst>
+                                    </p:anim>
+                                    <p:animEffect transition="in" filter="fade">
+                                      <p:cBhvr>
+                                        <p:cTn id="29" dur="500" tmFilter="0,0; .5, 1; 1, 1"/>
+                                        <p:tgtEl>
+                                          <p:spTgt spid="5"/>
+                                        </p:tgtEl>
+                                      </p:cBhvr>
+                                    </p:animEffect>
+                                  </p:childTnLst>
+                                </p:cTn>
+                              </p:par>
+                            </p:childTnLst>
+                          </p:cTn>
+                        </p:par>
+                      </p:childTnLst>
+                    </p:cTn>
+                  </p:par>
+                </p:childTnLst>
+              </p:cTn>
+              <p:prevCondLst>
+                <p:cond evt="onPrev" delay="0">
+                  <p:tgtEl>
+                    <p:sldTgt/>
+                  </p:tgtEl>
+                </p:cond>
+              </p:prevCondLst>
+              <p:nextCondLst>
+                <p:cond evt="onNext" delay="0">
+                  <p:tgtEl>
+                    <p:sldTgt/>
+                  </p:tgtEl>
+                </p:cond>
+              </p:nextCondLst>
+            </p:seq>
+          </p:childTnLst>
+        </p:cTn>
+      </p:par>
+    </p:tnLst>
+    <p:bldLst>
+      <p:bldP spid="3" grpId="0" animBg="1"/>
+      <p:bldP spid="4" grpId="0" animBg="1"/>
+      <p:bldP spid="5" grpId="0" animBg="1"/>
+    </p:bldLst>
+  </p:timing>
+</p:sld>
+</file>
+
 <file path=ppt/slides/slide2.xml><?xml version="1.0" encoding="utf-8"?>
 <p:sld xmlns:a="http://schemas.openxmlformats.org/drawingml/2006/main" xmlns:r="http://schemas.openxmlformats.org/officeDocument/2006/relationships" xmlns:p="http://schemas.openxmlformats.org/presentationml/2006/main">
   <p:cSld>
@@ -7475,7 +9219,7 @@
         </p:nvSpPr>
         <p:spPr>
           <a:xfrm>
-            <a:off x="4683318" y="1668067"/>
+            <a:off x="4691134" y="1023142"/>
             <a:ext cx="6313336" cy="4059266"/>
           </a:xfrm>
           <a:prstGeom prst="rect">
@@ -7994,7 +9738,7 @@
         </p:nvSpPr>
         <p:spPr>
           <a:xfrm>
-            <a:off x="4683318" y="1622901"/>
+            <a:off x="4636426" y="987817"/>
             <a:ext cx="6313336" cy="4113947"/>
           </a:xfrm>
           <a:prstGeom prst="rect">
@@ -8020,7 +9764,7 @@
                 </a:solidFill>
                 <a:latin typeface="DINPro" panose="02000503030000020004" pitchFamily="2" charset="0"/>
               </a:rPr>
-              <a:t>It’s the most popular programming language</a:t>
+              <a:t>It’s the most popular programming language.</a:t>
             </a:r>
           </a:p>
           <a:p>
@@ -8036,7 +9780,7 @@
                 </a:solidFill>
                 <a:latin typeface="DINPro" panose="02000503030000020004" pitchFamily="2" charset="0"/>
               </a:rPr>
-              <a:t>JavaScript is, without question, the default language of the internet.</a:t>
+              <a:t>JavaScript is, without question, the default language of the Internet.</a:t>
             </a:r>
           </a:p>
           <a:p>
@@ -8582,7 +10326,7 @@
         </p:nvSpPr>
         <p:spPr>
           <a:xfrm>
-            <a:off x="4683318" y="2109098"/>
+            <a:off x="4738026" y="987817"/>
             <a:ext cx="6313336" cy="2800767"/>
           </a:xfrm>
           <a:prstGeom prst="rect">
@@ -9553,7 +11297,7 @@
         </p:nvSpPr>
         <p:spPr>
           <a:xfrm>
-            <a:off x="4683318" y="2109098"/>
+            <a:off x="4675503" y="987817"/>
             <a:ext cx="6313336" cy="1733808"/>
           </a:xfrm>
           <a:prstGeom prst="rect">

--- a/JavaScript/Document/JS-Presentation.pptx
+++ b/JavaScript/Document/JS-Presentation.pptx
@@ -207,7 +207,7 @@
           <a:p>
             <a:fld id="{7790F60D-47A9-B44F-AEAE-6B732B219A46}" type="datetimeFigureOut">
               <a:rPr lang="en-US" smtClean="0"/>
-              <a:t>8/11/20</a:t>
+              <a:t>8/11/2020</a:t>
             </a:fld>
             <a:endParaRPr lang="en-US"/>
           </a:p>
@@ -581,7 +581,7 @@
           <p:cNvPr id="2" name="Title 1">
             <a:extLst>
               <a:ext uri="{FF2B5EF4-FFF2-40B4-BE49-F238E27FC236}">
-                <a16:creationId xmlns:a16="http://schemas.microsoft.com/office/drawing/2014/main" id="{950384AF-3CEB-C14B-9DF7-B20D85E92224}"/>
+                <a16:creationId xmlns:a16="http://schemas.microsoft.com/office/drawing/2014/main" xmlns="" id="{950384AF-3CEB-C14B-9DF7-B20D85E92224}"/>
               </a:ext>
             </a:extLst>
           </p:cNvPr>
@@ -619,7 +619,7 @@
           <p:cNvPr id="3" name="Subtitle 2">
             <a:extLst>
               <a:ext uri="{FF2B5EF4-FFF2-40B4-BE49-F238E27FC236}">
-                <a16:creationId xmlns:a16="http://schemas.microsoft.com/office/drawing/2014/main" id="{7BDB3219-FEF3-AB48-BDB5-7F92264EDCD4}"/>
+                <a16:creationId xmlns:a16="http://schemas.microsoft.com/office/drawing/2014/main" xmlns="" id="{7BDB3219-FEF3-AB48-BDB5-7F92264EDCD4}"/>
               </a:ext>
             </a:extLst>
           </p:cNvPr>
@@ -690,7 +690,7 @@
           <p:cNvPr id="4" name="Date Placeholder 3">
             <a:extLst>
               <a:ext uri="{FF2B5EF4-FFF2-40B4-BE49-F238E27FC236}">
-                <a16:creationId xmlns:a16="http://schemas.microsoft.com/office/drawing/2014/main" id="{CF5CF4B7-1026-AD4F-B7E6-17537B747CC0}"/>
+                <a16:creationId xmlns:a16="http://schemas.microsoft.com/office/drawing/2014/main" xmlns="" id="{CF5CF4B7-1026-AD4F-B7E6-17537B747CC0}"/>
               </a:ext>
             </a:extLst>
           </p:cNvPr>
@@ -708,7 +708,7 @@
           <a:p>
             <a:fld id="{38B26705-B514-7D45-A28E-361F31ECD955}" type="datetimeFigureOut">
               <a:rPr lang="en-US" smtClean="0"/>
-              <a:t>8/11/20</a:t>
+              <a:t>8/11/2020</a:t>
             </a:fld>
             <a:endParaRPr lang="en-US"/>
           </a:p>
@@ -719,7 +719,7 @@
           <p:cNvPr id="5" name="Footer Placeholder 4">
             <a:extLst>
               <a:ext uri="{FF2B5EF4-FFF2-40B4-BE49-F238E27FC236}">
-                <a16:creationId xmlns:a16="http://schemas.microsoft.com/office/drawing/2014/main" id="{DD92FA82-2A49-CB41-810F-2BE6D7E8E30A}"/>
+                <a16:creationId xmlns:a16="http://schemas.microsoft.com/office/drawing/2014/main" xmlns="" id="{DD92FA82-2A49-CB41-810F-2BE6D7E8E30A}"/>
               </a:ext>
             </a:extLst>
           </p:cNvPr>
@@ -744,7 +744,7 @@
           <p:cNvPr id="6" name="Slide Number Placeholder 5">
             <a:extLst>
               <a:ext uri="{FF2B5EF4-FFF2-40B4-BE49-F238E27FC236}">
-                <a16:creationId xmlns:a16="http://schemas.microsoft.com/office/drawing/2014/main" id="{FD5E1BAD-3142-5A49-A4A8-A2B4E01E7E48}"/>
+                <a16:creationId xmlns:a16="http://schemas.microsoft.com/office/drawing/2014/main" xmlns="" id="{FD5E1BAD-3142-5A49-A4A8-A2B4E01E7E48}"/>
               </a:ext>
             </a:extLst>
           </p:cNvPr>
@@ -803,7 +803,7 @@
           <p:cNvPr id="2" name="Title 1">
             <a:extLst>
               <a:ext uri="{FF2B5EF4-FFF2-40B4-BE49-F238E27FC236}">
-                <a16:creationId xmlns:a16="http://schemas.microsoft.com/office/drawing/2014/main" id="{679A33D3-27B5-7241-A16E-FF94E3F03A78}"/>
+                <a16:creationId xmlns:a16="http://schemas.microsoft.com/office/drawing/2014/main" xmlns="" id="{679A33D3-27B5-7241-A16E-FF94E3F03A78}"/>
               </a:ext>
             </a:extLst>
           </p:cNvPr>
@@ -832,7 +832,7 @@
           <p:cNvPr id="3" name="Vertical Text Placeholder 2">
             <a:extLst>
               <a:ext uri="{FF2B5EF4-FFF2-40B4-BE49-F238E27FC236}">
-                <a16:creationId xmlns:a16="http://schemas.microsoft.com/office/drawing/2014/main" id="{654F9CDC-48BF-0640-B7FC-F118C3607D58}"/>
+                <a16:creationId xmlns:a16="http://schemas.microsoft.com/office/drawing/2014/main" xmlns="" id="{654F9CDC-48BF-0640-B7FC-F118C3607D58}"/>
               </a:ext>
             </a:extLst>
           </p:cNvPr>
@@ -890,7 +890,7 @@
           <p:cNvPr id="4" name="Date Placeholder 3">
             <a:extLst>
               <a:ext uri="{FF2B5EF4-FFF2-40B4-BE49-F238E27FC236}">
-                <a16:creationId xmlns:a16="http://schemas.microsoft.com/office/drawing/2014/main" id="{000B419A-F7D0-E24F-9B36-C1255CF3B818}"/>
+                <a16:creationId xmlns:a16="http://schemas.microsoft.com/office/drawing/2014/main" xmlns="" id="{000B419A-F7D0-E24F-9B36-C1255CF3B818}"/>
               </a:ext>
             </a:extLst>
           </p:cNvPr>
@@ -908,7 +908,7 @@
           <a:p>
             <a:fld id="{38B26705-B514-7D45-A28E-361F31ECD955}" type="datetimeFigureOut">
               <a:rPr lang="en-US" smtClean="0"/>
-              <a:t>8/11/20</a:t>
+              <a:t>8/11/2020</a:t>
             </a:fld>
             <a:endParaRPr lang="en-US"/>
           </a:p>
@@ -919,7 +919,7 @@
           <p:cNvPr id="5" name="Footer Placeholder 4">
             <a:extLst>
               <a:ext uri="{FF2B5EF4-FFF2-40B4-BE49-F238E27FC236}">
-                <a16:creationId xmlns:a16="http://schemas.microsoft.com/office/drawing/2014/main" id="{68BB74C8-A72E-2441-BF73-BAC62317BB03}"/>
+                <a16:creationId xmlns:a16="http://schemas.microsoft.com/office/drawing/2014/main" xmlns="" id="{68BB74C8-A72E-2441-BF73-BAC62317BB03}"/>
               </a:ext>
             </a:extLst>
           </p:cNvPr>
@@ -944,7 +944,7 @@
           <p:cNvPr id="6" name="Slide Number Placeholder 5">
             <a:extLst>
               <a:ext uri="{FF2B5EF4-FFF2-40B4-BE49-F238E27FC236}">
-                <a16:creationId xmlns:a16="http://schemas.microsoft.com/office/drawing/2014/main" id="{1E1EF13E-AEFF-EB41-8221-FB90C9CE998D}"/>
+                <a16:creationId xmlns:a16="http://schemas.microsoft.com/office/drawing/2014/main" xmlns="" id="{1E1EF13E-AEFF-EB41-8221-FB90C9CE998D}"/>
               </a:ext>
             </a:extLst>
           </p:cNvPr>
@@ -1003,7 +1003,7 @@
           <p:cNvPr id="2" name="Vertical Title 1">
             <a:extLst>
               <a:ext uri="{FF2B5EF4-FFF2-40B4-BE49-F238E27FC236}">
-                <a16:creationId xmlns:a16="http://schemas.microsoft.com/office/drawing/2014/main" id="{A791FE4C-3923-A649-B43C-0278C43D9CB8}"/>
+                <a16:creationId xmlns:a16="http://schemas.microsoft.com/office/drawing/2014/main" xmlns="" id="{A791FE4C-3923-A649-B43C-0278C43D9CB8}"/>
               </a:ext>
             </a:extLst>
           </p:cNvPr>
@@ -1037,7 +1037,7 @@
           <p:cNvPr id="3" name="Vertical Text Placeholder 2">
             <a:extLst>
               <a:ext uri="{FF2B5EF4-FFF2-40B4-BE49-F238E27FC236}">
-                <a16:creationId xmlns:a16="http://schemas.microsoft.com/office/drawing/2014/main" id="{9D7910FF-BFB7-6A46-93E1-9A4DC8433FA6}"/>
+                <a16:creationId xmlns:a16="http://schemas.microsoft.com/office/drawing/2014/main" xmlns="" id="{9D7910FF-BFB7-6A46-93E1-9A4DC8433FA6}"/>
               </a:ext>
             </a:extLst>
           </p:cNvPr>
@@ -1100,7 +1100,7 @@
           <p:cNvPr id="4" name="Date Placeholder 3">
             <a:extLst>
               <a:ext uri="{FF2B5EF4-FFF2-40B4-BE49-F238E27FC236}">
-                <a16:creationId xmlns:a16="http://schemas.microsoft.com/office/drawing/2014/main" id="{BE68B7C7-5FD9-6C41-BA80-C425B66CD36E}"/>
+                <a16:creationId xmlns:a16="http://schemas.microsoft.com/office/drawing/2014/main" xmlns="" id="{BE68B7C7-5FD9-6C41-BA80-C425B66CD36E}"/>
               </a:ext>
             </a:extLst>
           </p:cNvPr>
@@ -1118,7 +1118,7 @@
           <a:p>
             <a:fld id="{38B26705-B514-7D45-A28E-361F31ECD955}" type="datetimeFigureOut">
               <a:rPr lang="en-US" smtClean="0"/>
-              <a:t>8/11/20</a:t>
+              <a:t>8/11/2020</a:t>
             </a:fld>
             <a:endParaRPr lang="en-US"/>
           </a:p>
@@ -1129,7 +1129,7 @@
           <p:cNvPr id="5" name="Footer Placeholder 4">
             <a:extLst>
               <a:ext uri="{FF2B5EF4-FFF2-40B4-BE49-F238E27FC236}">
-                <a16:creationId xmlns:a16="http://schemas.microsoft.com/office/drawing/2014/main" id="{479FFE06-16E9-1B44-84B8-64CA298196A1}"/>
+                <a16:creationId xmlns:a16="http://schemas.microsoft.com/office/drawing/2014/main" xmlns="" id="{479FFE06-16E9-1B44-84B8-64CA298196A1}"/>
               </a:ext>
             </a:extLst>
           </p:cNvPr>
@@ -1154,7 +1154,7 @@
           <p:cNvPr id="6" name="Slide Number Placeholder 5">
             <a:extLst>
               <a:ext uri="{FF2B5EF4-FFF2-40B4-BE49-F238E27FC236}">
-                <a16:creationId xmlns:a16="http://schemas.microsoft.com/office/drawing/2014/main" id="{4A403F98-59DB-BA45-A336-AC76E9FB651D}"/>
+                <a16:creationId xmlns:a16="http://schemas.microsoft.com/office/drawing/2014/main" xmlns="" id="{4A403F98-59DB-BA45-A336-AC76E9FB651D}"/>
               </a:ext>
             </a:extLst>
           </p:cNvPr>
@@ -1213,7 +1213,7 @@
           <p:cNvPr id="2" name="Title 1">
             <a:extLst>
               <a:ext uri="{FF2B5EF4-FFF2-40B4-BE49-F238E27FC236}">
-                <a16:creationId xmlns:a16="http://schemas.microsoft.com/office/drawing/2014/main" id="{AFDDA590-80EA-4C41-A84F-126D4798F946}"/>
+                <a16:creationId xmlns:a16="http://schemas.microsoft.com/office/drawing/2014/main" xmlns="" id="{AFDDA590-80EA-4C41-A84F-126D4798F946}"/>
               </a:ext>
             </a:extLst>
           </p:cNvPr>
@@ -1242,7 +1242,7 @@
           <p:cNvPr id="3" name="Content Placeholder 2">
             <a:extLst>
               <a:ext uri="{FF2B5EF4-FFF2-40B4-BE49-F238E27FC236}">
-                <a16:creationId xmlns:a16="http://schemas.microsoft.com/office/drawing/2014/main" id="{D17CE5E4-0BAB-5448-912C-EA085E6D8D7F}"/>
+                <a16:creationId xmlns:a16="http://schemas.microsoft.com/office/drawing/2014/main" xmlns="" id="{D17CE5E4-0BAB-5448-912C-EA085E6D8D7F}"/>
               </a:ext>
             </a:extLst>
           </p:cNvPr>
@@ -1300,7 +1300,7 @@
           <p:cNvPr id="4" name="Date Placeholder 3">
             <a:extLst>
               <a:ext uri="{FF2B5EF4-FFF2-40B4-BE49-F238E27FC236}">
-                <a16:creationId xmlns:a16="http://schemas.microsoft.com/office/drawing/2014/main" id="{56880C18-9A3C-4D43-BD96-511644C9353E}"/>
+                <a16:creationId xmlns:a16="http://schemas.microsoft.com/office/drawing/2014/main" xmlns="" id="{56880C18-9A3C-4D43-BD96-511644C9353E}"/>
               </a:ext>
             </a:extLst>
           </p:cNvPr>
@@ -1318,7 +1318,7 @@
           <a:p>
             <a:fld id="{38B26705-B514-7D45-A28E-361F31ECD955}" type="datetimeFigureOut">
               <a:rPr lang="en-US" smtClean="0"/>
-              <a:t>8/11/20</a:t>
+              <a:t>8/11/2020</a:t>
             </a:fld>
             <a:endParaRPr lang="en-US"/>
           </a:p>
@@ -1329,7 +1329,7 @@
           <p:cNvPr id="5" name="Footer Placeholder 4">
             <a:extLst>
               <a:ext uri="{FF2B5EF4-FFF2-40B4-BE49-F238E27FC236}">
-                <a16:creationId xmlns:a16="http://schemas.microsoft.com/office/drawing/2014/main" id="{89768227-C0B8-8343-9509-0C08D44508BD}"/>
+                <a16:creationId xmlns:a16="http://schemas.microsoft.com/office/drawing/2014/main" xmlns="" id="{89768227-C0B8-8343-9509-0C08D44508BD}"/>
               </a:ext>
             </a:extLst>
           </p:cNvPr>
@@ -1354,7 +1354,7 @@
           <p:cNvPr id="6" name="Slide Number Placeholder 5">
             <a:extLst>
               <a:ext uri="{FF2B5EF4-FFF2-40B4-BE49-F238E27FC236}">
-                <a16:creationId xmlns:a16="http://schemas.microsoft.com/office/drawing/2014/main" id="{F33E9081-C6BA-7B46-9A7D-B39A09E743EB}"/>
+                <a16:creationId xmlns:a16="http://schemas.microsoft.com/office/drawing/2014/main" xmlns="" id="{F33E9081-C6BA-7B46-9A7D-B39A09E743EB}"/>
               </a:ext>
             </a:extLst>
           </p:cNvPr>
@@ -1413,7 +1413,7 @@
           <p:cNvPr id="2" name="Title 1">
             <a:extLst>
               <a:ext uri="{FF2B5EF4-FFF2-40B4-BE49-F238E27FC236}">
-                <a16:creationId xmlns:a16="http://schemas.microsoft.com/office/drawing/2014/main" id="{E703665D-AD0F-DD43-ADB3-640785EA8A29}"/>
+                <a16:creationId xmlns:a16="http://schemas.microsoft.com/office/drawing/2014/main" xmlns="" id="{E703665D-AD0F-DD43-ADB3-640785EA8A29}"/>
               </a:ext>
             </a:extLst>
           </p:cNvPr>
@@ -1451,7 +1451,7 @@
           <p:cNvPr id="3" name="Text Placeholder 2">
             <a:extLst>
               <a:ext uri="{FF2B5EF4-FFF2-40B4-BE49-F238E27FC236}">
-                <a16:creationId xmlns:a16="http://schemas.microsoft.com/office/drawing/2014/main" id="{E8AEB0C0-3A72-9B41-95AE-40BDF48E1CBA}"/>
+                <a16:creationId xmlns:a16="http://schemas.microsoft.com/office/drawing/2014/main" xmlns="" id="{E8AEB0C0-3A72-9B41-95AE-40BDF48E1CBA}"/>
               </a:ext>
             </a:extLst>
           </p:cNvPr>
@@ -1576,7 +1576,7 @@
           <p:cNvPr id="4" name="Date Placeholder 3">
             <a:extLst>
               <a:ext uri="{FF2B5EF4-FFF2-40B4-BE49-F238E27FC236}">
-                <a16:creationId xmlns:a16="http://schemas.microsoft.com/office/drawing/2014/main" id="{F54272C3-38B0-364C-B45E-7B3AA6C8A7D5}"/>
+                <a16:creationId xmlns:a16="http://schemas.microsoft.com/office/drawing/2014/main" xmlns="" id="{F54272C3-38B0-364C-B45E-7B3AA6C8A7D5}"/>
               </a:ext>
             </a:extLst>
           </p:cNvPr>
@@ -1594,7 +1594,7 @@
           <a:p>
             <a:fld id="{38B26705-B514-7D45-A28E-361F31ECD955}" type="datetimeFigureOut">
               <a:rPr lang="en-US" smtClean="0"/>
-              <a:t>8/11/20</a:t>
+              <a:t>8/11/2020</a:t>
             </a:fld>
             <a:endParaRPr lang="en-US"/>
           </a:p>
@@ -1605,7 +1605,7 @@
           <p:cNvPr id="5" name="Footer Placeholder 4">
             <a:extLst>
               <a:ext uri="{FF2B5EF4-FFF2-40B4-BE49-F238E27FC236}">
-                <a16:creationId xmlns:a16="http://schemas.microsoft.com/office/drawing/2014/main" id="{41EBFC04-AF18-C54A-89E9-8AEF5C8EBBDD}"/>
+                <a16:creationId xmlns:a16="http://schemas.microsoft.com/office/drawing/2014/main" xmlns="" id="{41EBFC04-AF18-C54A-89E9-8AEF5C8EBBDD}"/>
               </a:ext>
             </a:extLst>
           </p:cNvPr>
@@ -1630,7 +1630,7 @@
           <p:cNvPr id="6" name="Slide Number Placeholder 5">
             <a:extLst>
               <a:ext uri="{FF2B5EF4-FFF2-40B4-BE49-F238E27FC236}">
-                <a16:creationId xmlns:a16="http://schemas.microsoft.com/office/drawing/2014/main" id="{1927D3F3-B1F1-E140-971C-EA69AED3CE37}"/>
+                <a16:creationId xmlns:a16="http://schemas.microsoft.com/office/drawing/2014/main" xmlns="" id="{1927D3F3-B1F1-E140-971C-EA69AED3CE37}"/>
               </a:ext>
             </a:extLst>
           </p:cNvPr>
@@ -1689,7 +1689,7 @@
           <p:cNvPr id="2" name="Title 1">
             <a:extLst>
               <a:ext uri="{FF2B5EF4-FFF2-40B4-BE49-F238E27FC236}">
-                <a16:creationId xmlns:a16="http://schemas.microsoft.com/office/drawing/2014/main" id="{B97CFF8A-9350-414F-8BE9-D3FE5A1AA9BB}"/>
+                <a16:creationId xmlns:a16="http://schemas.microsoft.com/office/drawing/2014/main" xmlns="" id="{B97CFF8A-9350-414F-8BE9-D3FE5A1AA9BB}"/>
               </a:ext>
             </a:extLst>
           </p:cNvPr>
@@ -1718,7 +1718,7 @@
           <p:cNvPr id="3" name="Content Placeholder 2">
             <a:extLst>
               <a:ext uri="{FF2B5EF4-FFF2-40B4-BE49-F238E27FC236}">
-                <a16:creationId xmlns:a16="http://schemas.microsoft.com/office/drawing/2014/main" id="{9908D96D-2610-FE46-BACF-278B4309C821}"/>
+                <a16:creationId xmlns:a16="http://schemas.microsoft.com/office/drawing/2014/main" xmlns="" id="{9908D96D-2610-FE46-BACF-278B4309C821}"/>
               </a:ext>
             </a:extLst>
           </p:cNvPr>
@@ -1781,7 +1781,7 @@
           <p:cNvPr id="4" name="Content Placeholder 3">
             <a:extLst>
               <a:ext uri="{FF2B5EF4-FFF2-40B4-BE49-F238E27FC236}">
-                <a16:creationId xmlns:a16="http://schemas.microsoft.com/office/drawing/2014/main" id="{532E87CC-07C9-604A-806F-9E1C00170C70}"/>
+                <a16:creationId xmlns:a16="http://schemas.microsoft.com/office/drawing/2014/main" xmlns="" id="{532E87CC-07C9-604A-806F-9E1C00170C70}"/>
               </a:ext>
             </a:extLst>
           </p:cNvPr>
@@ -1844,7 +1844,7 @@
           <p:cNvPr id="5" name="Date Placeholder 4">
             <a:extLst>
               <a:ext uri="{FF2B5EF4-FFF2-40B4-BE49-F238E27FC236}">
-                <a16:creationId xmlns:a16="http://schemas.microsoft.com/office/drawing/2014/main" id="{8CCCC9AB-4EBD-9941-BA59-F2859FB56FC8}"/>
+                <a16:creationId xmlns:a16="http://schemas.microsoft.com/office/drawing/2014/main" xmlns="" id="{8CCCC9AB-4EBD-9941-BA59-F2859FB56FC8}"/>
               </a:ext>
             </a:extLst>
           </p:cNvPr>
@@ -1862,7 +1862,7 @@
           <a:p>
             <a:fld id="{38B26705-B514-7D45-A28E-361F31ECD955}" type="datetimeFigureOut">
               <a:rPr lang="en-US" smtClean="0"/>
-              <a:t>8/11/20</a:t>
+              <a:t>8/11/2020</a:t>
             </a:fld>
             <a:endParaRPr lang="en-US"/>
           </a:p>
@@ -1873,7 +1873,7 @@
           <p:cNvPr id="6" name="Footer Placeholder 5">
             <a:extLst>
               <a:ext uri="{FF2B5EF4-FFF2-40B4-BE49-F238E27FC236}">
-                <a16:creationId xmlns:a16="http://schemas.microsoft.com/office/drawing/2014/main" id="{9AD126E5-D1FE-9849-AFB9-62BCC4B95B02}"/>
+                <a16:creationId xmlns:a16="http://schemas.microsoft.com/office/drawing/2014/main" xmlns="" id="{9AD126E5-D1FE-9849-AFB9-62BCC4B95B02}"/>
               </a:ext>
             </a:extLst>
           </p:cNvPr>
@@ -1898,7 +1898,7 @@
           <p:cNvPr id="7" name="Slide Number Placeholder 6">
             <a:extLst>
               <a:ext uri="{FF2B5EF4-FFF2-40B4-BE49-F238E27FC236}">
-                <a16:creationId xmlns:a16="http://schemas.microsoft.com/office/drawing/2014/main" id="{90A96988-3987-7845-8DD9-3F82734B7DCB}"/>
+                <a16:creationId xmlns:a16="http://schemas.microsoft.com/office/drawing/2014/main" xmlns="" id="{90A96988-3987-7845-8DD9-3F82734B7DCB}"/>
               </a:ext>
             </a:extLst>
           </p:cNvPr>
@@ -1957,7 +1957,7 @@
           <p:cNvPr id="2" name="Title 1">
             <a:extLst>
               <a:ext uri="{FF2B5EF4-FFF2-40B4-BE49-F238E27FC236}">
-                <a16:creationId xmlns:a16="http://schemas.microsoft.com/office/drawing/2014/main" id="{27AACC01-ADCE-794C-9886-73B3A1F41AA2}"/>
+                <a16:creationId xmlns:a16="http://schemas.microsoft.com/office/drawing/2014/main" xmlns="" id="{27AACC01-ADCE-794C-9886-73B3A1F41AA2}"/>
               </a:ext>
             </a:extLst>
           </p:cNvPr>
@@ -1991,7 +1991,7 @@
           <p:cNvPr id="3" name="Text Placeholder 2">
             <a:extLst>
               <a:ext uri="{FF2B5EF4-FFF2-40B4-BE49-F238E27FC236}">
-                <a16:creationId xmlns:a16="http://schemas.microsoft.com/office/drawing/2014/main" id="{4649A869-D5B1-124E-8DA7-4CDDDCAF9978}"/>
+                <a16:creationId xmlns:a16="http://schemas.microsoft.com/office/drawing/2014/main" xmlns="" id="{4649A869-D5B1-124E-8DA7-4CDDDCAF9978}"/>
               </a:ext>
             </a:extLst>
           </p:cNvPr>
@@ -2062,7 +2062,7 @@
           <p:cNvPr id="4" name="Content Placeholder 3">
             <a:extLst>
               <a:ext uri="{FF2B5EF4-FFF2-40B4-BE49-F238E27FC236}">
-                <a16:creationId xmlns:a16="http://schemas.microsoft.com/office/drawing/2014/main" id="{975426D2-1CE8-5049-B984-8B7D730DA293}"/>
+                <a16:creationId xmlns:a16="http://schemas.microsoft.com/office/drawing/2014/main" xmlns="" id="{975426D2-1CE8-5049-B984-8B7D730DA293}"/>
               </a:ext>
             </a:extLst>
           </p:cNvPr>
@@ -2125,7 +2125,7 @@
           <p:cNvPr id="5" name="Text Placeholder 4">
             <a:extLst>
               <a:ext uri="{FF2B5EF4-FFF2-40B4-BE49-F238E27FC236}">
-                <a16:creationId xmlns:a16="http://schemas.microsoft.com/office/drawing/2014/main" id="{C92637DB-E1D8-C740-B94F-6C534A11B262}"/>
+                <a16:creationId xmlns:a16="http://schemas.microsoft.com/office/drawing/2014/main" xmlns="" id="{C92637DB-E1D8-C740-B94F-6C534A11B262}"/>
               </a:ext>
             </a:extLst>
           </p:cNvPr>
@@ -2196,7 +2196,7 @@
           <p:cNvPr id="6" name="Content Placeholder 5">
             <a:extLst>
               <a:ext uri="{FF2B5EF4-FFF2-40B4-BE49-F238E27FC236}">
-                <a16:creationId xmlns:a16="http://schemas.microsoft.com/office/drawing/2014/main" id="{18681768-D0CF-8E45-B99C-2789B421FB3B}"/>
+                <a16:creationId xmlns:a16="http://schemas.microsoft.com/office/drawing/2014/main" xmlns="" id="{18681768-D0CF-8E45-B99C-2789B421FB3B}"/>
               </a:ext>
             </a:extLst>
           </p:cNvPr>
@@ -2259,7 +2259,7 @@
           <p:cNvPr id="7" name="Date Placeholder 6">
             <a:extLst>
               <a:ext uri="{FF2B5EF4-FFF2-40B4-BE49-F238E27FC236}">
-                <a16:creationId xmlns:a16="http://schemas.microsoft.com/office/drawing/2014/main" id="{DB3DBEEF-4E22-5049-8C6F-25B086BB0969}"/>
+                <a16:creationId xmlns:a16="http://schemas.microsoft.com/office/drawing/2014/main" xmlns="" id="{DB3DBEEF-4E22-5049-8C6F-25B086BB0969}"/>
               </a:ext>
             </a:extLst>
           </p:cNvPr>
@@ -2277,7 +2277,7 @@
           <a:p>
             <a:fld id="{38B26705-B514-7D45-A28E-361F31ECD955}" type="datetimeFigureOut">
               <a:rPr lang="en-US" smtClean="0"/>
-              <a:t>8/11/20</a:t>
+              <a:t>8/11/2020</a:t>
             </a:fld>
             <a:endParaRPr lang="en-US"/>
           </a:p>
@@ -2288,7 +2288,7 @@
           <p:cNvPr id="8" name="Footer Placeholder 7">
             <a:extLst>
               <a:ext uri="{FF2B5EF4-FFF2-40B4-BE49-F238E27FC236}">
-                <a16:creationId xmlns:a16="http://schemas.microsoft.com/office/drawing/2014/main" id="{2EA32513-A44F-5841-8779-F13EC4BCA372}"/>
+                <a16:creationId xmlns:a16="http://schemas.microsoft.com/office/drawing/2014/main" xmlns="" id="{2EA32513-A44F-5841-8779-F13EC4BCA372}"/>
               </a:ext>
             </a:extLst>
           </p:cNvPr>
@@ -2313,7 +2313,7 @@
           <p:cNvPr id="9" name="Slide Number Placeholder 8">
             <a:extLst>
               <a:ext uri="{FF2B5EF4-FFF2-40B4-BE49-F238E27FC236}">
-                <a16:creationId xmlns:a16="http://schemas.microsoft.com/office/drawing/2014/main" id="{7ECBC146-4B95-474D-8586-C48E78DE4419}"/>
+                <a16:creationId xmlns:a16="http://schemas.microsoft.com/office/drawing/2014/main" xmlns="" id="{7ECBC146-4B95-474D-8586-C48E78DE4419}"/>
               </a:ext>
             </a:extLst>
           </p:cNvPr>
@@ -2372,7 +2372,7 @@
           <p:cNvPr id="2" name="Title 1">
             <a:extLst>
               <a:ext uri="{FF2B5EF4-FFF2-40B4-BE49-F238E27FC236}">
-                <a16:creationId xmlns:a16="http://schemas.microsoft.com/office/drawing/2014/main" id="{7ECCFFF5-359F-3B46-B137-C0EFCEFD2B6C}"/>
+                <a16:creationId xmlns:a16="http://schemas.microsoft.com/office/drawing/2014/main" xmlns="" id="{7ECCFFF5-359F-3B46-B137-C0EFCEFD2B6C}"/>
               </a:ext>
             </a:extLst>
           </p:cNvPr>
@@ -2401,7 +2401,7 @@
           <p:cNvPr id="3" name="Date Placeholder 2">
             <a:extLst>
               <a:ext uri="{FF2B5EF4-FFF2-40B4-BE49-F238E27FC236}">
-                <a16:creationId xmlns:a16="http://schemas.microsoft.com/office/drawing/2014/main" id="{BADE7633-AF04-0341-A0B9-24883D3CECDC}"/>
+                <a16:creationId xmlns:a16="http://schemas.microsoft.com/office/drawing/2014/main" xmlns="" id="{BADE7633-AF04-0341-A0B9-24883D3CECDC}"/>
               </a:ext>
             </a:extLst>
           </p:cNvPr>
@@ -2419,7 +2419,7 @@
           <a:p>
             <a:fld id="{38B26705-B514-7D45-A28E-361F31ECD955}" type="datetimeFigureOut">
               <a:rPr lang="en-US" smtClean="0"/>
-              <a:t>8/11/20</a:t>
+              <a:t>8/11/2020</a:t>
             </a:fld>
             <a:endParaRPr lang="en-US"/>
           </a:p>
@@ -2430,7 +2430,7 @@
           <p:cNvPr id="4" name="Footer Placeholder 3">
             <a:extLst>
               <a:ext uri="{FF2B5EF4-FFF2-40B4-BE49-F238E27FC236}">
-                <a16:creationId xmlns:a16="http://schemas.microsoft.com/office/drawing/2014/main" id="{CA2DEE52-9D40-7C45-9566-354D0833F191}"/>
+                <a16:creationId xmlns:a16="http://schemas.microsoft.com/office/drawing/2014/main" xmlns="" id="{CA2DEE52-9D40-7C45-9566-354D0833F191}"/>
               </a:ext>
             </a:extLst>
           </p:cNvPr>
@@ -2455,7 +2455,7 @@
           <p:cNvPr id="5" name="Slide Number Placeholder 4">
             <a:extLst>
               <a:ext uri="{FF2B5EF4-FFF2-40B4-BE49-F238E27FC236}">
-                <a16:creationId xmlns:a16="http://schemas.microsoft.com/office/drawing/2014/main" id="{AF4748A1-9401-5F4C-BE68-CA2D2673F3F8}"/>
+                <a16:creationId xmlns:a16="http://schemas.microsoft.com/office/drawing/2014/main" xmlns="" id="{AF4748A1-9401-5F4C-BE68-CA2D2673F3F8}"/>
               </a:ext>
             </a:extLst>
           </p:cNvPr>
@@ -2514,7 +2514,7 @@
           <p:cNvPr id="2" name="Date Placeholder 1">
             <a:extLst>
               <a:ext uri="{FF2B5EF4-FFF2-40B4-BE49-F238E27FC236}">
-                <a16:creationId xmlns:a16="http://schemas.microsoft.com/office/drawing/2014/main" id="{FCFFC8FA-7E8D-5042-AFA4-683E870F8C75}"/>
+                <a16:creationId xmlns:a16="http://schemas.microsoft.com/office/drawing/2014/main" xmlns="" id="{FCFFC8FA-7E8D-5042-AFA4-683E870F8C75}"/>
               </a:ext>
             </a:extLst>
           </p:cNvPr>
@@ -2532,7 +2532,7 @@
           <a:p>
             <a:fld id="{38B26705-B514-7D45-A28E-361F31ECD955}" type="datetimeFigureOut">
               <a:rPr lang="en-US" smtClean="0"/>
-              <a:t>8/11/20</a:t>
+              <a:t>8/11/2020</a:t>
             </a:fld>
             <a:endParaRPr lang="en-US"/>
           </a:p>
@@ -2543,7 +2543,7 @@
           <p:cNvPr id="3" name="Footer Placeholder 2">
             <a:extLst>
               <a:ext uri="{FF2B5EF4-FFF2-40B4-BE49-F238E27FC236}">
-                <a16:creationId xmlns:a16="http://schemas.microsoft.com/office/drawing/2014/main" id="{BC9218E8-F322-5B47-B8F9-40DA81CFA782}"/>
+                <a16:creationId xmlns:a16="http://schemas.microsoft.com/office/drawing/2014/main" xmlns="" id="{BC9218E8-F322-5B47-B8F9-40DA81CFA782}"/>
               </a:ext>
             </a:extLst>
           </p:cNvPr>
@@ -2568,7 +2568,7 @@
           <p:cNvPr id="4" name="Slide Number Placeholder 3">
             <a:extLst>
               <a:ext uri="{FF2B5EF4-FFF2-40B4-BE49-F238E27FC236}">
-                <a16:creationId xmlns:a16="http://schemas.microsoft.com/office/drawing/2014/main" id="{5564F298-E6DA-D64F-A666-3030C41C804B}"/>
+                <a16:creationId xmlns:a16="http://schemas.microsoft.com/office/drawing/2014/main" xmlns="" id="{5564F298-E6DA-D64F-A666-3030C41C804B}"/>
               </a:ext>
             </a:extLst>
           </p:cNvPr>
@@ -2627,7 +2627,7 @@
           <p:cNvPr id="2" name="Title 1">
             <a:extLst>
               <a:ext uri="{FF2B5EF4-FFF2-40B4-BE49-F238E27FC236}">
-                <a16:creationId xmlns:a16="http://schemas.microsoft.com/office/drawing/2014/main" id="{D8EC6467-5A5D-314A-8321-F8E3CB3DB8E4}"/>
+                <a16:creationId xmlns:a16="http://schemas.microsoft.com/office/drawing/2014/main" xmlns="" id="{D8EC6467-5A5D-314A-8321-F8E3CB3DB8E4}"/>
               </a:ext>
             </a:extLst>
           </p:cNvPr>
@@ -2665,7 +2665,7 @@
           <p:cNvPr id="3" name="Content Placeholder 2">
             <a:extLst>
               <a:ext uri="{FF2B5EF4-FFF2-40B4-BE49-F238E27FC236}">
-                <a16:creationId xmlns:a16="http://schemas.microsoft.com/office/drawing/2014/main" id="{A05E0B68-97A7-6345-8211-78D72F6FFD44}"/>
+                <a16:creationId xmlns:a16="http://schemas.microsoft.com/office/drawing/2014/main" xmlns="" id="{A05E0B68-97A7-6345-8211-78D72F6FFD44}"/>
               </a:ext>
             </a:extLst>
           </p:cNvPr>
@@ -2756,7 +2756,7 @@
           <p:cNvPr id="4" name="Text Placeholder 3">
             <a:extLst>
               <a:ext uri="{FF2B5EF4-FFF2-40B4-BE49-F238E27FC236}">
-                <a16:creationId xmlns:a16="http://schemas.microsoft.com/office/drawing/2014/main" id="{474649B1-3986-7F4C-9679-04643D30BBCD}"/>
+                <a16:creationId xmlns:a16="http://schemas.microsoft.com/office/drawing/2014/main" xmlns="" id="{474649B1-3986-7F4C-9679-04643D30BBCD}"/>
               </a:ext>
             </a:extLst>
           </p:cNvPr>
@@ -2827,7 +2827,7 @@
           <p:cNvPr id="5" name="Date Placeholder 4">
             <a:extLst>
               <a:ext uri="{FF2B5EF4-FFF2-40B4-BE49-F238E27FC236}">
-                <a16:creationId xmlns:a16="http://schemas.microsoft.com/office/drawing/2014/main" id="{36E7BABF-6695-E04E-9DB9-AEDEB87714E8}"/>
+                <a16:creationId xmlns:a16="http://schemas.microsoft.com/office/drawing/2014/main" xmlns="" id="{36E7BABF-6695-E04E-9DB9-AEDEB87714E8}"/>
               </a:ext>
             </a:extLst>
           </p:cNvPr>
@@ -2845,7 +2845,7 @@
           <a:p>
             <a:fld id="{38B26705-B514-7D45-A28E-361F31ECD955}" type="datetimeFigureOut">
               <a:rPr lang="en-US" smtClean="0"/>
-              <a:t>8/11/20</a:t>
+              <a:t>8/11/2020</a:t>
             </a:fld>
             <a:endParaRPr lang="en-US"/>
           </a:p>
@@ -2856,7 +2856,7 @@
           <p:cNvPr id="6" name="Footer Placeholder 5">
             <a:extLst>
               <a:ext uri="{FF2B5EF4-FFF2-40B4-BE49-F238E27FC236}">
-                <a16:creationId xmlns:a16="http://schemas.microsoft.com/office/drawing/2014/main" id="{412458D3-5F3A-3741-9E18-C1F4BB934913}"/>
+                <a16:creationId xmlns:a16="http://schemas.microsoft.com/office/drawing/2014/main" xmlns="" id="{412458D3-5F3A-3741-9E18-C1F4BB934913}"/>
               </a:ext>
             </a:extLst>
           </p:cNvPr>
@@ -2881,7 +2881,7 @@
           <p:cNvPr id="7" name="Slide Number Placeholder 6">
             <a:extLst>
               <a:ext uri="{FF2B5EF4-FFF2-40B4-BE49-F238E27FC236}">
-                <a16:creationId xmlns:a16="http://schemas.microsoft.com/office/drawing/2014/main" id="{152989A8-4FE7-DE4C-810B-95C7E72366A3}"/>
+                <a16:creationId xmlns:a16="http://schemas.microsoft.com/office/drawing/2014/main" xmlns="" id="{152989A8-4FE7-DE4C-810B-95C7E72366A3}"/>
               </a:ext>
             </a:extLst>
           </p:cNvPr>
@@ -2940,7 +2940,7 @@
           <p:cNvPr id="2" name="Title 1">
             <a:extLst>
               <a:ext uri="{FF2B5EF4-FFF2-40B4-BE49-F238E27FC236}">
-                <a16:creationId xmlns:a16="http://schemas.microsoft.com/office/drawing/2014/main" id="{B7D85529-BB24-A645-9D7B-DCDCF687F4C2}"/>
+                <a16:creationId xmlns:a16="http://schemas.microsoft.com/office/drawing/2014/main" xmlns="" id="{B7D85529-BB24-A645-9D7B-DCDCF687F4C2}"/>
               </a:ext>
             </a:extLst>
           </p:cNvPr>
@@ -2978,7 +2978,7 @@
           <p:cNvPr id="3" name="Picture Placeholder 2">
             <a:extLst>
               <a:ext uri="{FF2B5EF4-FFF2-40B4-BE49-F238E27FC236}">
-                <a16:creationId xmlns:a16="http://schemas.microsoft.com/office/drawing/2014/main" id="{411DAF42-D1B6-2143-B749-CDB31BFEF90A}"/>
+                <a16:creationId xmlns:a16="http://schemas.microsoft.com/office/drawing/2014/main" xmlns="" id="{411DAF42-D1B6-2143-B749-CDB31BFEF90A}"/>
               </a:ext>
             </a:extLst>
           </p:cNvPr>
@@ -3045,7 +3045,7 @@
           <p:cNvPr id="4" name="Text Placeholder 3">
             <a:extLst>
               <a:ext uri="{FF2B5EF4-FFF2-40B4-BE49-F238E27FC236}">
-                <a16:creationId xmlns:a16="http://schemas.microsoft.com/office/drawing/2014/main" id="{F320B0D6-5486-EC4B-9797-8F1913597D9E}"/>
+                <a16:creationId xmlns:a16="http://schemas.microsoft.com/office/drawing/2014/main" xmlns="" id="{F320B0D6-5486-EC4B-9797-8F1913597D9E}"/>
               </a:ext>
             </a:extLst>
           </p:cNvPr>
@@ -3116,7 +3116,7 @@
           <p:cNvPr id="5" name="Date Placeholder 4">
             <a:extLst>
               <a:ext uri="{FF2B5EF4-FFF2-40B4-BE49-F238E27FC236}">
-                <a16:creationId xmlns:a16="http://schemas.microsoft.com/office/drawing/2014/main" id="{82DCE09B-FF3E-1B41-A181-16C2AE5DB5C5}"/>
+                <a16:creationId xmlns:a16="http://schemas.microsoft.com/office/drawing/2014/main" xmlns="" id="{82DCE09B-FF3E-1B41-A181-16C2AE5DB5C5}"/>
               </a:ext>
             </a:extLst>
           </p:cNvPr>
@@ -3134,7 +3134,7 @@
           <a:p>
             <a:fld id="{38B26705-B514-7D45-A28E-361F31ECD955}" type="datetimeFigureOut">
               <a:rPr lang="en-US" smtClean="0"/>
-              <a:t>8/11/20</a:t>
+              <a:t>8/11/2020</a:t>
             </a:fld>
             <a:endParaRPr lang="en-US"/>
           </a:p>
@@ -3145,7 +3145,7 @@
           <p:cNvPr id="6" name="Footer Placeholder 5">
             <a:extLst>
               <a:ext uri="{FF2B5EF4-FFF2-40B4-BE49-F238E27FC236}">
-                <a16:creationId xmlns:a16="http://schemas.microsoft.com/office/drawing/2014/main" id="{E16981F1-08B7-5A43-AC8B-059ACF5F3C41}"/>
+                <a16:creationId xmlns:a16="http://schemas.microsoft.com/office/drawing/2014/main" xmlns="" id="{E16981F1-08B7-5A43-AC8B-059ACF5F3C41}"/>
               </a:ext>
             </a:extLst>
           </p:cNvPr>
@@ -3170,7 +3170,7 @@
           <p:cNvPr id="7" name="Slide Number Placeholder 6">
             <a:extLst>
               <a:ext uri="{FF2B5EF4-FFF2-40B4-BE49-F238E27FC236}">
-                <a16:creationId xmlns:a16="http://schemas.microsoft.com/office/drawing/2014/main" id="{B4E92310-82E6-FE4A-9A62-5D0695544D7E}"/>
+                <a16:creationId xmlns:a16="http://schemas.microsoft.com/office/drawing/2014/main" xmlns="" id="{B4E92310-82E6-FE4A-9A62-5D0695544D7E}"/>
               </a:ext>
             </a:extLst>
           </p:cNvPr>
@@ -3234,7 +3234,7 @@
           <p:cNvPr id="2" name="Title Placeholder 1">
             <a:extLst>
               <a:ext uri="{FF2B5EF4-FFF2-40B4-BE49-F238E27FC236}">
-                <a16:creationId xmlns:a16="http://schemas.microsoft.com/office/drawing/2014/main" id="{13202176-8A07-B243-969E-05342BF71432}"/>
+                <a16:creationId xmlns:a16="http://schemas.microsoft.com/office/drawing/2014/main" xmlns="" id="{13202176-8A07-B243-969E-05342BF71432}"/>
               </a:ext>
             </a:extLst>
           </p:cNvPr>
@@ -3273,7 +3273,7 @@
           <p:cNvPr id="3" name="Text Placeholder 2">
             <a:extLst>
               <a:ext uri="{FF2B5EF4-FFF2-40B4-BE49-F238E27FC236}">
-                <a16:creationId xmlns:a16="http://schemas.microsoft.com/office/drawing/2014/main" id="{6D443E99-835A-8644-94E4-0767941A85E2}"/>
+                <a16:creationId xmlns:a16="http://schemas.microsoft.com/office/drawing/2014/main" xmlns="" id="{6D443E99-835A-8644-94E4-0767941A85E2}"/>
               </a:ext>
             </a:extLst>
           </p:cNvPr>
@@ -3341,7 +3341,7 @@
           <p:cNvPr id="4" name="Date Placeholder 3">
             <a:extLst>
               <a:ext uri="{FF2B5EF4-FFF2-40B4-BE49-F238E27FC236}">
-                <a16:creationId xmlns:a16="http://schemas.microsoft.com/office/drawing/2014/main" id="{02ADEAAE-0F6D-3048-BE51-11D94F8332B3}"/>
+                <a16:creationId xmlns:a16="http://schemas.microsoft.com/office/drawing/2014/main" xmlns="" id="{02ADEAAE-0F6D-3048-BE51-11D94F8332B3}"/>
               </a:ext>
             </a:extLst>
           </p:cNvPr>
@@ -3377,7 +3377,7 @@
           <a:p>
             <a:fld id="{38B26705-B514-7D45-A28E-361F31ECD955}" type="datetimeFigureOut">
               <a:rPr lang="en-US" smtClean="0"/>
-              <a:t>8/11/20</a:t>
+              <a:t>8/11/2020</a:t>
             </a:fld>
             <a:endParaRPr lang="en-US"/>
           </a:p>
@@ -3388,7 +3388,7 @@
           <p:cNvPr id="5" name="Footer Placeholder 4">
             <a:extLst>
               <a:ext uri="{FF2B5EF4-FFF2-40B4-BE49-F238E27FC236}">
-                <a16:creationId xmlns:a16="http://schemas.microsoft.com/office/drawing/2014/main" id="{499069F0-4458-9845-ABEB-23015B7CA6DD}"/>
+                <a16:creationId xmlns:a16="http://schemas.microsoft.com/office/drawing/2014/main" xmlns="" id="{499069F0-4458-9845-ABEB-23015B7CA6DD}"/>
               </a:ext>
             </a:extLst>
           </p:cNvPr>
@@ -3431,7 +3431,7 @@
           <p:cNvPr id="6" name="Slide Number Placeholder 5">
             <a:extLst>
               <a:ext uri="{FF2B5EF4-FFF2-40B4-BE49-F238E27FC236}">
-                <a16:creationId xmlns:a16="http://schemas.microsoft.com/office/drawing/2014/main" id="{66B8F1ED-E372-4C42-B77B-C06CF1BB6580}"/>
+                <a16:creationId xmlns:a16="http://schemas.microsoft.com/office/drawing/2014/main" xmlns="" id="{66B8F1ED-E372-4C42-B77B-C06CF1BB6580}"/>
               </a:ext>
             </a:extLst>
           </p:cNvPr>
@@ -3799,7 +3799,7 @@
           <p:cNvPr id="5" name="Picture 4" descr="A picture containing computer&#10;&#10;Description automatically generated">
             <a:extLst>
               <a:ext uri="{FF2B5EF4-FFF2-40B4-BE49-F238E27FC236}">
-                <a16:creationId xmlns:a16="http://schemas.microsoft.com/office/drawing/2014/main" id="{1BF2B63A-C0E2-BD41-BF28-372A9A802866}"/>
+                <a16:creationId xmlns:a16="http://schemas.microsoft.com/office/drawing/2014/main" xmlns="" id="{1BF2B63A-C0E2-BD41-BF28-372A9A802866}"/>
               </a:ext>
             </a:extLst>
           </p:cNvPr>
@@ -3824,28 +3824,6 @@
           </a:prstGeom>
         </p:spPr>
       </p:pic>
-      <p:sp>
-        <p:nvSpPr>
-          <p:cNvPr id="2" name="Footer Placeholder 1"/>
-          <p:cNvSpPr>
-            <a:spLocks noGrp="1"/>
-          </p:cNvSpPr>
-          <p:nvPr>
-            <p:ph type="ftr" sz="quarter" idx="11"/>
-          </p:nvPr>
-        </p:nvSpPr>
-        <p:spPr/>
-        <p:txBody>
-          <a:bodyPr/>
-          <a:lstStyle/>
-          <a:p>
-            <a:r>
-              <a:rPr lang="en-US"/>
-              <a:t>NBCU Internal</a:t>
-            </a:r>
-          </a:p>
-        </p:txBody>
-      </p:sp>
     </p:spTree>
     <p:extLst>
       <p:ext uri="{BB962C8B-B14F-4D97-AF65-F5344CB8AC3E}">
@@ -3895,7 +3873,7 @@
           <p:cNvPr id="3" name="Rectangle 2">
             <a:extLst>
               <a:ext uri="{FF2B5EF4-FFF2-40B4-BE49-F238E27FC236}">
-                <a16:creationId xmlns:a16="http://schemas.microsoft.com/office/drawing/2014/main" id="{2B34B07D-6CF5-314E-9CC1-C214AA7E8BE3}"/>
+                <a16:creationId xmlns:a16="http://schemas.microsoft.com/office/drawing/2014/main" xmlns="" id="{2B34B07D-6CF5-314E-9CC1-C214AA7E8BE3}"/>
               </a:ext>
             </a:extLst>
           </p:cNvPr>
@@ -3958,7 +3936,7 @@
           <p:cNvPr id="4" name="Rectangle 3">
             <a:extLst>
               <a:ext uri="{FF2B5EF4-FFF2-40B4-BE49-F238E27FC236}">
-                <a16:creationId xmlns:a16="http://schemas.microsoft.com/office/drawing/2014/main" id="{8F695826-88CC-4A4C-9F05-6EB7CC2DF676}"/>
+                <a16:creationId xmlns:a16="http://schemas.microsoft.com/office/drawing/2014/main" xmlns="" id="{8F695826-88CC-4A4C-9F05-6EB7CC2DF676}"/>
               </a:ext>
             </a:extLst>
           </p:cNvPr>
@@ -4029,7 +4007,7 @@
           <p:cNvPr id="5" name="Rectangle 4">
             <a:extLst>
               <a:ext uri="{FF2B5EF4-FFF2-40B4-BE49-F238E27FC236}">
-                <a16:creationId xmlns:a16="http://schemas.microsoft.com/office/drawing/2014/main" id="{3AC63835-D890-5B4D-A4D3-D1304910A751}"/>
+                <a16:creationId xmlns:a16="http://schemas.microsoft.com/office/drawing/2014/main" xmlns="" id="{3AC63835-D890-5B4D-A4D3-D1304910A751}"/>
               </a:ext>
             </a:extLst>
           </p:cNvPr>
@@ -4094,7 +4072,7 @@
           <p:cNvPr id="10" name="Picture 9" descr="A close up of a sign&#10;&#10;Description automatically generated">
             <a:extLst>
               <a:ext uri="{FF2B5EF4-FFF2-40B4-BE49-F238E27FC236}">
-                <a16:creationId xmlns:a16="http://schemas.microsoft.com/office/drawing/2014/main" id="{5A6553C5-15E8-E14A-996B-7CD7B5E6236C}"/>
+                <a16:creationId xmlns:a16="http://schemas.microsoft.com/office/drawing/2014/main" xmlns="" id="{5A6553C5-15E8-E14A-996B-7CD7B5E6236C}"/>
               </a:ext>
             </a:extLst>
           </p:cNvPr>
@@ -4124,7 +4102,7 @@
           <p:cNvPr id="8" name="TextBox 7">
             <a:extLst>
               <a:ext uri="{FF2B5EF4-FFF2-40B4-BE49-F238E27FC236}">
-                <a16:creationId xmlns:a16="http://schemas.microsoft.com/office/drawing/2014/main" id="{E66C57E7-759B-CE40-A357-2740790951B7}"/>
+                <a16:creationId xmlns:a16="http://schemas.microsoft.com/office/drawing/2014/main" xmlns="" id="{E66C57E7-759B-CE40-A357-2740790951B7}"/>
               </a:ext>
             </a:extLst>
           </p:cNvPr>
@@ -4805,7 +4783,7 @@
           <p:cNvPr id="3" name="Rectangle 2">
             <a:extLst>
               <a:ext uri="{FF2B5EF4-FFF2-40B4-BE49-F238E27FC236}">
-                <a16:creationId xmlns:a16="http://schemas.microsoft.com/office/drawing/2014/main" id="{2B34B07D-6CF5-314E-9CC1-C214AA7E8BE3}"/>
+                <a16:creationId xmlns:a16="http://schemas.microsoft.com/office/drawing/2014/main" xmlns="" id="{2B34B07D-6CF5-314E-9CC1-C214AA7E8BE3}"/>
               </a:ext>
             </a:extLst>
           </p:cNvPr>
@@ -4868,7 +4846,7 @@
           <p:cNvPr id="4" name="Rectangle 3">
             <a:extLst>
               <a:ext uri="{FF2B5EF4-FFF2-40B4-BE49-F238E27FC236}">
-                <a16:creationId xmlns:a16="http://schemas.microsoft.com/office/drawing/2014/main" id="{8F695826-88CC-4A4C-9F05-6EB7CC2DF676}"/>
+                <a16:creationId xmlns:a16="http://schemas.microsoft.com/office/drawing/2014/main" xmlns="" id="{8F695826-88CC-4A4C-9F05-6EB7CC2DF676}"/>
               </a:ext>
             </a:extLst>
           </p:cNvPr>
@@ -4939,7 +4917,7 @@
           <p:cNvPr id="5" name="Rectangle 4">
             <a:extLst>
               <a:ext uri="{FF2B5EF4-FFF2-40B4-BE49-F238E27FC236}">
-                <a16:creationId xmlns:a16="http://schemas.microsoft.com/office/drawing/2014/main" id="{3AC63835-D890-5B4D-A4D3-D1304910A751}"/>
+                <a16:creationId xmlns:a16="http://schemas.microsoft.com/office/drawing/2014/main" xmlns="" id="{3AC63835-D890-5B4D-A4D3-D1304910A751}"/>
               </a:ext>
             </a:extLst>
           </p:cNvPr>
@@ -5010,7 +4988,7 @@
           <p:cNvPr id="10" name="Picture 9" descr="A close up of a sign&#10;&#10;Description automatically generated">
             <a:extLst>
               <a:ext uri="{FF2B5EF4-FFF2-40B4-BE49-F238E27FC236}">
-                <a16:creationId xmlns:a16="http://schemas.microsoft.com/office/drawing/2014/main" id="{5A6553C5-15E8-E14A-996B-7CD7B5E6236C}"/>
+                <a16:creationId xmlns:a16="http://schemas.microsoft.com/office/drawing/2014/main" xmlns="" id="{5A6553C5-15E8-E14A-996B-7CD7B5E6236C}"/>
               </a:ext>
             </a:extLst>
           </p:cNvPr>
@@ -5040,7 +5018,7 @@
           <p:cNvPr id="8" name="TextBox 7">
             <a:extLst>
               <a:ext uri="{FF2B5EF4-FFF2-40B4-BE49-F238E27FC236}">
-                <a16:creationId xmlns:a16="http://schemas.microsoft.com/office/drawing/2014/main" id="{E66C57E7-759B-CE40-A357-2740790951B7}"/>
+                <a16:creationId xmlns:a16="http://schemas.microsoft.com/office/drawing/2014/main" xmlns="" id="{E66C57E7-759B-CE40-A357-2740790951B7}"/>
               </a:ext>
             </a:extLst>
           </p:cNvPr>
@@ -5771,7 +5749,7 @@
           <p:cNvPr id="2" name="Rectangle 1">
             <a:extLst>
               <a:ext uri="{FF2B5EF4-FFF2-40B4-BE49-F238E27FC236}">
-                <a16:creationId xmlns:a16="http://schemas.microsoft.com/office/drawing/2014/main" id="{9C508F75-2551-C444-ADEA-13E1006C4F6C}"/>
+                <a16:creationId xmlns:a16="http://schemas.microsoft.com/office/drawing/2014/main" xmlns="" id="{9C508F75-2551-C444-ADEA-13E1006C4F6C}"/>
               </a:ext>
             </a:extLst>
           </p:cNvPr>
@@ -5828,7 +5806,7 @@
           <p:cNvPr id="3" name="Rectangle 2">
             <a:extLst>
               <a:ext uri="{FF2B5EF4-FFF2-40B4-BE49-F238E27FC236}">
-                <a16:creationId xmlns:a16="http://schemas.microsoft.com/office/drawing/2014/main" id="{2B34B07D-6CF5-314E-9CC1-C214AA7E8BE3}"/>
+                <a16:creationId xmlns:a16="http://schemas.microsoft.com/office/drawing/2014/main" xmlns="" id="{2B34B07D-6CF5-314E-9CC1-C214AA7E8BE3}"/>
               </a:ext>
             </a:extLst>
           </p:cNvPr>
@@ -5885,7 +5863,7 @@
           <p:cNvPr id="4" name="Rectangle 3">
             <a:extLst>
               <a:ext uri="{FF2B5EF4-FFF2-40B4-BE49-F238E27FC236}">
-                <a16:creationId xmlns:a16="http://schemas.microsoft.com/office/drawing/2014/main" id="{8F695826-88CC-4A4C-9F05-6EB7CC2DF676}"/>
+                <a16:creationId xmlns:a16="http://schemas.microsoft.com/office/drawing/2014/main" xmlns="" id="{8F695826-88CC-4A4C-9F05-6EB7CC2DF676}"/>
               </a:ext>
             </a:extLst>
           </p:cNvPr>
@@ -5953,7 +5931,7 @@
           <p:cNvPr id="5" name="Rectangle 4">
             <a:extLst>
               <a:ext uri="{FF2B5EF4-FFF2-40B4-BE49-F238E27FC236}">
-                <a16:creationId xmlns:a16="http://schemas.microsoft.com/office/drawing/2014/main" id="{3AC63835-D890-5B4D-A4D3-D1304910A751}"/>
+                <a16:creationId xmlns:a16="http://schemas.microsoft.com/office/drawing/2014/main" xmlns="" id="{3AC63835-D890-5B4D-A4D3-D1304910A751}"/>
               </a:ext>
             </a:extLst>
           </p:cNvPr>
@@ -6021,7 +5999,7 @@
           <p:cNvPr id="6" name="Rectangle 5">
             <a:extLst>
               <a:ext uri="{FF2B5EF4-FFF2-40B4-BE49-F238E27FC236}">
-                <a16:creationId xmlns:a16="http://schemas.microsoft.com/office/drawing/2014/main" id="{851D4CA9-66F8-AB4A-918E-5965D13CB2FF}"/>
+                <a16:creationId xmlns:a16="http://schemas.microsoft.com/office/drawing/2014/main" xmlns="" id="{851D4CA9-66F8-AB4A-918E-5965D13CB2FF}"/>
               </a:ext>
             </a:extLst>
           </p:cNvPr>
@@ -6086,7 +6064,7 @@
           <p:cNvPr id="7" name="Rectangle 6">
             <a:extLst>
               <a:ext uri="{FF2B5EF4-FFF2-40B4-BE49-F238E27FC236}">
-                <a16:creationId xmlns:a16="http://schemas.microsoft.com/office/drawing/2014/main" id="{1DF7C978-E43F-9849-AA7D-BB474588268D}"/>
+                <a16:creationId xmlns:a16="http://schemas.microsoft.com/office/drawing/2014/main" xmlns="" id="{1DF7C978-E43F-9849-AA7D-BB474588268D}"/>
               </a:ext>
             </a:extLst>
           </p:cNvPr>
@@ -6151,7 +6129,7 @@
           <p:cNvPr id="10" name="Picture 9" descr="A close up of a sign&#10;&#10;Description automatically generated">
             <a:extLst>
               <a:ext uri="{FF2B5EF4-FFF2-40B4-BE49-F238E27FC236}">
-                <a16:creationId xmlns:a16="http://schemas.microsoft.com/office/drawing/2014/main" id="{5A6553C5-15E8-E14A-996B-7CD7B5E6236C}"/>
+                <a16:creationId xmlns:a16="http://schemas.microsoft.com/office/drawing/2014/main" xmlns="" id="{5A6553C5-15E8-E14A-996B-7CD7B5E6236C}"/>
               </a:ext>
             </a:extLst>
           </p:cNvPr>
@@ -6181,7 +6159,7 @@
           <p:cNvPr id="12" name="Picture 11" descr="A close up of a logo&#10;&#10;Description automatically generated">
             <a:extLst>
               <a:ext uri="{FF2B5EF4-FFF2-40B4-BE49-F238E27FC236}">
-                <a16:creationId xmlns:a16="http://schemas.microsoft.com/office/drawing/2014/main" id="{F3051263-F22D-8643-AF0D-8EBC552692A2}"/>
+                <a16:creationId xmlns:a16="http://schemas.microsoft.com/office/drawing/2014/main" xmlns="" id="{F3051263-F22D-8643-AF0D-8EBC552692A2}"/>
               </a:ext>
             </a:extLst>
           </p:cNvPr>
@@ -7107,7 +7085,7 @@
           <p:cNvPr id="3" name="Rectangle 2">
             <a:extLst>
               <a:ext uri="{FF2B5EF4-FFF2-40B4-BE49-F238E27FC236}">
-                <a16:creationId xmlns:a16="http://schemas.microsoft.com/office/drawing/2014/main" id="{2B34B07D-6CF5-314E-9CC1-C214AA7E8BE3}"/>
+                <a16:creationId xmlns:a16="http://schemas.microsoft.com/office/drawing/2014/main" xmlns="" id="{2B34B07D-6CF5-314E-9CC1-C214AA7E8BE3}"/>
               </a:ext>
             </a:extLst>
           </p:cNvPr>
@@ -7170,7 +7148,7 @@
           <p:cNvPr id="4" name="Rectangle 3">
             <a:extLst>
               <a:ext uri="{FF2B5EF4-FFF2-40B4-BE49-F238E27FC236}">
-                <a16:creationId xmlns:a16="http://schemas.microsoft.com/office/drawing/2014/main" id="{8F695826-88CC-4A4C-9F05-6EB7CC2DF676}"/>
+                <a16:creationId xmlns:a16="http://schemas.microsoft.com/office/drawing/2014/main" xmlns="" id="{8F695826-88CC-4A4C-9F05-6EB7CC2DF676}"/>
               </a:ext>
             </a:extLst>
           </p:cNvPr>
@@ -7238,7 +7216,7 @@
           <p:cNvPr id="5" name="Rectangle 4">
             <a:extLst>
               <a:ext uri="{FF2B5EF4-FFF2-40B4-BE49-F238E27FC236}">
-                <a16:creationId xmlns:a16="http://schemas.microsoft.com/office/drawing/2014/main" id="{3AC63835-D890-5B4D-A4D3-D1304910A751}"/>
+                <a16:creationId xmlns:a16="http://schemas.microsoft.com/office/drawing/2014/main" xmlns="" id="{3AC63835-D890-5B4D-A4D3-D1304910A751}"/>
               </a:ext>
             </a:extLst>
           </p:cNvPr>
@@ -7306,7 +7284,7 @@
           <p:cNvPr id="6" name="Rectangle 5">
             <a:extLst>
               <a:ext uri="{FF2B5EF4-FFF2-40B4-BE49-F238E27FC236}">
-                <a16:creationId xmlns:a16="http://schemas.microsoft.com/office/drawing/2014/main" id="{851D4CA9-66F8-AB4A-918E-5965D13CB2FF}"/>
+                <a16:creationId xmlns:a16="http://schemas.microsoft.com/office/drawing/2014/main" xmlns="" id="{851D4CA9-66F8-AB4A-918E-5965D13CB2FF}"/>
               </a:ext>
             </a:extLst>
           </p:cNvPr>
@@ -7371,7 +7349,7 @@
           <p:cNvPr id="7" name="Rectangle 6">
             <a:extLst>
               <a:ext uri="{FF2B5EF4-FFF2-40B4-BE49-F238E27FC236}">
-                <a16:creationId xmlns:a16="http://schemas.microsoft.com/office/drawing/2014/main" id="{1DF7C978-E43F-9849-AA7D-BB474588268D}"/>
+                <a16:creationId xmlns:a16="http://schemas.microsoft.com/office/drawing/2014/main" xmlns="" id="{1DF7C978-E43F-9849-AA7D-BB474588268D}"/>
               </a:ext>
             </a:extLst>
           </p:cNvPr>
@@ -7436,7 +7414,7 @@
           <p:cNvPr id="10" name="Picture 9" descr="A close up of a sign&#10;&#10;Description automatically generated">
             <a:extLst>
               <a:ext uri="{FF2B5EF4-FFF2-40B4-BE49-F238E27FC236}">
-                <a16:creationId xmlns:a16="http://schemas.microsoft.com/office/drawing/2014/main" id="{5A6553C5-15E8-E14A-996B-7CD7B5E6236C}"/>
+                <a16:creationId xmlns:a16="http://schemas.microsoft.com/office/drawing/2014/main" xmlns="" id="{5A6553C5-15E8-E14A-996B-7CD7B5E6236C}"/>
               </a:ext>
             </a:extLst>
           </p:cNvPr>
@@ -7466,7 +7444,7 @@
           <p:cNvPr id="8" name="TextBox 7">
             <a:extLst>
               <a:ext uri="{FF2B5EF4-FFF2-40B4-BE49-F238E27FC236}">
-                <a16:creationId xmlns:a16="http://schemas.microsoft.com/office/drawing/2014/main" id="{1C644A03-7D0C-474C-9A31-0C95FBDDC439}"/>
+                <a16:creationId xmlns:a16="http://schemas.microsoft.com/office/drawing/2014/main" xmlns="" id="{1C644A03-7D0C-474C-9A31-0C95FBDDC439}"/>
               </a:ext>
             </a:extLst>
           </p:cNvPr>
@@ -7620,7 +7598,7 @@
           <p:cNvPr id="3" name="Rectangle 2">
             <a:extLst>
               <a:ext uri="{FF2B5EF4-FFF2-40B4-BE49-F238E27FC236}">
-                <a16:creationId xmlns:a16="http://schemas.microsoft.com/office/drawing/2014/main" id="{2B34B07D-6CF5-314E-9CC1-C214AA7E8BE3}"/>
+                <a16:creationId xmlns:a16="http://schemas.microsoft.com/office/drawing/2014/main" xmlns="" id="{2B34B07D-6CF5-314E-9CC1-C214AA7E8BE3}"/>
               </a:ext>
             </a:extLst>
           </p:cNvPr>
@@ -7683,7 +7661,7 @@
           <p:cNvPr id="4" name="Rectangle 3">
             <a:extLst>
               <a:ext uri="{FF2B5EF4-FFF2-40B4-BE49-F238E27FC236}">
-                <a16:creationId xmlns:a16="http://schemas.microsoft.com/office/drawing/2014/main" id="{8F695826-88CC-4A4C-9F05-6EB7CC2DF676}"/>
+                <a16:creationId xmlns:a16="http://schemas.microsoft.com/office/drawing/2014/main" xmlns="" id="{8F695826-88CC-4A4C-9F05-6EB7CC2DF676}"/>
               </a:ext>
             </a:extLst>
           </p:cNvPr>
@@ -7757,7 +7735,7 @@
           <p:cNvPr id="5" name="Rectangle 4">
             <a:extLst>
               <a:ext uri="{FF2B5EF4-FFF2-40B4-BE49-F238E27FC236}">
-                <a16:creationId xmlns:a16="http://schemas.microsoft.com/office/drawing/2014/main" id="{3AC63835-D890-5B4D-A4D3-D1304910A751}"/>
+                <a16:creationId xmlns:a16="http://schemas.microsoft.com/office/drawing/2014/main" xmlns="" id="{3AC63835-D890-5B4D-A4D3-D1304910A751}"/>
               </a:ext>
             </a:extLst>
           </p:cNvPr>
@@ -7825,7 +7803,7 @@
           <p:cNvPr id="6" name="Rectangle 5">
             <a:extLst>
               <a:ext uri="{FF2B5EF4-FFF2-40B4-BE49-F238E27FC236}">
-                <a16:creationId xmlns:a16="http://schemas.microsoft.com/office/drawing/2014/main" id="{851D4CA9-66F8-AB4A-918E-5965D13CB2FF}"/>
+                <a16:creationId xmlns:a16="http://schemas.microsoft.com/office/drawing/2014/main" xmlns="" id="{851D4CA9-66F8-AB4A-918E-5965D13CB2FF}"/>
               </a:ext>
             </a:extLst>
           </p:cNvPr>
@@ -7890,7 +7868,7 @@
           <p:cNvPr id="7" name="Rectangle 6">
             <a:extLst>
               <a:ext uri="{FF2B5EF4-FFF2-40B4-BE49-F238E27FC236}">
-                <a16:creationId xmlns:a16="http://schemas.microsoft.com/office/drawing/2014/main" id="{1DF7C978-E43F-9849-AA7D-BB474588268D}"/>
+                <a16:creationId xmlns:a16="http://schemas.microsoft.com/office/drawing/2014/main" xmlns="" id="{1DF7C978-E43F-9849-AA7D-BB474588268D}"/>
               </a:ext>
             </a:extLst>
           </p:cNvPr>
@@ -7955,7 +7933,7 @@
           <p:cNvPr id="10" name="Picture 9" descr="A close up of a sign&#10;&#10;Description automatically generated">
             <a:extLst>
               <a:ext uri="{FF2B5EF4-FFF2-40B4-BE49-F238E27FC236}">
-                <a16:creationId xmlns:a16="http://schemas.microsoft.com/office/drawing/2014/main" id="{5A6553C5-15E8-E14A-996B-7CD7B5E6236C}"/>
+                <a16:creationId xmlns:a16="http://schemas.microsoft.com/office/drawing/2014/main" xmlns="" id="{5A6553C5-15E8-E14A-996B-7CD7B5E6236C}"/>
               </a:ext>
             </a:extLst>
           </p:cNvPr>
@@ -7985,7 +7963,7 @@
           <p:cNvPr id="8" name="TextBox 7">
             <a:extLst>
               <a:ext uri="{FF2B5EF4-FFF2-40B4-BE49-F238E27FC236}">
-                <a16:creationId xmlns:a16="http://schemas.microsoft.com/office/drawing/2014/main" id="{1C644A03-7D0C-474C-9A31-0C95FBDDC439}"/>
+                <a16:creationId xmlns:a16="http://schemas.microsoft.com/office/drawing/2014/main" xmlns="" id="{1C644A03-7D0C-474C-9A31-0C95FBDDC439}"/>
               </a:ext>
             </a:extLst>
           </p:cNvPr>
@@ -8202,7 +8180,7 @@
           <p:cNvPr id="3" name="Rectangle 2">
             <a:extLst>
               <a:ext uri="{FF2B5EF4-FFF2-40B4-BE49-F238E27FC236}">
-                <a16:creationId xmlns:a16="http://schemas.microsoft.com/office/drawing/2014/main" id="{2B34B07D-6CF5-314E-9CC1-C214AA7E8BE3}"/>
+                <a16:creationId xmlns:a16="http://schemas.microsoft.com/office/drawing/2014/main" xmlns="" id="{2B34B07D-6CF5-314E-9CC1-C214AA7E8BE3}"/>
               </a:ext>
             </a:extLst>
           </p:cNvPr>
@@ -8265,7 +8243,7 @@
           <p:cNvPr id="4" name="Rectangle 3">
             <a:extLst>
               <a:ext uri="{FF2B5EF4-FFF2-40B4-BE49-F238E27FC236}">
-                <a16:creationId xmlns:a16="http://schemas.microsoft.com/office/drawing/2014/main" id="{8F695826-88CC-4A4C-9F05-6EB7CC2DF676}"/>
+                <a16:creationId xmlns:a16="http://schemas.microsoft.com/office/drawing/2014/main" xmlns="" id="{8F695826-88CC-4A4C-9F05-6EB7CC2DF676}"/>
               </a:ext>
             </a:extLst>
           </p:cNvPr>
@@ -8339,7 +8317,7 @@
           <p:cNvPr id="5" name="Rectangle 4">
             <a:extLst>
               <a:ext uri="{FF2B5EF4-FFF2-40B4-BE49-F238E27FC236}">
-                <a16:creationId xmlns:a16="http://schemas.microsoft.com/office/drawing/2014/main" id="{3AC63835-D890-5B4D-A4D3-D1304910A751}"/>
+                <a16:creationId xmlns:a16="http://schemas.microsoft.com/office/drawing/2014/main" xmlns="" id="{3AC63835-D890-5B4D-A4D3-D1304910A751}"/>
               </a:ext>
             </a:extLst>
           </p:cNvPr>
@@ -8413,7 +8391,7 @@
           <p:cNvPr id="6" name="Rectangle 5">
             <a:extLst>
               <a:ext uri="{FF2B5EF4-FFF2-40B4-BE49-F238E27FC236}">
-                <a16:creationId xmlns:a16="http://schemas.microsoft.com/office/drawing/2014/main" id="{851D4CA9-66F8-AB4A-918E-5965D13CB2FF}"/>
+                <a16:creationId xmlns:a16="http://schemas.microsoft.com/office/drawing/2014/main" xmlns="" id="{851D4CA9-66F8-AB4A-918E-5965D13CB2FF}"/>
               </a:ext>
             </a:extLst>
           </p:cNvPr>
@@ -8478,7 +8456,7 @@
           <p:cNvPr id="7" name="Rectangle 6">
             <a:extLst>
               <a:ext uri="{FF2B5EF4-FFF2-40B4-BE49-F238E27FC236}">
-                <a16:creationId xmlns:a16="http://schemas.microsoft.com/office/drawing/2014/main" id="{1DF7C978-E43F-9849-AA7D-BB474588268D}"/>
+                <a16:creationId xmlns:a16="http://schemas.microsoft.com/office/drawing/2014/main" xmlns="" id="{1DF7C978-E43F-9849-AA7D-BB474588268D}"/>
               </a:ext>
             </a:extLst>
           </p:cNvPr>
@@ -8543,7 +8521,7 @@
           <p:cNvPr id="10" name="Picture 9" descr="A close up of a sign&#10;&#10;Description automatically generated">
             <a:extLst>
               <a:ext uri="{FF2B5EF4-FFF2-40B4-BE49-F238E27FC236}">
-                <a16:creationId xmlns:a16="http://schemas.microsoft.com/office/drawing/2014/main" id="{5A6553C5-15E8-E14A-996B-7CD7B5E6236C}"/>
+                <a16:creationId xmlns:a16="http://schemas.microsoft.com/office/drawing/2014/main" xmlns="" id="{5A6553C5-15E8-E14A-996B-7CD7B5E6236C}"/>
               </a:ext>
             </a:extLst>
           </p:cNvPr>
@@ -8573,7 +8551,7 @@
           <p:cNvPr id="8" name="TextBox 7">
             <a:extLst>
               <a:ext uri="{FF2B5EF4-FFF2-40B4-BE49-F238E27FC236}">
-                <a16:creationId xmlns:a16="http://schemas.microsoft.com/office/drawing/2014/main" id="{1C644A03-7D0C-474C-9A31-0C95FBDDC439}"/>
+                <a16:creationId xmlns:a16="http://schemas.microsoft.com/office/drawing/2014/main" xmlns="" id="{1C644A03-7D0C-474C-9A31-0C95FBDDC439}"/>
               </a:ext>
             </a:extLst>
           </p:cNvPr>
@@ -8710,7 +8688,7 @@
           <p:cNvPr id="3" name="Rectangle 2">
             <a:extLst>
               <a:ext uri="{FF2B5EF4-FFF2-40B4-BE49-F238E27FC236}">
-                <a16:creationId xmlns:a16="http://schemas.microsoft.com/office/drawing/2014/main" id="{2B34B07D-6CF5-314E-9CC1-C214AA7E8BE3}"/>
+                <a16:creationId xmlns:a16="http://schemas.microsoft.com/office/drawing/2014/main" xmlns="" id="{2B34B07D-6CF5-314E-9CC1-C214AA7E8BE3}"/>
               </a:ext>
             </a:extLst>
           </p:cNvPr>
@@ -8773,7 +8751,7 @@
           <p:cNvPr id="4" name="Rectangle 3">
             <a:extLst>
               <a:ext uri="{FF2B5EF4-FFF2-40B4-BE49-F238E27FC236}">
-                <a16:creationId xmlns:a16="http://schemas.microsoft.com/office/drawing/2014/main" id="{8F695826-88CC-4A4C-9F05-6EB7CC2DF676}"/>
+                <a16:creationId xmlns:a16="http://schemas.microsoft.com/office/drawing/2014/main" xmlns="" id="{8F695826-88CC-4A4C-9F05-6EB7CC2DF676}"/>
               </a:ext>
             </a:extLst>
           </p:cNvPr>
@@ -8847,7 +8825,7 @@
           <p:cNvPr id="5" name="Rectangle 4">
             <a:extLst>
               <a:ext uri="{FF2B5EF4-FFF2-40B4-BE49-F238E27FC236}">
-                <a16:creationId xmlns:a16="http://schemas.microsoft.com/office/drawing/2014/main" id="{3AC63835-D890-5B4D-A4D3-D1304910A751}"/>
+                <a16:creationId xmlns:a16="http://schemas.microsoft.com/office/drawing/2014/main" xmlns="" id="{3AC63835-D890-5B4D-A4D3-D1304910A751}"/>
               </a:ext>
             </a:extLst>
           </p:cNvPr>
@@ -8921,7 +8899,7 @@
           <p:cNvPr id="6" name="Rectangle 5">
             <a:extLst>
               <a:ext uri="{FF2B5EF4-FFF2-40B4-BE49-F238E27FC236}">
-                <a16:creationId xmlns:a16="http://schemas.microsoft.com/office/drawing/2014/main" id="{851D4CA9-66F8-AB4A-918E-5965D13CB2FF}"/>
+                <a16:creationId xmlns:a16="http://schemas.microsoft.com/office/drawing/2014/main" xmlns="" id="{851D4CA9-66F8-AB4A-918E-5965D13CB2FF}"/>
               </a:ext>
             </a:extLst>
           </p:cNvPr>
@@ -8992,7 +8970,7 @@
           <p:cNvPr id="7" name="Rectangle 6">
             <a:extLst>
               <a:ext uri="{FF2B5EF4-FFF2-40B4-BE49-F238E27FC236}">
-                <a16:creationId xmlns:a16="http://schemas.microsoft.com/office/drawing/2014/main" id="{1DF7C978-E43F-9849-AA7D-BB474588268D}"/>
+                <a16:creationId xmlns:a16="http://schemas.microsoft.com/office/drawing/2014/main" xmlns="" id="{1DF7C978-E43F-9849-AA7D-BB474588268D}"/>
               </a:ext>
             </a:extLst>
           </p:cNvPr>
@@ -9057,7 +9035,7 @@
           <p:cNvPr id="10" name="Picture 9" descr="A close up of a sign&#10;&#10;Description automatically generated">
             <a:extLst>
               <a:ext uri="{FF2B5EF4-FFF2-40B4-BE49-F238E27FC236}">
-                <a16:creationId xmlns:a16="http://schemas.microsoft.com/office/drawing/2014/main" id="{5A6553C5-15E8-E14A-996B-7CD7B5E6236C}"/>
+                <a16:creationId xmlns:a16="http://schemas.microsoft.com/office/drawing/2014/main" xmlns="" id="{5A6553C5-15E8-E14A-996B-7CD7B5E6236C}"/>
               </a:ext>
             </a:extLst>
           </p:cNvPr>
@@ -9087,7 +9065,7 @@
           <p:cNvPr id="8" name="Picture 7" descr="A screenshot of a cell phone&#10;&#10;Description automatically generated">
             <a:extLst>
               <a:ext uri="{FF2B5EF4-FFF2-40B4-BE49-F238E27FC236}">
-                <a16:creationId xmlns:a16="http://schemas.microsoft.com/office/drawing/2014/main" id="{728EA63C-DE3C-254D-A07B-374E57DCAE31}"/>
+                <a16:creationId xmlns:a16="http://schemas.microsoft.com/office/drawing/2014/main" xmlns="" id="{728EA63C-DE3C-254D-A07B-374E57DCAE31}"/>
               </a:ext>
             </a:extLst>
           </p:cNvPr>
@@ -9161,7 +9139,7 @@
           <p:cNvPr id="3" name="Rectangle 2">
             <a:extLst>
               <a:ext uri="{FF2B5EF4-FFF2-40B4-BE49-F238E27FC236}">
-                <a16:creationId xmlns:a16="http://schemas.microsoft.com/office/drawing/2014/main" id="{2B34B07D-6CF5-314E-9CC1-C214AA7E8BE3}"/>
+                <a16:creationId xmlns:a16="http://schemas.microsoft.com/office/drawing/2014/main" xmlns="" id="{2B34B07D-6CF5-314E-9CC1-C214AA7E8BE3}"/>
               </a:ext>
             </a:extLst>
           </p:cNvPr>
@@ -9224,7 +9202,7 @@
           <p:cNvPr id="4" name="Rectangle 3">
             <a:extLst>
               <a:ext uri="{FF2B5EF4-FFF2-40B4-BE49-F238E27FC236}">
-                <a16:creationId xmlns:a16="http://schemas.microsoft.com/office/drawing/2014/main" id="{8F695826-88CC-4A4C-9F05-6EB7CC2DF676}"/>
+                <a16:creationId xmlns:a16="http://schemas.microsoft.com/office/drawing/2014/main" xmlns="" id="{8F695826-88CC-4A4C-9F05-6EB7CC2DF676}"/>
               </a:ext>
             </a:extLst>
           </p:cNvPr>
@@ -9298,7 +9276,7 @@
           <p:cNvPr id="5" name="Rectangle 4">
             <a:extLst>
               <a:ext uri="{FF2B5EF4-FFF2-40B4-BE49-F238E27FC236}">
-                <a16:creationId xmlns:a16="http://schemas.microsoft.com/office/drawing/2014/main" id="{3AC63835-D890-5B4D-A4D3-D1304910A751}"/>
+                <a16:creationId xmlns:a16="http://schemas.microsoft.com/office/drawing/2014/main" xmlns="" id="{3AC63835-D890-5B4D-A4D3-D1304910A751}"/>
               </a:ext>
             </a:extLst>
           </p:cNvPr>
@@ -9372,7 +9350,7 @@
           <p:cNvPr id="6" name="Rectangle 5">
             <a:extLst>
               <a:ext uri="{FF2B5EF4-FFF2-40B4-BE49-F238E27FC236}">
-                <a16:creationId xmlns:a16="http://schemas.microsoft.com/office/drawing/2014/main" id="{851D4CA9-66F8-AB4A-918E-5965D13CB2FF}"/>
+                <a16:creationId xmlns:a16="http://schemas.microsoft.com/office/drawing/2014/main" xmlns="" id="{851D4CA9-66F8-AB4A-918E-5965D13CB2FF}"/>
               </a:ext>
             </a:extLst>
           </p:cNvPr>
@@ -9443,7 +9421,7 @@
           <p:cNvPr id="7" name="Rectangle 6">
             <a:extLst>
               <a:ext uri="{FF2B5EF4-FFF2-40B4-BE49-F238E27FC236}">
-                <a16:creationId xmlns:a16="http://schemas.microsoft.com/office/drawing/2014/main" id="{1DF7C978-E43F-9849-AA7D-BB474588268D}"/>
+                <a16:creationId xmlns:a16="http://schemas.microsoft.com/office/drawing/2014/main" xmlns="" id="{1DF7C978-E43F-9849-AA7D-BB474588268D}"/>
               </a:ext>
             </a:extLst>
           </p:cNvPr>
@@ -9514,7 +9492,7 @@
           <p:cNvPr id="10" name="Picture 9" descr="A close up of a sign&#10;&#10;Description automatically generated">
             <a:extLst>
               <a:ext uri="{FF2B5EF4-FFF2-40B4-BE49-F238E27FC236}">
-                <a16:creationId xmlns:a16="http://schemas.microsoft.com/office/drawing/2014/main" id="{5A6553C5-15E8-E14A-996B-7CD7B5E6236C}"/>
+                <a16:creationId xmlns:a16="http://schemas.microsoft.com/office/drawing/2014/main" xmlns="" id="{5A6553C5-15E8-E14A-996B-7CD7B5E6236C}"/>
               </a:ext>
             </a:extLst>
           </p:cNvPr>
@@ -9544,7 +9522,7 @@
           <p:cNvPr id="8" name="TextBox 7">
             <a:extLst>
               <a:ext uri="{FF2B5EF4-FFF2-40B4-BE49-F238E27FC236}">
-                <a16:creationId xmlns:a16="http://schemas.microsoft.com/office/drawing/2014/main" id="{1C644A03-7D0C-474C-9A31-0C95FBDDC439}"/>
+                <a16:creationId xmlns:a16="http://schemas.microsoft.com/office/drawing/2014/main" xmlns="" id="{1C644A03-7D0C-474C-9A31-0C95FBDDC439}"/>
               </a:ext>
             </a:extLst>
           </p:cNvPr>
@@ -9672,7 +9650,7 @@
           <p:cNvPr id="2" name="Rectangle 1">
             <a:extLst>
               <a:ext uri="{FF2B5EF4-FFF2-40B4-BE49-F238E27FC236}">
-                <a16:creationId xmlns:a16="http://schemas.microsoft.com/office/drawing/2014/main" id="{9C508F75-2551-C444-ADEA-13E1006C4F6C}"/>
+                <a16:creationId xmlns:a16="http://schemas.microsoft.com/office/drawing/2014/main" xmlns="" id="{9C508F75-2551-C444-ADEA-13E1006C4F6C}"/>
               </a:ext>
             </a:extLst>
           </p:cNvPr>
@@ -9729,7 +9707,7 @@
           <p:cNvPr id="3" name="Rectangle 2">
             <a:extLst>
               <a:ext uri="{FF2B5EF4-FFF2-40B4-BE49-F238E27FC236}">
-                <a16:creationId xmlns:a16="http://schemas.microsoft.com/office/drawing/2014/main" id="{2B34B07D-6CF5-314E-9CC1-C214AA7E8BE3}"/>
+                <a16:creationId xmlns:a16="http://schemas.microsoft.com/office/drawing/2014/main" xmlns="" id="{2B34B07D-6CF5-314E-9CC1-C214AA7E8BE3}"/>
               </a:ext>
             </a:extLst>
           </p:cNvPr>
@@ -9786,7 +9764,7 @@
           <p:cNvPr id="4" name="Rectangle 3">
             <a:extLst>
               <a:ext uri="{FF2B5EF4-FFF2-40B4-BE49-F238E27FC236}">
-                <a16:creationId xmlns:a16="http://schemas.microsoft.com/office/drawing/2014/main" id="{8F695826-88CC-4A4C-9F05-6EB7CC2DF676}"/>
+                <a16:creationId xmlns:a16="http://schemas.microsoft.com/office/drawing/2014/main" xmlns="" id="{8F695826-88CC-4A4C-9F05-6EB7CC2DF676}"/>
               </a:ext>
             </a:extLst>
           </p:cNvPr>
@@ -9851,7 +9829,7 @@
           <p:cNvPr id="5" name="Rectangle 4">
             <a:extLst>
               <a:ext uri="{FF2B5EF4-FFF2-40B4-BE49-F238E27FC236}">
-                <a16:creationId xmlns:a16="http://schemas.microsoft.com/office/drawing/2014/main" id="{3AC63835-D890-5B4D-A4D3-D1304910A751}"/>
+                <a16:creationId xmlns:a16="http://schemas.microsoft.com/office/drawing/2014/main" xmlns="" id="{3AC63835-D890-5B4D-A4D3-D1304910A751}"/>
               </a:ext>
             </a:extLst>
           </p:cNvPr>
@@ -9916,7 +9894,7 @@
           <p:cNvPr id="10" name="Picture 9" descr="A close up of a sign&#10;&#10;Description automatically generated">
             <a:extLst>
               <a:ext uri="{FF2B5EF4-FFF2-40B4-BE49-F238E27FC236}">
-                <a16:creationId xmlns:a16="http://schemas.microsoft.com/office/drawing/2014/main" id="{5A6553C5-15E8-E14A-996B-7CD7B5E6236C}"/>
+                <a16:creationId xmlns:a16="http://schemas.microsoft.com/office/drawing/2014/main" xmlns="" id="{5A6553C5-15E8-E14A-996B-7CD7B5E6236C}"/>
               </a:ext>
             </a:extLst>
           </p:cNvPr>
@@ -9946,7 +9924,7 @@
           <p:cNvPr id="12" name="Picture 11" descr="A close up of a logo&#10;&#10;Description automatically generated">
             <a:extLst>
               <a:ext uri="{FF2B5EF4-FFF2-40B4-BE49-F238E27FC236}">
-                <a16:creationId xmlns:a16="http://schemas.microsoft.com/office/drawing/2014/main" id="{F3051263-F22D-8643-AF0D-8EBC552692A2}"/>
+                <a16:creationId xmlns:a16="http://schemas.microsoft.com/office/drawing/2014/main" xmlns="" id="{F3051263-F22D-8643-AF0D-8EBC552692A2}"/>
               </a:ext>
             </a:extLst>
           </p:cNvPr>
@@ -10544,7 +10522,7 @@
           <p:cNvPr id="3" name="Rectangle 2">
             <a:extLst>
               <a:ext uri="{FF2B5EF4-FFF2-40B4-BE49-F238E27FC236}">
-                <a16:creationId xmlns:a16="http://schemas.microsoft.com/office/drawing/2014/main" id="{2B34B07D-6CF5-314E-9CC1-C214AA7E8BE3}"/>
+                <a16:creationId xmlns:a16="http://schemas.microsoft.com/office/drawing/2014/main" xmlns="" id="{2B34B07D-6CF5-314E-9CC1-C214AA7E8BE3}"/>
               </a:ext>
             </a:extLst>
           </p:cNvPr>
@@ -10607,7 +10585,7 @@
           <p:cNvPr id="4" name="Rectangle 3">
             <a:extLst>
               <a:ext uri="{FF2B5EF4-FFF2-40B4-BE49-F238E27FC236}">
-                <a16:creationId xmlns:a16="http://schemas.microsoft.com/office/drawing/2014/main" id="{8F695826-88CC-4A4C-9F05-6EB7CC2DF676}"/>
+                <a16:creationId xmlns:a16="http://schemas.microsoft.com/office/drawing/2014/main" xmlns="" id="{8F695826-88CC-4A4C-9F05-6EB7CC2DF676}"/>
               </a:ext>
             </a:extLst>
           </p:cNvPr>
@@ -10672,7 +10650,7 @@
           <p:cNvPr id="5" name="Rectangle 4">
             <a:extLst>
               <a:ext uri="{FF2B5EF4-FFF2-40B4-BE49-F238E27FC236}">
-                <a16:creationId xmlns:a16="http://schemas.microsoft.com/office/drawing/2014/main" id="{3AC63835-D890-5B4D-A4D3-D1304910A751}"/>
+                <a16:creationId xmlns:a16="http://schemas.microsoft.com/office/drawing/2014/main" xmlns="" id="{3AC63835-D890-5B4D-A4D3-D1304910A751}"/>
               </a:ext>
             </a:extLst>
           </p:cNvPr>
@@ -10737,7 +10715,7 @@
           <p:cNvPr id="10" name="Picture 9" descr="A close up of a sign&#10;&#10;Description automatically generated">
             <a:extLst>
               <a:ext uri="{FF2B5EF4-FFF2-40B4-BE49-F238E27FC236}">
-                <a16:creationId xmlns:a16="http://schemas.microsoft.com/office/drawing/2014/main" id="{5A6553C5-15E8-E14A-996B-7CD7B5E6236C}"/>
+                <a16:creationId xmlns:a16="http://schemas.microsoft.com/office/drawing/2014/main" xmlns="" id="{5A6553C5-15E8-E14A-996B-7CD7B5E6236C}"/>
               </a:ext>
             </a:extLst>
           </p:cNvPr>
@@ -10767,7 +10745,7 @@
           <p:cNvPr id="8" name="TextBox 7">
             <a:extLst>
               <a:ext uri="{FF2B5EF4-FFF2-40B4-BE49-F238E27FC236}">
-                <a16:creationId xmlns:a16="http://schemas.microsoft.com/office/drawing/2014/main" id="{E66C57E7-759B-CE40-A357-2740790951B7}"/>
+                <a16:creationId xmlns:a16="http://schemas.microsoft.com/office/drawing/2014/main" xmlns="" id="{E66C57E7-759B-CE40-A357-2740790951B7}"/>
               </a:ext>
             </a:extLst>
           </p:cNvPr>

--- a/JavaScript/Document/JS-Presentation.pptx
+++ b/JavaScript/Document/JS-Presentation.pptx
@@ -5,7 +5,7 @@
     <p:sldMasterId id="2147483648" r:id="rId1"/>
   </p:sldMasterIdLst>
   <p:notesMasterIdLst>
-    <p:notesMasterId r:id="rId16"/>
+    <p:notesMasterId r:id="rId17"/>
   </p:notesMasterIdLst>
   <p:sldIdLst>
     <p:sldId id="256" r:id="rId2"/>
@@ -22,6 +22,7 @@
     <p:sldId id="271" r:id="rId13"/>
     <p:sldId id="272" r:id="rId14"/>
     <p:sldId id="273" r:id="rId15"/>
+    <p:sldId id="274" r:id="rId16"/>
   </p:sldIdLst>
   <p:sldSz cx="12192000" cy="6858000"/>
   <p:notesSz cx="6858000" cy="9144000"/>
@@ -210,7 +211,7 @@
           <a:p>
             <a:fld id="{7790F60D-47A9-B44F-AEAE-6B732B219A46}" type="datetimeFigureOut">
               <a:rPr lang="en-US" smtClean="0"/>
-              <a:t>8/11/20</a:t>
+              <a:t>8/13/20</a:t>
             </a:fld>
             <a:endParaRPr lang="en-US"/>
           </a:p>
@@ -711,7 +712,7 @@
           <a:p>
             <a:fld id="{38B26705-B514-7D45-A28E-361F31ECD955}" type="datetimeFigureOut">
               <a:rPr lang="en-US" smtClean="0"/>
-              <a:t>8/11/20</a:t>
+              <a:t>8/13/20</a:t>
             </a:fld>
             <a:endParaRPr lang="en-US"/>
           </a:p>
@@ -911,7 +912,7 @@
           <a:p>
             <a:fld id="{38B26705-B514-7D45-A28E-361F31ECD955}" type="datetimeFigureOut">
               <a:rPr lang="en-US" smtClean="0"/>
-              <a:t>8/11/20</a:t>
+              <a:t>8/13/20</a:t>
             </a:fld>
             <a:endParaRPr lang="en-US"/>
           </a:p>
@@ -1121,7 +1122,7 @@
           <a:p>
             <a:fld id="{38B26705-B514-7D45-A28E-361F31ECD955}" type="datetimeFigureOut">
               <a:rPr lang="en-US" smtClean="0"/>
-              <a:t>8/11/20</a:t>
+              <a:t>8/13/20</a:t>
             </a:fld>
             <a:endParaRPr lang="en-US"/>
           </a:p>
@@ -1321,7 +1322,7 @@
           <a:p>
             <a:fld id="{38B26705-B514-7D45-A28E-361F31ECD955}" type="datetimeFigureOut">
               <a:rPr lang="en-US" smtClean="0"/>
-              <a:t>8/11/20</a:t>
+              <a:t>8/13/20</a:t>
             </a:fld>
             <a:endParaRPr lang="en-US"/>
           </a:p>
@@ -1597,7 +1598,7 @@
           <a:p>
             <a:fld id="{38B26705-B514-7D45-A28E-361F31ECD955}" type="datetimeFigureOut">
               <a:rPr lang="en-US" smtClean="0"/>
-              <a:t>8/11/20</a:t>
+              <a:t>8/13/20</a:t>
             </a:fld>
             <a:endParaRPr lang="en-US"/>
           </a:p>
@@ -1865,7 +1866,7 @@
           <a:p>
             <a:fld id="{38B26705-B514-7D45-A28E-361F31ECD955}" type="datetimeFigureOut">
               <a:rPr lang="en-US" smtClean="0"/>
-              <a:t>8/11/20</a:t>
+              <a:t>8/13/20</a:t>
             </a:fld>
             <a:endParaRPr lang="en-US"/>
           </a:p>
@@ -2280,7 +2281,7 @@
           <a:p>
             <a:fld id="{38B26705-B514-7D45-A28E-361F31ECD955}" type="datetimeFigureOut">
               <a:rPr lang="en-US" smtClean="0"/>
-              <a:t>8/11/20</a:t>
+              <a:t>8/13/20</a:t>
             </a:fld>
             <a:endParaRPr lang="en-US"/>
           </a:p>
@@ -2422,7 +2423,7 @@
           <a:p>
             <a:fld id="{38B26705-B514-7D45-A28E-361F31ECD955}" type="datetimeFigureOut">
               <a:rPr lang="en-US" smtClean="0"/>
-              <a:t>8/11/20</a:t>
+              <a:t>8/13/20</a:t>
             </a:fld>
             <a:endParaRPr lang="en-US"/>
           </a:p>
@@ -2535,7 +2536,7 @@
           <a:p>
             <a:fld id="{38B26705-B514-7D45-A28E-361F31ECD955}" type="datetimeFigureOut">
               <a:rPr lang="en-US" smtClean="0"/>
-              <a:t>8/11/20</a:t>
+              <a:t>8/13/20</a:t>
             </a:fld>
             <a:endParaRPr lang="en-US"/>
           </a:p>
@@ -2848,7 +2849,7 @@
           <a:p>
             <a:fld id="{38B26705-B514-7D45-A28E-361F31ECD955}" type="datetimeFigureOut">
               <a:rPr lang="en-US" smtClean="0"/>
-              <a:t>8/11/20</a:t>
+              <a:t>8/13/20</a:t>
             </a:fld>
             <a:endParaRPr lang="en-US"/>
           </a:p>
@@ -3137,7 +3138,7 @@
           <a:p>
             <a:fld id="{38B26705-B514-7D45-A28E-361F31ECD955}" type="datetimeFigureOut">
               <a:rPr lang="en-US" smtClean="0"/>
-              <a:t>8/11/20</a:t>
+              <a:t>8/13/20</a:t>
             </a:fld>
             <a:endParaRPr lang="en-US"/>
           </a:p>
@@ -3380,7 +3381,7 @@
           <a:p>
             <a:fld id="{38B26705-B514-7D45-A28E-361F31ECD955}" type="datetimeFigureOut">
               <a:rPr lang="en-US" smtClean="0"/>
-              <a:t>8/11/20</a:t>
+              <a:t>8/13/20</a:t>
             </a:fld>
             <a:endParaRPr lang="en-US"/>
           </a:p>
@@ -6276,7 +6277,7 @@
         <p:spPr>
           <a:xfrm>
             <a:off x="3968432" y="987817"/>
-            <a:ext cx="7512368" cy="3611245"/>
+            <a:ext cx="7512368" cy="3077766"/>
           </a:xfrm>
           <a:prstGeom prst="rect">
             <a:avLst/>
@@ -6301,7 +6302,7 @@
                 </a:solidFill>
                 <a:latin typeface="DINPro" panose="02000503030000020004" pitchFamily="2" charset="0"/>
               </a:rPr>
-              <a:t>In HTML, JavaScript statements are "instructions" to be "executed" by the web browser.</a:t>
+              <a:t>Semicolons separate JavaScript statements. Add a semicolon at the end of each executable statement:</a:t>
             </a:r>
           </a:p>
           <a:p>
@@ -6311,13 +6312,13 @@
               </a:spcAft>
             </a:pPr>
             <a:r>
-              <a:rPr lang="en-GB" dirty="0">
-                <a:solidFill>
-                  <a:srgbClr val="F0DA50"/>
-                </a:solidFill>
-                <a:latin typeface="DINPro" panose="02000503030000020004" pitchFamily="2" charset="0"/>
-              </a:rPr>
-              <a:t>Example:</a:t>
+              <a:rPr lang="en-US" dirty="0">
+                <a:solidFill>
+                  <a:schemeClr val="bg1"/>
+                </a:solidFill>
+                <a:latin typeface="DINPro" panose="02000503030000020004" pitchFamily="2" charset="0"/>
+              </a:rPr>
+              <a:t>When separated by semicolons, multiple statements on one line are allowed.</a:t>
             </a:r>
           </a:p>
           <a:p>
@@ -6327,58 +6328,13 @@
               </a:spcAft>
             </a:pPr>
             <a:r>
-              <a:rPr lang="en-GB" dirty="0" err="1">
-                <a:solidFill>
-                  <a:schemeClr val="bg1"/>
-                </a:solidFill>
-                <a:latin typeface="DINPro" panose="02000503030000020004" pitchFamily="2" charset="0"/>
-              </a:rPr>
-              <a:t>Document.getElementById</a:t>
-            </a:r>
-            <a:r>
               <a:rPr lang="en-GB" dirty="0">
                 <a:solidFill>
-                  <a:schemeClr val="bg1"/>
-                </a:solidFill>
-                <a:latin typeface="DINPro" panose="02000503030000020004" pitchFamily="2" charset="0"/>
-              </a:rPr>
-              <a:t>(“demo”).</a:t>
-            </a:r>
-            <a:r>
-              <a:rPr lang="en-GB" dirty="0" err="1">
-                <a:solidFill>
-                  <a:schemeClr val="bg1"/>
-                </a:solidFill>
-                <a:latin typeface="DINPro" panose="02000503030000020004" pitchFamily="2" charset="0"/>
-              </a:rPr>
-              <a:t>innerHTML</a:t>
-            </a:r>
-            <a:r>
-              <a:rPr lang="en-GB" dirty="0">
-                <a:solidFill>
-                  <a:schemeClr val="bg1"/>
-                </a:solidFill>
-                <a:latin typeface="DINPro" panose="02000503030000020004" pitchFamily="2" charset="0"/>
-              </a:rPr>
-              <a:t> = “Hello Code </a:t>
-            </a:r>
-            <a:r>
-              <a:rPr lang="en-GB" dirty="0" err="1">
-                <a:solidFill>
-                  <a:schemeClr val="bg1"/>
-                </a:solidFill>
-                <a:latin typeface="DINPro" panose="02000503030000020004" pitchFamily="2" charset="0"/>
-              </a:rPr>
-              <a:t>Taleem</a:t>
-            </a:r>
-            <a:r>
-              <a:rPr lang="en-GB" dirty="0">
-                <a:solidFill>
-                  <a:schemeClr val="bg1"/>
-                </a:solidFill>
-                <a:latin typeface="DINPro" panose="02000503030000020004" pitchFamily="2" charset="0"/>
-              </a:rPr>
-              <a:t>”;</a:t>
+                  <a:srgbClr val="F0DA50"/>
+                </a:solidFill>
+                <a:latin typeface="DINPro" panose="02000503030000020004" pitchFamily="2" charset="0"/>
+              </a:rPr>
+              <a:t>Example:</a:t>
             </a:r>
           </a:p>
           <a:p>
@@ -6388,33 +6344,381 @@
               </a:spcAft>
             </a:pPr>
             <a:r>
-              <a:rPr lang="en-US" dirty="0">
+              <a:rPr lang="en-GB" dirty="0">
                 <a:solidFill>
                   <a:srgbClr val="F0DA50"/>
                 </a:solidFill>
                 <a:latin typeface="DINPro" panose="02000503030000020004" pitchFamily="2" charset="0"/>
               </a:rPr>
-              <a:t>This statement tells the browser to write "Hello Code </a:t>
-            </a:r>
-            <a:r>
-              <a:rPr lang="en-US" dirty="0" err="1">
+              <a:t>var  a, b, c;</a:t>
+            </a:r>
+            <a:br>
+              <a:rPr lang="en-GB" dirty="0">
                 <a:solidFill>
                   <a:srgbClr val="F0DA50"/>
                 </a:solidFill>
                 <a:latin typeface="DINPro" panose="02000503030000020004" pitchFamily="2" charset="0"/>
               </a:rPr>
-              <a:t>Taleem</a:t>
-            </a:r>
-            <a:r>
-              <a:rPr lang="en-US" dirty="0">
+            </a:br>
+            <a:r>
+              <a:rPr lang="en-GB" dirty="0">
                 <a:solidFill>
                   <a:srgbClr val="F0DA50"/>
                 </a:solidFill>
                 <a:latin typeface="DINPro" panose="02000503030000020004" pitchFamily="2" charset="0"/>
               </a:rPr>
-              <a:t>" inside an HTML element with id="demo”</a:t>
-            </a:r>
-          </a:p>
+              <a:t>a=1; b=2;</a:t>
+            </a:r>
+            <a:br>
+              <a:rPr lang="en-GB" dirty="0">
+                <a:solidFill>
+                  <a:srgbClr val="F0DA50"/>
+                </a:solidFill>
+                <a:latin typeface="DINPro" panose="02000503030000020004" pitchFamily="2" charset="0"/>
+              </a:rPr>
+            </a:br>
+            <a:r>
+              <a:rPr lang="en-GB" dirty="0">
+                <a:solidFill>
+                  <a:srgbClr val="F0DA50"/>
+                </a:solidFill>
+                <a:latin typeface="DINPro" panose="02000503030000020004" pitchFamily="2" charset="0"/>
+              </a:rPr>
+              <a:t>c=</a:t>
+            </a:r>
+            <a:r>
+              <a:rPr lang="en-GB" dirty="0" err="1">
+                <a:solidFill>
+                  <a:srgbClr val="F0DA50"/>
+                </a:solidFill>
+                <a:latin typeface="DINPro" panose="02000503030000020004" pitchFamily="2" charset="0"/>
+              </a:rPr>
+              <a:t>a+b</a:t>
+            </a:r>
+            <a:r>
+              <a:rPr lang="en-GB" dirty="0">
+                <a:solidFill>
+                  <a:srgbClr val="F0DA50"/>
+                </a:solidFill>
+                <a:latin typeface="DINPro" panose="02000503030000020004" pitchFamily="2" charset="0"/>
+              </a:rPr>
+              <a:t>;</a:t>
+            </a:r>
+            <a:endParaRPr lang="en-US" dirty="0">
+              <a:solidFill>
+                <a:schemeClr val="bg1"/>
+              </a:solidFill>
+              <a:latin typeface="DINPro" panose="02000503030000020004" pitchFamily="2" charset="0"/>
+            </a:endParaRPr>
+          </a:p>
+        </p:txBody>
+      </p:sp>
+    </p:spTree>
+    <p:extLst>
+      <p:ext uri="{BB962C8B-B14F-4D97-AF65-F5344CB8AC3E}">
+        <p14:creationId xmlns:p14="http://schemas.microsoft.com/office/powerpoint/2010/main" val="3129380863"/>
+      </p:ext>
+    </p:extLst>
+  </p:cSld>
+  <p:clrMapOvr>
+    <a:masterClrMapping/>
+  </p:clrMapOvr>
+</p:sld>
+</file>
+
+<file path=ppt/slides/slide15.xml><?xml version="1.0" encoding="utf-8"?>
+<p:sld xmlns:a="http://schemas.openxmlformats.org/drawingml/2006/main" xmlns:r="http://schemas.openxmlformats.org/officeDocument/2006/relationships" xmlns:p="http://schemas.openxmlformats.org/presentationml/2006/main">
+  <p:cSld>
+    <p:bg>
+      <p:bgPr>
+        <a:blipFill dpi="0" rotWithShape="1">
+          <a:blip r:embed="rId2">
+            <a:lum/>
+          </a:blip>
+          <a:srcRect/>
+          <a:stretch>
+            <a:fillRect/>
+          </a:stretch>
+        </a:blipFill>
+        <a:effectLst/>
+      </p:bgPr>
+    </p:bg>
+    <p:spTree>
+      <p:nvGrpSpPr>
+        <p:cNvPr id="1" name=""/>
+        <p:cNvGrpSpPr/>
+        <p:nvPr/>
+      </p:nvGrpSpPr>
+      <p:grpSpPr>
+        <a:xfrm>
+          <a:off x="0" y="0"/>
+          <a:ext cx="0" cy="0"/>
+          <a:chOff x="0" y="0"/>
+          <a:chExt cx="0" cy="0"/>
+        </a:xfrm>
+      </p:grpSpPr>
+      <p:sp>
+        <p:nvSpPr>
+          <p:cNvPr id="3" name="Rectangle 2">
+            <a:extLst>
+              <a:ext uri="{FF2B5EF4-FFF2-40B4-BE49-F238E27FC236}">
+                <a16:creationId xmlns:a16="http://schemas.microsoft.com/office/drawing/2014/main" id="{2B34B07D-6CF5-314E-9CC1-C214AA7E8BE3}"/>
+              </a:ext>
+            </a:extLst>
+          </p:cNvPr>
+          <p:cNvSpPr/>
+          <p:nvPr/>
+        </p:nvSpPr>
+        <p:spPr>
+          <a:xfrm>
+            <a:off x="-15902" y="987817"/>
+            <a:ext cx="3211862" cy="720000"/>
+          </a:xfrm>
+          <a:prstGeom prst="rect">
+            <a:avLst/>
+          </a:prstGeom>
+          <a:solidFill>
+            <a:srgbClr val="002060"/>
+          </a:solidFill>
+        </p:spPr>
+        <p:style>
+          <a:lnRef idx="2">
+            <a:schemeClr val="accent1">
+              <a:shade val="50000"/>
+            </a:schemeClr>
+          </a:lnRef>
+          <a:fillRef idx="1">
+            <a:schemeClr val="accent1"/>
+          </a:fillRef>
+          <a:effectRef idx="0">
+            <a:schemeClr val="accent1"/>
+          </a:effectRef>
+          <a:fontRef idx="minor">
+            <a:schemeClr val="lt1"/>
+          </a:fontRef>
+        </p:style>
+        <p:txBody>
+          <a:bodyPr rtlCol="0" anchor="ctr"/>
+          <a:lstStyle/>
+          <a:p>
+            <a:pPr algn="ctr"/>
+            <a:r>
+              <a:rPr lang="en-GB" sz="2000" dirty="0">
+                <a:solidFill>
+                  <a:schemeClr val="bg1"/>
+                </a:solidFill>
+                <a:latin typeface="DINPro" panose="02000503030000020004" pitchFamily="2" charset="0"/>
+              </a:rPr>
+              <a:t>Statements</a:t>
+            </a:r>
+            <a:endParaRPr lang="en-US" sz="2000" dirty="0">
+              <a:solidFill>
+                <a:schemeClr val="bg1"/>
+              </a:solidFill>
+              <a:latin typeface="DINPro" panose="02000503030000020004" pitchFamily="2" charset="0"/>
+            </a:endParaRPr>
+          </a:p>
+        </p:txBody>
+      </p:sp>
+      <p:sp>
+        <p:nvSpPr>
+          <p:cNvPr id="4" name="Rectangle 3">
+            <a:extLst>
+              <a:ext uri="{FF2B5EF4-FFF2-40B4-BE49-F238E27FC236}">
+                <a16:creationId xmlns:a16="http://schemas.microsoft.com/office/drawing/2014/main" id="{8F695826-88CC-4A4C-9F05-6EB7CC2DF676}"/>
+              </a:ext>
+            </a:extLst>
+          </p:cNvPr>
+          <p:cNvSpPr/>
+          <p:nvPr/>
+        </p:nvSpPr>
+        <p:spPr>
+          <a:xfrm>
+            <a:off x="-15902" y="1989263"/>
+            <a:ext cx="3211861" cy="720000"/>
+          </a:xfrm>
+          <a:prstGeom prst="rect">
+            <a:avLst/>
+          </a:prstGeom>
+          <a:solidFill>
+            <a:srgbClr val="002060"/>
+          </a:solidFill>
+        </p:spPr>
+        <p:style>
+          <a:lnRef idx="2">
+            <a:schemeClr val="accent1">
+              <a:shade val="50000"/>
+            </a:schemeClr>
+          </a:lnRef>
+          <a:fillRef idx="1">
+            <a:schemeClr val="accent1"/>
+          </a:fillRef>
+          <a:effectRef idx="0">
+            <a:schemeClr val="accent1"/>
+          </a:effectRef>
+          <a:fontRef idx="minor">
+            <a:schemeClr val="lt1"/>
+          </a:fontRef>
+        </p:style>
+        <p:txBody>
+          <a:bodyPr rtlCol="0" anchor="ctr"/>
+          <a:lstStyle/>
+          <a:p>
+            <a:pPr algn="ctr">
+              <a:lnSpc>
+                <a:spcPct val="100000"/>
+              </a:lnSpc>
+              <a:buClr>
+                <a:srgbClr val="0070C0"/>
+              </a:buClr>
+            </a:pPr>
+            <a:r>
+              <a:rPr lang="en-GB" dirty="0">
+                <a:solidFill>
+                  <a:schemeClr val="bg1"/>
+                </a:solidFill>
+                <a:latin typeface="DINPro" panose="02000503030000020004" pitchFamily="2" charset="0"/>
+              </a:rPr>
+              <a:t>Semicolons</a:t>
+            </a:r>
+            <a:endParaRPr lang="en-US" sz="2000" dirty="0">
+              <a:solidFill>
+                <a:schemeClr val="bg1"/>
+              </a:solidFill>
+              <a:latin typeface="DINPro" panose="02000503030000020004" pitchFamily="2" charset="0"/>
+              <a:cs typeface="Didot" panose="02000503000000020003" pitchFamily="2" charset="-79"/>
+            </a:endParaRPr>
+          </a:p>
+        </p:txBody>
+      </p:sp>
+      <p:sp>
+        <p:nvSpPr>
+          <p:cNvPr id="5" name="Rectangle 4">
+            <a:extLst>
+              <a:ext uri="{FF2B5EF4-FFF2-40B4-BE49-F238E27FC236}">
+                <a16:creationId xmlns:a16="http://schemas.microsoft.com/office/drawing/2014/main" id="{3AC63835-D890-5B4D-A4D3-D1304910A751}"/>
+              </a:ext>
+            </a:extLst>
+          </p:cNvPr>
+          <p:cNvSpPr/>
+          <p:nvPr/>
+        </p:nvSpPr>
+        <p:spPr>
+          <a:xfrm>
+            <a:off x="-15902" y="2993245"/>
+            <a:ext cx="3211863" cy="720000"/>
+          </a:xfrm>
+          <a:prstGeom prst="rect">
+            <a:avLst/>
+          </a:prstGeom>
+          <a:solidFill>
+            <a:srgbClr val="F0DA50"/>
+          </a:solidFill>
+        </p:spPr>
+        <p:style>
+          <a:lnRef idx="2">
+            <a:schemeClr val="accent1">
+              <a:shade val="50000"/>
+            </a:schemeClr>
+          </a:lnRef>
+          <a:fillRef idx="1">
+            <a:schemeClr val="accent1"/>
+          </a:fillRef>
+          <a:effectRef idx="0">
+            <a:schemeClr val="accent1"/>
+          </a:effectRef>
+          <a:fontRef idx="minor">
+            <a:schemeClr val="lt1"/>
+          </a:fontRef>
+        </p:style>
+        <p:txBody>
+          <a:bodyPr rtlCol="0" anchor="ctr"/>
+          <a:lstStyle/>
+          <a:p>
+            <a:pPr algn="ctr">
+              <a:lnSpc>
+                <a:spcPct val="100000"/>
+              </a:lnSpc>
+              <a:buClr>
+                <a:srgbClr val="0070C0"/>
+              </a:buClr>
+            </a:pPr>
+            <a:r>
+              <a:rPr lang="en-GB" sz="2000" dirty="0">
+                <a:solidFill>
+                  <a:srgbClr val="0A0454"/>
+                </a:solidFill>
+                <a:latin typeface="DINPro" panose="02000503030000020004" pitchFamily="2" charset="0"/>
+              </a:rPr>
+              <a:t>Comments</a:t>
+            </a:r>
+            <a:endParaRPr lang="en-US" sz="2000" dirty="0">
+              <a:solidFill>
+                <a:srgbClr val="0A0454"/>
+              </a:solidFill>
+              <a:latin typeface="DINPro" panose="02000503030000020004" pitchFamily="2" charset="0"/>
+              <a:cs typeface="Didot" panose="02000503000000020003" pitchFamily="2" charset="-79"/>
+            </a:endParaRPr>
+          </a:p>
+        </p:txBody>
+      </p:sp>
+      <p:pic>
+        <p:nvPicPr>
+          <p:cNvPr id="10" name="Picture 9" descr="A close up of a sign&#10;&#10;Description automatically generated">
+            <a:extLst>
+              <a:ext uri="{FF2B5EF4-FFF2-40B4-BE49-F238E27FC236}">
+                <a16:creationId xmlns:a16="http://schemas.microsoft.com/office/drawing/2014/main" id="{5A6553C5-15E8-E14A-996B-7CD7B5E6236C}"/>
+              </a:ext>
+            </a:extLst>
+          </p:cNvPr>
+          <p:cNvPicPr>
+            <a:picLocks noChangeAspect="1"/>
+          </p:cNvPicPr>
+          <p:nvPr/>
+        </p:nvPicPr>
+        <p:blipFill>
+          <a:blip r:embed="rId3"/>
+          <a:stretch>
+            <a:fillRect/>
+          </a:stretch>
+        </p:blipFill>
+        <p:spPr>
+          <a:xfrm>
+            <a:off x="10705703" y="222802"/>
+            <a:ext cx="1486297" cy="512085"/>
+          </a:xfrm>
+          <a:prstGeom prst="rect">
+            <a:avLst/>
+          </a:prstGeom>
+        </p:spPr>
+      </p:pic>
+      <p:sp>
+        <p:nvSpPr>
+          <p:cNvPr id="8" name="TextBox 7">
+            <a:extLst>
+              <a:ext uri="{FF2B5EF4-FFF2-40B4-BE49-F238E27FC236}">
+                <a16:creationId xmlns:a16="http://schemas.microsoft.com/office/drawing/2014/main" id="{796D6E82-87CB-5B4A-83B4-A5C7A93EAE2B}"/>
+              </a:ext>
+            </a:extLst>
+          </p:cNvPr>
+          <p:cNvSpPr txBox="1"/>
+          <p:nvPr/>
+        </p:nvSpPr>
+        <p:spPr>
+          <a:xfrm>
+            <a:off x="3968432" y="987817"/>
+            <a:ext cx="7512368" cy="4955203"/>
+          </a:xfrm>
+          <a:prstGeom prst="rect">
+            <a:avLst/>
+          </a:prstGeom>
+          <a:noFill/>
+        </p:spPr>
+        <p:txBody>
+          <a:bodyPr wrap="square" rtlCol="0">
+            <a:spAutoFit/>
+          </a:bodyPr>
+          <a:lstStyle/>
           <a:p>
             <a:pPr algn="ctr">
               <a:spcAft>
@@ -6422,13 +6726,355 @@
               </a:spcAft>
             </a:pPr>
             <a:r>
+              <a:rPr lang="en-GB" dirty="0">
+                <a:solidFill>
+                  <a:srgbClr val="F0DA50"/>
+                </a:solidFill>
+                <a:latin typeface="DINPro" panose="02000503030000020004" pitchFamily="2" charset="0"/>
+              </a:rPr>
+              <a:t>Single Line Comments:</a:t>
+            </a:r>
+            <a:r>
+              <a:rPr lang="en-GB" dirty="0">
+                <a:solidFill>
+                  <a:schemeClr val="bg1"/>
+                </a:solidFill>
+                <a:latin typeface="DINPro" panose="02000503030000020004" pitchFamily="2" charset="0"/>
+              </a:rPr>
+              <a:t> Single line comments start with </a:t>
+            </a:r>
+            <a:r>
+              <a:rPr lang="en-GB" dirty="0">
+                <a:solidFill>
+                  <a:srgbClr val="F0DA50"/>
+                </a:solidFill>
+                <a:latin typeface="DINPro" panose="02000503030000020004" pitchFamily="2" charset="0"/>
+              </a:rPr>
+              <a:t>//</a:t>
+            </a:r>
+            <a:r>
+              <a:rPr lang="en-GB" dirty="0">
+                <a:solidFill>
+                  <a:schemeClr val="bg1"/>
+                </a:solidFill>
+                <a:latin typeface="DINPro" panose="02000503030000020004" pitchFamily="2" charset="0"/>
+              </a:rPr>
+              <a:t>.</a:t>
+            </a:r>
+          </a:p>
+          <a:p>
+            <a:pPr algn="ctr">
+              <a:spcAft>
+                <a:spcPts val="2000"/>
+              </a:spcAft>
+            </a:pPr>
+            <a:r>
               <a:rPr lang="en-US" dirty="0">
                 <a:solidFill>
                   <a:schemeClr val="bg1"/>
                 </a:solidFill>
                 <a:latin typeface="DINPro" panose="02000503030000020004" pitchFamily="2" charset="0"/>
               </a:rPr>
-              <a:t>Most JavaScript programs contain many JavaScript statements. The statements are executed, one by one, in the same order as they are written.</a:t>
+              <a:t>Any text between </a:t>
+            </a:r>
+            <a:r>
+              <a:rPr lang="en-US" dirty="0">
+                <a:solidFill>
+                  <a:srgbClr val="F0DA50"/>
+                </a:solidFill>
+                <a:latin typeface="DINPro" panose="02000503030000020004" pitchFamily="2" charset="0"/>
+              </a:rPr>
+              <a:t>//</a:t>
+            </a:r>
+            <a:r>
+              <a:rPr lang="en-US" dirty="0">
+                <a:solidFill>
+                  <a:schemeClr val="bg1"/>
+                </a:solidFill>
+                <a:latin typeface="DINPro" panose="02000503030000020004" pitchFamily="2" charset="0"/>
+              </a:rPr>
+              <a:t> and the end of the line will be ignored by JavaScript (will not be executed).</a:t>
+            </a:r>
+          </a:p>
+          <a:p>
+            <a:pPr algn="ctr">
+              <a:spcAft>
+                <a:spcPts val="2000"/>
+              </a:spcAft>
+            </a:pPr>
+            <a:r>
+              <a:rPr lang="en-US" dirty="0">
+                <a:solidFill>
+                  <a:srgbClr val="F0DA50"/>
+                </a:solidFill>
+                <a:latin typeface="DINPro" panose="02000503030000020004" pitchFamily="2" charset="0"/>
+              </a:rPr>
+              <a:t>Example:</a:t>
+            </a:r>
+            <a:br>
+              <a:rPr lang="en-US" dirty="0">
+                <a:solidFill>
+                  <a:srgbClr val="F0DA50"/>
+                </a:solidFill>
+                <a:latin typeface="DINPro" panose="02000503030000020004" pitchFamily="2" charset="0"/>
+              </a:rPr>
+            </a:br>
+            <a:r>
+              <a:rPr lang="en-US" dirty="0">
+                <a:solidFill>
+                  <a:srgbClr val="F0DA50"/>
+                </a:solidFill>
+                <a:latin typeface="DINPro" panose="02000503030000020004" pitchFamily="2" charset="0"/>
+              </a:rPr>
+              <a:t>var x = 5;   // Declare x, give it the value of 5</a:t>
+            </a:r>
+          </a:p>
+          <a:p>
+            <a:pPr algn="ctr">
+              <a:spcAft>
+                <a:spcPts val="2000"/>
+              </a:spcAft>
+            </a:pPr>
+            <a:endParaRPr lang="en-US" dirty="0">
+              <a:solidFill>
+                <a:srgbClr val="F0DA50"/>
+              </a:solidFill>
+              <a:latin typeface="DINPro" panose="02000503030000020004" pitchFamily="2" charset="0"/>
+            </a:endParaRPr>
+          </a:p>
+          <a:p>
+            <a:pPr algn="ctr">
+              <a:spcAft>
+                <a:spcPts val="2000"/>
+              </a:spcAft>
+            </a:pPr>
+            <a:r>
+              <a:rPr lang="en-US" dirty="0">
+                <a:solidFill>
+                  <a:srgbClr val="F0DA50"/>
+                </a:solidFill>
+                <a:latin typeface="DINPro" panose="02000503030000020004" pitchFamily="2" charset="0"/>
+              </a:rPr>
+              <a:t>Multi-line Comments:</a:t>
+            </a:r>
+            <a:r>
+              <a:rPr lang="en-US" dirty="0">
+                <a:solidFill>
+                  <a:schemeClr val="bg1"/>
+                </a:solidFill>
+                <a:latin typeface="DINPro" panose="02000503030000020004" pitchFamily="2" charset="0"/>
+              </a:rPr>
+              <a:t> Multi-line comments start with </a:t>
+            </a:r>
+            <a:r>
+              <a:rPr lang="en-US" dirty="0">
+                <a:solidFill>
+                  <a:srgbClr val="F0DA50"/>
+                </a:solidFill>
+                <a:latin typeface="DINPro" panose="02000503030000020004" pitchFamily="2" charset="0"/>
+              </a:rPr>
+              <a:t>/*</a:t>
+            </a:r>
+            <a:r>
+              <a:rPr lang="en-US" dirty="0">
+                <a:solidFill>
+                  <a:schemeClr val="bg1"/>
+                </a:solidFill>
+                <a:latin typeface="DINPro" panose="02000503030000020004" pitchFamily="2" charset="0"/>
+              </a:rPr>
+              <a:t> and end with </a:t>
+            </a:r>
+            <a:r>
+              <a:rPr lang="en-US" dirty="0">
+                <a:solidFill>
+                  <a:srgbClr val="F0DA50"/>
+                </a:solidFill>
+                <a:latin typeface="DINPro" panose="02000503030000020004" pitchFamily="2" charset="0"/>
+              </a:rPr>
+              <a:t>*/</a:t>
+            </a:r>
+            <a:r>
+              <a:rPr lang="en-US" dirty="0">
+                <a:solidFill>
+                  <a:schemeClr val="bg1"/>
+                </a:solidFill>
+                <a:latin typeface="DINPro" panose="02000503030000020004" pitchFamily="2" charset="0"/>
+              </a:rPr>
+              <a:t>.</a:t>
+            </a:r>
+          </a:p>
+          <a:p>
+            <a:pPr algn="ctr">
+              <a:spcAft>
+                <a:spcPts val="2000"/>
+              </a:spcAft>
+            </a:pPr>
+            <a:r>
+              <a:rPr lang="en-US" dirty="0">
+                <a:solidFill>
+                  <a:schemeClr val="bg1"/>
+                </a:solidFill>
+                <a:latin typeface="DINPro" panose="02000503030000020004" pitchFamily="2" charset="0"/>
+              </a:rPr>
+              <a:t>Any text between </a:t>
+            </a:r>
+            <a:r>
+              <a:rPr lang="en-US" dirty="0">
+                <a:solidFill>
+                  <a:srgbClr val="F0DA50"/>
+                </a:solidFill>
+                <a:latin typeface="DINPro" panose="02000503030000020004" pitchFamily="2" charset="0"/>
+              </a:rPr>
+              <a:t>/*</a:t>
+            </a:r>
+            <a:r>
+              <a:rPr lang="en-US" dirty="0">
+                <a:solidFill>
+                  <a:schemeClr val="bg1"/>
+                </a:solidFill>
+                <a:latin typeface="DINPro" panose="02000503030000020004" pitchFamily="2" charset="0"/>
+              </a:rPr>
+              <a:t> and </a:t>
+            </a:r>
+            <a:r>
+              <a:rPr lang="en-US" dirty="0">
+                <a:solidFill>
+                  <a:srgbClr val="F0DA50"/>
+                </a:solidFill>
+                <a:latin typeface="DINPro" panose="02000503030000020004" pitchFamily="2" charset="0"/>
+              </a:rPr>
+              <a:t>*/</a:t>
+            </a:r>
+            <a:r>
+              <a:rPr lang="en-US" dirty="0">
+                <a:solidFill>
+                  <a:schemeClr val="bg1"/>
+                </a:solidFill>
+                <a:latin typeface="DINPro" panose="02000503030000020004" pitchFamily="2" charset="0"/>
+              </a:rPr>
+              <a:t> will be ignored by JavaScript.</a:t>
+            </a:r>
+          </a:p>
+          <a:p>
+            <a:pPr algn="ctr">
+              <a:spcAft>
+                <a:spcPts val="2000"/>
+              </a:spcAft>
+            </a:pPr>
+            <a:r>
+              <a:rPr lang="en-US" dirty="0">
+                <a:solidFill>
+                  <a:srgbClr val="F0DA50"/>
+                </a:solidFill>
+                <a:latin typeface="DINPro" panose="02000503030000020004" pitchFamily="2" charset="0"/>
+              </a:rPr>
+              <a:t>Example:</a:t>
+            </a:r>
+            <a:br>
+              <a:rPr lang="en-US" dirty="0">
+                <a:solidFill>
+                  <a:srgbClr val="F0DA50"/>
+                </a:solidFill>
+                <a:latin typeface="DINPro" panose="02000503030000020004" pitchFamily="2" charset="0"/>
+              </a:rPr>
+            </a:br>
+            <a:r>
+              <a:rPr lang="en-US" dirty="0">
+                <a:solidFill>
+                  <a:srgbClr val="F0DA50"/>
+                </a:solidFill>
+                <a:latin typeface="DINPro" panose="02000503030000020004" pitchFamily="2" charset="0"/>
+              </a:rPr>
+              <a:t>/* The code below will set the id = ”name” </a:t>
+            </a:r>
+            <a:br>
+              <a:rPr lang="en-US" dirty="0">
+                <a:solidFill>
+                  <a:srgbClr val="F0DA50"/>
+                </a:solidFill>
+                <a:latin typeface="DINPro" panose="02000503030000020004" pitchFamily="2" charset="0"/>
+              </a:rPr>
+            </a:br>
+            <a:r>
+              <a:rPr lang="en-US" dirty="0">
+                <a:solidFill>
+                  <a:srgbClr val="F0DA50"/>
+                </a:solidFill>
+                <a:latin typeface="DINPro" panose="02000503030000020004" pitchFamily="2" charset="0"/>
+              </a:rPr>
+              <a:t>inner text as a Code </a:t>
+            </a:r>
+            <a:r>
+              <a:rPr lang="en-US" dirty="0" err="1">
+                <a:solidFill>
+                  <a:srgbClr val="F0DA50"/>
+                </a:solidFill>
+                <a:latin typeface="DINPro" panose="02000503030000020004" pitchFamily="2" charset="0"/>
+              </a:rPr>
+              <a:t>Taleem</a:t>
+            </a:r>
+            <a:r>
+              <a:rPr lang="en-US" dirty="0">
+                <a:solidFill>
+                  <a:srgbClr val="F0DA50"/>
+                </a:solidFill>
+                <a:latin typeface="DINPro" panose="02000503030000020004" pitchFamily="2" charset="0"/>
+              </a:rPr>
+              <a:t> */ </a:t>
+            </a:r>
+            <a:r>
+              <a:rPr lang="en-US" dirty="0" err="1">
+                <a:solidFill>
+                  <a:srgbClr val="F0DA50"/>
+                </a:solidFill>
+                <a:latin typeface="DINPro" panose="02000503030000020004" pitchFamily="2" charset="0"/>
+              </a:rPr>
+              <a:t>document.getElementById</a:t>
+            </a:r>
+            <a:r>
+              <a:rPr lang="en-US" dirty="0">
+                <a:solidFill>
+                  <a:srgbClr val="F0DA50"/>
+                </a:solidFill>
+                <a:latin typeface="DINPro" panose="02000503030000020004" pitchFamily="2" charset="0"/>
+              </a:rPr>
+              <a:t>(”name").</a:t>
+            </a:r>
+            <a:r>
+              <a:rPr lang="en-US" dirty="0" err="1">
+                <a:solidFill>
+                  <a:srgbClr val="F0DA50"/>
+                </a:solidFill>
+                <a:latin typeface="DINPro" panose="02000503030000020004" pitchFamily="2" charset="0"/>
+              </a:rPr>
+              <a:t>innerHTML</a:t>
+            </a:r>
+            <a:r>
+              <a:rPr lang="en-US" dirty="0">
+                <a:solidFill>
+                  <a:srgbClr val="F0DA50"/>
+                </a:solidFill>
+                <a:latin typeface="DINPro" panose="02000503030000020004" pitchFamily="2" charset="0"/>
+              </a:rPr>
+              <a:t> = ”Code </a:t>
+            </a:r>
+            <a:r>
+              <a:rPr lang="en-US" dirty="0" err="1">
+                <a:solidFill>
+                  <a:srgbClr val="F0DA50"/>
+                </a:solidFill>
+                <a:latin typeface="DINPro" panose="02000503030000020004" pitchFamily="2" charset="0"/>
+              </a:rPr>
+              <a:t>Taleem</a:t>
+            </a:r>
+            <a:r>
+              <a:rPr lang="en-US" dirty="0">
+                <a:solidFill>
+                  <a:srgbClr val="F0DA50"/>
+                </a:solidFill>
+                <a:latin typeface="DINPro" panose="02000503030000020004" pitchFamily="2" charset="0"/>
+              </a:rPr>
+              <a:t>";</a:t>
             </a:r>
           </a:p>
         </p:txBody>
@@ -6436,7 +7082,7 @@
     </p:spTree>
     <p:extLst>
       <p:ext uri="{BB962C8B-B14F-4D97-AF65-F5344CB8AC3E}">
-        <p14:creationId xmlns:p14="http://schemas.microsoft.com/office/powerpoint/2010/main" val="3129380863"/>
+        <p14:creationId xmlns:p14="http://schemas.microsoft.com/office/powerpoint/2010/main" val="4017136805"/>
       </p:ext>
     </p:extLst>
   </p:cSld>

--- a/JavaScript/Document/JS-Presentation.pptx
+++ b/JavaScript/Document/JS-Presentation.pptx
@@ -5,7 +5,7 @@
     <p:sldMasterId id="2147483648" r:id="rId1"/>
   </p:sldMasterIdLst>
   <p:notesMasterIdLst>
-    <p:notesMasterId r:id="rId17"/>
+    <p:notesMasterId r:id="rId19"/>
   </p:notesMasterIdLst>
   <p:sldIdLst>
     <p:sldId id="256" r:id="rId2"/>
@@ -23,6 +23,8 @@
     <p:sldId id="272" r:id="rId14"/>
     <p:sldId id="273" r:id="rId15"/>
     <p:sldId id="274" r:id="rId16"/>
+    <p:sldId id="275" r:id="rId17"/>
+    <p:sldId id="276" r:id="rId18"/>
   </p:sldIdLst>
   <p:sldSz cx="12192000" cy="6858000"/>
   <p:notesSz cx="6858000" cy="9144000"/>
@@ -211,7 +213,7 @@
           <a:p>
             <a:fld id="{7790F60D-47A9-B44F-AEAE-6B732B219A46}" type="datetimeFigureOut">
               <a:rPr lang="en-US" smtClean="0"/>
-              <a:t>8/13/20</a:t>
+              <a:t>8/16/20</a:t>
             </a:fld>
             <a:endParaRPr lang="en-US"/>
           </a:p>
@@ -712,7 +714,7 @@
           <a:p>
             <a:fld id="{38B26705-B514-7D45-A28E-361F31ECD955}" type="datetimeFigureOut">
               <a:rPr lang="en-US" smtClean="0"/>
-              <a:t>8/13/20</a:t>
+              <a:t>8/16/20</a:t>
             </a:fld>
             <a:endParaRPr lang="en-US"/>
           </a:p>
@@ -912,7 +914,7 @@
           <a:p>
             <a:fld id="{38B26705-B514-7D45-A28E-361F31ECD955}" type="datetimeFigureOut">
               <a:rPr lang="en-US" smtClean="0"/>
-              <a:t>8/13/20</a:t>
+              <a:t>8/16/20</a:t>
             </a:fld>
             <a:endParaRPr lang="en-US"/>
           </a:p>
@@ -1122,7 +1124,7 @@
           <a:p>
             <a:fld id="{38B26705-B514-7D45-A28E-361F31ECD955}" type="datetimeFigureOut">
               <a:rPr lang="en-US" smtClean="0"/>
-              <a:t>8/13/20</a:t>
+              <a:t>8/16/20</a:t>
             </a:fld>
             <a:endParaRPr lang="en-US"/>
           </a:p>
@@ -1322,7 +1324,7 @@
           <a:p>
             <a:fld id="{38B26705-B514-7D45-A28E-361F31ECD955}" type="datetimeFigureOut">
               <a:rPr lang="en-US" smtClean="0"/>
-              <a:t>8/13/20</a:t>
+              <a:t>8/16/20</a:t>
             </a:fld>
             <a:endParaRPr lang="en-US"/>
           </a:p>
@@ -1598,7 +1600,7 @@
           <a:p>
             <a:fld id="{38B26705-B514-7D45-A28E-361F31ECD955}" type="datetimeFigureOut">
               <a:rPr lang="en-US" smtClean="0"/>
-              <a:t>8/13/20</a:t>
+              <a:t>8/16/20</a:t>
             </a:fld>
             <a:endParaRPr lang="en-US"/>
           </a:p>
@@ -1866,7 +1868,7 @@
           <a:p>
             <a:fld id="{38B26705-B514-7D45-A28E-361F31ECD955}" type="datetimeFigureOut">
               <a:rPr lang="en-US" smtClean="0"/>
-              <a:t>8/13/20</a:t>
+              <a:t>8/16/20</a:t>
             </a:fld>
             <a:endParaRPr lang="en-US"/>
           </a:p>
@@ -2281,7 +2283,7 @@
           <a:p>
             <a:fld id="{38B26705-B514-7D45-A28E-361F31ECD955}" type="datetimeFigureOut">
               <a:rPr lang="en-US" smtClean="0"/>
-              <a:t>8/13/20</a:t>
+              <a:t>8/16/20</a:t>
             </a:fld>
             <a:endParaRPr lang="en-US"/>
           </a:p>
@@ -2423,7 +2425,7 @@
           <a:p>
             <a:fld id="{38B26705-B514-7D45-A28E-361F31ECD955}" type="datetimeFigureOut">
               <a:rPr lang="en-US" smtClean="0"/>
-              <a:t>8/13/20</a:t>
+              <a:t>8/16/20</a:t>
             </a:fld>
             <a:endParaRPr lang="en-US"/>
           </a:p>
@@ -2536,7 +2538,7 @@
           <a:p>
             <a:fld id="{38B26705-B514-7D45-A28E-361F31ECD955}" type="datetimeFigureOut">
               <a:rPr lang="en-US" smtClean="0"/>
-              <a:t>8/13/20</a:t>
+              <a:t>8/16/20</a:t>
             </a:fld>
             <a:endParaRPr lang="en-US"/>
           </a:p>
@@ -2849,7 +2851,7 @@
           <a:p>
             <a:fld id="{38B26705-B514-7D45-A28E-361F31ECD955}" type="datetimeFigureOut">
               <a:rPr lang="en-US" smtClean="0"/>
-              <a:t>8/13/20</a:t>
+              <a:t>8/16/20</a:t>
             </a:fld>
             <a:endParaRPr lang="en-US"/>
           </a:p>
@@ -3138,7 +3140,7 @@
           <a:p>
             <a:fld id="{38B26705-B514-7D45-A28E-361F31ECD955}" type="datetimeFigureOut">
               <a:rPr lang="en-US" smtClean="0"/>
-              <a:t>8/13/20</a:t>
+              <a:t>8/16/20</a:t>
             </a:fld>
             <a:endParaRPr lang="en-US"/>
           </a:p>
@@ -3381,7 +3383,7 @@
           <a:p>
             <a:fld id="{38B26705-B514-7D45-A28E-361F31ECD955}" type="datetimeFigureOut">
               <a:rPr lang="en-US" smtClean="0"/>
-              <a:t>8/13/20</a:t>
+              <a:t>8/16/20</a:t>
             </a:fld>
             <a:endParaRPr lang="en-US"/>
           </a:p>
@@ -3800,10 +3802,10 @@
       </p:grpSpPr>
       <p:pic>
         <p:nvPicPr>
-          <p:cNvPr id="5" name="Picture 4" descr="A picture containing computer&#10;&#10;Description automatically generated">
-            <a:extLst>
-              <a:ext uri="{FF2B5EF4-FFF2-40B4-BE49-F238E27FC236}">
-                <a16:creationId xmlns:a16="http://schemas.microsoft.com/office/drawing/2014/main" id="{1BF2B63A-C0E2-BD41-BF28-372A9A802866}"/>
+          <p:cNvPr id="4" name="Picture 3" descr="A picture containing computer&#10;&#10;Description automatically generated">
+            <a:extLst>
+              <a:ext uri="{FF2B5EF4-FFF2-40B4-BE49-F238E27FC236}">
+                <a16:creationId xmlns:a16="http://schemas.microsoft.com/office/drawing/2014/main" id="{68EA6FCF-1021-B244-82B1-B1082A9EF60D}"/>
               </a:ext>
             </a:extLst>
           </p:cNvPr>
@@ -3828,28 +3830,6 @@
           </a:prstGeom>
         </p:spPr>
       </p:pic>
-      <p:sp>
-        <p:nvSpPr>
-          <p:cNvPr id="2" name="Footer Placeholder 1"/>
-          <p:cNvSpPr>
-            <a:spLocks noGrp="1"/>
-          </p:cNvSpPr>
-          <p:nvPr>
-            <p:ph type="ftr" sz="quarter" idx="11"/>
-          </p:nvPr>
-        </p:nvSpPr>
-        <p:spPr/>
-        <p:txBody>
-          <a:bodyPr/>
-          <a:lstStyle/>
-          <a:p>
-            <a:r>
-              <a:rPr lang="en-US" dirty="0"/>
-              <a:t>NBCU Internal</a:t>
-            </a:r>
-          </a:p>
-        </p:txBody>
-      </p:sp>
     </p:spTree>
     <p:extLst>
       <p:ext uri="{BB962C8B-B14F-4D97-AF65-F5344CB8AC3E}">
@@ -5026,6 +5006,71 @@
           </a:prstGeom>
         </p:spPr>
       </p:pic>
+      <p:sp>
+        <p:nvSpPr>
+          <p:cNvPr id="8" name="Rectangle 7">
+            <a:extLst>
+              <a:ext uri="{FF2B5EF4-FFF2-40B4-BE49-F238E27FC236}">
+                <a16:creationId xmlns:a16="http://schemas.microsoft.com/office/drawing/2014/main" id="{189762AE-4FC6-D24D-8B13-579AA7876D1D}"/>
+              </a:ext>
+            </a:extLst>
+          </p:cNvPr>
+          <p:cNvSpPr/>
+          <p:nvPr/>
+        </p:nvSpPr>
+        <p:spPr>
+          <a:xfrm>
+            <a:off x="0" y="3994691"/>
+            <a:ext cx="3211863" cy="720000"/>
+          </a:xfrm>
+          <a:prstGeom prst="rect">
+            <a:avLst/>
+          </a:prstGeom>
+          <a:solidFill>
+            <a:srgbClr val="002060"/>
+          </a:solidFill>
+        </p:spPr>
+        <p:style>
+          <a:lnRef idx="2">
+            <a:schemeClr val="accent1">
+              <a:shade val="50000"/>
+            </a:schemeClr>
+          </a:lnRef>
+          <a:fillRef idx="1">
+            <a:schemeClr val="accent1"/>
+          </a:fillRef>
+          <a:effectRef idx="0">
+            <a:schemeClr val="accent1"/>
+          </a:effectRef>
+          <a:fontRef idx="minor">
+            <a:schemeClr val="lt1"/>
+          </a:fontRef>
+        </p:style>
+        <p:txBody>
+          <a:bodyPr rtlCol="0" anchor="ctr"/>
+          <a:lstStyle/>
+          <a:p>
+            <a:pPr algn="ctr">
+              <a:lnSpc>
+                <a:spcPct val="100000"/>
+              </a:lnSpc>
+              <a:buClr>
+                <a:srgbClr val="0070C0"/>
+              </a:buClr>
+            </a:pPr>
+            <a:r>
+              <a:rPr lang="en-GB" sz="2000" dirty="0">
+                <a:latin typeface="DINPro" panose="02000503030000020004" pitchFamily="2" charset="0"/>
+              </a:rPr>
+              <a:t>Syntax</a:t>
+            </a:r>
+            <a:endParaRPr lang="en-US" sz="2000" dirty="0">
+              <a:latin typeface="DINPro" panose="02000503030000020004" pitchFamily="2" charset="0"/>
+              <a:cs typeface="Didot" panose="02000503000000020003" pitchFamily="2" charset="-79"/>
+            </a:endParaRPr>
+          </a:p>
+        </p:txBody>
+      </p:sp>
     </p:spTree>
     <p:extLst>
       <p:ext uri="{BB962C8B-B14F-4D97-AF65-F5344CB8AC3E}">
@@ -5533,6 +5578,169 @@
                       </p:childTnLst>
                     </p:cTn>
                   </p:par>
+                  <p:par>
+                    <p:cTn id="30" fill="hold">
+                      <p:stCondLst>
+                        <p:cond delay="indefinite"/>
+                      </p:stCondLst>
+                      <p:childTnLst>
+                        <p:par>
+                          <p:cTn id="31" fill="hold">
+                            <p:stCondLst>
+                              <p:cond delay="0"/>
+                            </p:stCondLst>
+                            <p:childTnLst>
+                              <p:par>
+                                <p:cTn id="32" presetID="41" presetClass="entr" presetSubtype="0" fill="hold" grpId="0" nodeType="clickEffect">
+                                  <p:stCondLst>
+                                    <p:cond delay="0"/>
+                                  </p:stCondLst>
+                                  <p:iterate type="lt">
+                                    <p:tmPct val="10000"/>
+                                  </p:iterate>
+                                  <p:childTnLst>
+                                    <p:set>
+                                      <p:cBhvr>
+                                        <p:cTn id="33" dur="1" fill="hold">
+                                          <p:stCondLst>
+                                            <p:cond delay="0"/>
+                                          </p:stCondLst>
+                                        </p:cTn>
+                                        <p:tgtEl>
+                                          <p:spTgt spid="8"/>
+                                        </p:tgtEl>
+                                        <p:attrNameLst>
+                                          <p:attrName>style.visibility</p:attrName>
+                                        </p:attrNameLst>
+                                      </p:cBhvr>
+                                      <p:to>
+                                        <p:strVal val="visible"/>
+                                      </p:to>
+                                    </p:set>
+                                    <p:anim calcmode="lin" valueType="num">
+                                      <p:cBhvr>
+                                        <p:cTn id="34" dur="500" fill="hold"/>
+                                        <p:tgtEl>
+                                          <p:spTgt spid="8"/>
+                                        </p:tgtEl>
+                                        <p:attrNameLst>
+                                          <p:attrName>ppt_x</p:attrName>
+                                        </p:attrNameLst>
+                                      </p:cBhvr>
+                                      <p:tavLst>
+                                        <p:tav tm="0">
+                                          <p:val>
+                                            <p:strVal val="#ppt_x"/>
+                                          </p:val>
+                                        </p:tav>
+                                        <p:tav tm="50000">
+                                          <p:val>
+                                            <p:strVal val="#ppt_x+.1"/>
+                                          </p:val>
+                                        </p:tav>
+                                        <p:tav tm="100000">
+                                          <p:val>
+                                            <p:strVal val="#ppt_x"/>
+                                          </p:val>
+                                        </p:tav>
+                                      </p:tavLst>
+                                    </p:anim>
+                                    <p:anim calcmode="lin" valueType="num">
+                                      <p:cBhvr>
+                                        <p:cTn id="35" dur="500" fill="hold"/>
+                                        <p:tgtEl>
+                                          <p:spTgt spid="8"/>
+                                        </p:tgtEl>
+                                        <p:attrNameLst>
+                                          <p:attrName>ppt_y</p:attrName>
+                                        </p:attrNameLst>
+                                      </p:cBhvr>
+                                      <p:tavLst>
+                                        <p:tav tm="0">
+                                          <p:val>
+                                            <p:strVal val="#ppt_y"/>
+                                          </p:val>
+                                        </p:tav>
+                                        <p:tav tm="100000">
+                                          <p:val>
+                                            <p:strVal val="#ppt_y"/>
+                                          </p:val>
+                                        </p:tav>
+                                      </p:tavLst>
+                                    </p:anim>
+                                    <p:anim calcmode="lin" valueType="num">
+                                      <p:cBhvr>
+                                        <p:cTn id="36" dur="500" fill="hold"/>
+                                        <p:tgtEl>
+                                          <p:spTgt spid="8"/>
+                                        </p:tgtEl>
+                                        <p:attrNameLst>
+                                          <p:attrName>ppt_h</p:attrName>
+                                        </p:attrNameLst>
+                                      </p:cBhvr>
+                                      <p:tavLst>
+                                        <p:tav tm="0">
+                                          <p:val>
+                                            <p:strVal val="#ppt_h/10"/>
+                                          </p:val>
+                                        </p:tav>
+                                        <p:tav tm="50000">
+                                          <p:val>
+                                            <p:strVal val="#ppt_h+.01"/>
+                                          </p:val>
+                                        </p:tav>
+                                        <p:tav tm="100000">
+                                          <p:val>
+                                            <p:strVal val="#ppt_h"/>
+                                          </p:val>
+                                        </p:tav>
+                                      </p:tavLst>
+                                    </p:anim>
+                                    <p:anim calcmode="lin" valueType="num">
+                                      <p:cBhvr>
+                                        <p:cTn id="37" dur="500" fill="hold"/>
+                                        <p:tgtEl>
+                                          <p:spTgt spid="8"/>
+                                        </p:tgtEl>
+                                        <p:attrNameLst>
+                                          <p:attrName>ppt_w</p:attrName>
+                                        </p:attrNameLst>
+                                      </p:cBhvr>
+                                      <p:tavLst>
+                                        <p:tav tm="0">
+                                          <p:val>
+                                            <p:strVal val="#ppt_w/10"/>
+                                          </p:val>
+                                        </p:tav>
+                                        <p:tav tm="50000">
+                                          <p:val>
+                                            <p:strVal val="#ppt_w+.01"/>
+                                          </p:val>
+                                        </p:tav>
+                                        <p:tav tm="100000">
+                                          <p:val>
+                                            <p:strVal val="#ppt_w"/>
+                                          </p:val>
+                                        </p:tav>
+                                      </p:tavLst>
+                                    </p:anim>
+                                    <p:animEffect transition="in" filter="fade">
+                                      <p:cBhvr>
+                                        <p:cTn id="38" dur="500" tmFilter="0,0; .5, 1; 1, 1"/>
+                                        <p:tgtEl>
+                                          <p:spTgt spid="8"/>
+                                        </p:tgtEl>
+                                      </p:cBhvr>
+                                    </p:animEffect>
+                                  </p:childTnLst>
+                                </p:cTn>
+                              </p:par>
+                            </p:childTnLst>
+                          </p:cTn>
+                        </p:par>
+                      </p:childTnLst>
+                    </p:cTn>
+                  </p:par>
                 </p:childTnLst>
               </p:cTn>
               <p:prevCondLst>
@@ -5558,6 +5766,7 @@
       <p:bldP spid="3" grpId="0" animBg="1"/>
       <p:bldP spid="4" grpId="0" animBg="1"/>
       <p:bldP spid="5" grpId="0" animBg="1"/>
+      <p:bldP spid="8" grpId="0" animBg="1"/>
     </p:bldLst>
   </p:timing>
 </p:sld>
@@ -5986,6 +6195,71 @@
               </a:rPr>
               <a:t>Most JavaScript programs contain many JavaScript statements. The statements are executed, one by one, in the same order as they are written.</a:t>
             </a:r>
+          </a:p>
+        </p:txBody>
+      </p:sp>
+      <p:sp>
+        <p:nvSpPr>
+          <p:cNvPr id="7" name="Rectangle 6">
+            <a:extLst>
+              <a:ext uri="{FF2B5EF4-FFF2-40B4-BE49-F238E27FC236}">
+                <a16:creationId xmlns:a16="http://schemas.microsoft.com/office/drawing/2014/main" id="{6C97E7E8-71F0-6246-A2F6-017AE8B1275E}"/>
+              </a:ext>
+            </a:extLst>
+          </p:cNvPr>
+          <p:cNvSpPr/>
+          <p:nvPr/>
+        </p:nvSpPr>
+        <p:spPr>
+          <a:xfrm>
+            <a:off x="0" y="3994691"/>
+            <a:ext cx="3211863" cy="720000"/>
+          </a:xfrm>
+          <a:prstGeom prst="rect">
+            <a:avLst/>
+          </a:prstGeom>
+          <a:solidFill>
+            <a:srgbClr val="002060"/>
+          </a:solidFill>
+        </p:spPr>
+        <p:style>
+          <a:lnRef idx="2">
+            <a:schemeClr val="accent1">
+              <a:shade val="50000"/>
+            </a:schemeClr>
+          </a:lnRef>
+          <a:fillRef idx="1">
+            <a:schemeClr val="accent1"/>
+          </a:fillRef>
+          <a:effectRef idx="0">
+            <a:schemeClr val="accent1"/>
+          </a:effectRef>
+          <a:fontRef idx="minor">
+            <a:schemeClr val="lt1"/>
+          </a:fontRef>
+        </p:style>
+        <p:txBody>
+          <a:bodyPr rtlCol="0" anchor="ctr"/>
+          <a:lstStyle/>
+          <a:p>
+            <a:pPr algn="ctr">
+              <a:lnSpc>
+                <a:spcPct val="100000"/>
+              </a:lnSpc>
+              <a:buClr>
+                <a:srgbClr val="0070C0"/>
+              </a:buClr>
+            </a:pPr>
+            <a:r>
+              <a:rPr lang="en-GB" sz="2000" dirty="0">
+                <a:latin typeface="DINPro" panose="02000503030000020004" pitchFamily="2" charset="0"/>
+              </a:rPr>
+              <a:t>Syntax</a:t>
+            </a:r>
+            <a:endParaRPr lang="en-US" sz="2000" dirty="0">
+              <a:latin typeface="DINPro" panose="02000503030000020004" pitchFamily="2" charset="0"/>
+              <a:cs typeface="Didot" panose="02000503000000020003" pitchFamily="2" charset="-79"/>
+            </a:endParaRPr>
           </a:p>
         </p:txBody>
       </p:sp>
@@ -6413,6 +6687,71 @@
           </a:p>
         </p:txBody>
       </p:sp>
+      <p:sp>
+        <p:nvSpPr>
+          <p:cNvPr id="7" name="Rectangle 6">
+            <a:extLst>
+              <a:ext uri="{FF2B5EF4-FFF2-40B4-BE49-F238E27FC236}">
+                <a16:creationId xmlns:a16="http://schemas.microsoft.com/office/drawing/2014/main" id="{35BD3452-9221-DA47-BF37-79BAF420EF0D}"/>
+              </a:ext>
+            </a:extLst>
+          </p:cNvPr>
+          <p:cNvSpPr/>
+          <p:nvPr/>
+        </p:nvSpPr>
+        <p:spPr>
+          <a:xfrm>
+            <a:off x="-15904" y="3994691"/>
+            <a:ext cx="3211863" cy="720000"/>
+          </a:xfrm>
+          <a:prstGeom prst="rect">
+            <a:avLst/>
+          </a:prstGeom>
+          <a:solidFill>
+            <a:srgbClr val="002060"/>
+          </a:solidFill>
+        </p:spPr>
+        <p:style>
+          <a:lnRef idx="2">
+            <a:schemeClr val="accent1">
+              <a:shade val="50000"/>
+            </a:schemeClr>
+          </a:lnRef>
+          <a:fillRef idx="1">
+            <a:schemeClr val="accent1"/>
+          </a:fillRef>
+          <a:effectRef idx="0">
+            <a:schemeClr val="accent1"/>
+          </a:effectRef>
+          <a:fontRef idx="minor">
+            <a:schemeClr val="lt1"/>
+          </a:fontRef>
+        </p:style>
+        <p:txBody>
+          <a:bodyPr rtlCol="0" anchor="ctr"/>
+          <a:lstStyle/>
+          <a:p>
+            <a:pPr algn="ctr">
+              <a:lnSpc>
+                <a:spcPct val="100000"/>
+              </a:lnSpc>
+              <a:buClr>
+                <a:srgbClr val="0070C0"/>
+              </a:buClr>
+            </a:pPr>
+            <a:r>
+              <a:rPr lang="en-GB" sz="2000" dirty="0">
+                <a:latin typeface="DINPro" panose="02000503030000020004" pitchFamily="2" charset="0"/>
+              </a:rPr>
+              <a:t>Syntax</a:t>
+            </a:r>
+            <a:endParaRPr lang="en-US" sz="2000" dirty="0">
+              <a:latin typeface="DINPro" panose="02000503030000020004" pitchFamily="2" charset="0"/>
+              <a:cs typeface="Didot" panose="02000503000000020003" pitchFamily="2" charset="-79"/>
+            </a:endParaRPr>
+          </a:p>
+        </p:txBody>
+      </p:sp>
     </p:spTree>
     <p:extLst>
       <p:ext uri="{BB962C8B-B14F-4D97-AF65-F5344CB8AC3E}">
@@ -6573,7 +6912,7 @@
               </a:buClr>
             </a:pPr>
             <a:r>
-              <a:rPr lang="en-GB" dirty="0">
+              <a:rPr lang="en-GB" sz="2000" dirty="0">
                 <a:solidFill>
                   <a:schemeClr val="bg1"/>
                 </a:solidFill>
@@ -7079,6 +7418,77 @@
           </a:p>
         </p:txBody>
       </p:sp>
+      <p:sp>
+        <p:nvSpPr>
+          <p:cNvPr id="7" name="Rectangle 6">
+            <a:extLst>
+              <a:ext uri="{FF2B5EF4-FFF2-40B4-BE49-F238E27FC236}">
+                <a16:creationId xmlns:a16="http://schemas.microsoft.com/office/drawing/2014/main" id="{FCFD4187-D3D9-7E49-A8E8-4F5D72561EC2}"/>
+              </a:ext>
+            </a:extLst>
+          </p:cNvPr>
+          <p:cNvSpPr/>
+          <p:nvPr/>
+        </p:nvSpPr>
+        <p:spPr>
+          <a:xfrm>
+            <a:off x="-15903" y="3994691"/>
+            <a:ext cx="3211861" cy="720000"/>
+          </a:xfrm>
+          <a:prstGeom prst="rect">
+            <a:avLst/>
+          </a:prstGeom>
+          <a:solidFill>
+            <a:srgbClr val="002060"/>
+          </a:solidFill>
+        </p:spPr>
+        <p:style>
+          <a:lnRef idx="2">
+            <a:schemeClr val="accent1">
+              <a:shade val="50000"/>
+            </a:schemeClr>
+          </a:lnRef>
+          <a:fillRef idx="1">
+            <a:schemeClr val="accent1"/>
+          </a:fillRef>
+          <a:effectRef idx="0">
+            <a:schemeClr val="accent1"/>
+          </a:effectRef>
+          <a:fontRef idx="minor">
+            <a:schemeClr val="lt1"/>
+          </a:fontRef>
+        </p:style>
+        <p:txBody>
+          <a:bodyPr rtlCol="0" anchor="ctr"/>
+          <a:lstStyle/>
+          <a:p>
+            <a:pPr algn="ctr">
+              <a:lnSpc>
+                <a:spcPct val="100000"/>
+              </a:lnSpc>
+              <a:buClr>
+                <a:srgbClr val="0070C0"/>
+              </a:buClr>
+            </a:pPr>
+            <a:r>
+              <a:rPr lang="en-GB" sz="2000" dirty="0">
+                <a:solidFill>
+                  <a:schemeClr val="bg1"/>
+                </a:solidFill>
+                <a:latin typeface="DINPro" panose="02000503030000020004" pitchFamily="2" charset="0"/>
+              </a:rPr>
+              <a:t>Syntax</a:t>
+            </a:r>
+            <a:endParaRPr lang="en-US" sz="2000" dirty="0">
+              <a:solidFill>
+                <a:schemeClr val="bg1"/>
+              </a:solidFill>
+              <a:latin typeface="DINPro" panose="02000503030000020004" pitchFamily="2" charset="0"/>
+              <a:cs typeface="Didot" panose="02000503000000020003" pitchFamily="2" charset="-79"/>
+            </a:endParaRPr>
+          </a:p>
+        </p:txBody>
+      </p:sp>
     </p:spTree>
     <p:extLst>
       <p:ext uri="{BB962C8B-B14F-4D97-AF65-F5344CB8AC3E}">
@@ -7089,6 +7499,1844 @@
   <p:clrMapOvr>
     <a:masterClrMapping/>
   </p:clrMapOvr>
+</p:sld>
+</file>
+
+<file path=ppt/slides/slide16.xml><?xml version="1.0" encoding="utf-8"?>
+<p:sld xmlns:a="http://schemas.openxmlformats.org/drawingml/2006/main" xmlns:r="http://schemas.openxmlformats.org/officeDocument/2006/relationships" xmlns:p="http://schemas.openxmlformats.org/presentationml/2006/main">
+  <p:cSld>
+    <p:bg>
+      <p:bgPr>
+        <a:blipFill dpi="0" rotWithShape="1">
+          <a:blip r:embed="rId2">
+            <a:lum/>
+          </a:blip>
+          <a:srcRect/>
+          <a:stretch>
+            <a:fillRect/>
+          </a:stretch>
+        </a:blipFill>
+        <a:effectLst/>
+      </p:bgPr>
+    </p:bg>
+    <p:spTree>
+      <p:nvGrpSpPr>
+        <p:cNvPr id="1" name=""/>
+        <p:cNvGrpSpPr/>
+        <p:nvPr/>
+      </p:nvGrpSpPr>
+      <p:grpSpPr>
+        <a:xfrm>
+          <a:off x="0" y="0"/>
+          <a:ext cx="0" cy="0"/>
+          <a:chOff x="0" y="0"/>
+          <a:chExt cx="0" cy="0"/>
+        </a:xfrm>
+      </p:grpSpPr>
+      <p:sp>
+        <p:nvSpPr>
+          <p:cNvPr id="3" name="Rectangle 2">
+            <a:extLst>
+              <a:ext uri="{FF2B5EF4-FFF2-40B4-BE49-F238E27FC236}">
+                <a16:creationId xmlns:a16="http://schemas.microsoft.com/office/drawing/2014/main" id="{2B34B07D-6CF5-314E-9CC1-C214AA7E8BE3}"/>
+              </a:ext>
+            </a:extLst>
+          </p:cNvPr>
+          <p:cNvSpPr/>
+          <p:nvPr/>
+        </p:nvSpPr>
+        <p:spPr>
+          <a:xfrm>
+            <a:off x="-15902" y="987817"/>
+            <a:ext cx="3211862" cy="720000"/>
+          </a:xfrm>
+          <a:prstGeom prst="rect">
+            <a:avLst/>
+          </a:prstGeom>
+          <a:solidFill>
+            <a:srgbClr val="002060"/>
+          </a:solidFill>
+        </p:spPr>
+        <p:style>
+          <a:lnRef idx="2">
+            <a:schemeClr val="accent1">
+              <a:shade val="50000"/>
+            </a:schemeClr>
+          </a:lnRef>
+          <a:fillRef idx="1">
+            <a:schemeClr val="accent1"/>
+          </a:fillRef>
+          <a:effectRef idx="0">
+            <a:schemeClr val="accent1"/>
+          </a:effectRef>
+          <a:fontRef idx="minor">
+            <a:schemeClr val="lt1"/>
+          </a:fontRef>
+        </p:style>
+        <p:txBody>
+          <a:bodyPr rtlCol="0" anchor="ctr"/>
+          <a:lstStyle/>
+          <a:p>
+            <a:pPr algn="ctr"/>
+            <a:r>
+              <a:rPr lang="en-GB" sz="2000" dirty="0">
+                <a:solidFill>
+                  <a:schemeClr val="bg1"/>
+                </a:solidFill>
+                <a:latin typeface="DINPro" panose="02000503030000020004" pitchFamily="2" charset="0"/>
+              </a:rPr>
+              <a:t>Statements</a:t>
+            </a:r>
+            <a:endParaRPr lang="en-US" sz="2000" dirty="0">
+              <a:solidFill>
+                <a:schemeClr val="bg1"/>
+              </a:solidFill>
+              <a:latin typeface="DINPro" panose="02000503030000020004" pitchFamily="2" charset="0"/>
+            </a:endParaRPr>
+          </a:p>
+        </p:txBody>
+      </p:sp>
+      <p:sp>
+        <p:nvSpPr>
+          <p:cNvPr id="4" name="Rectangle 3">
+            <a:extLst>
+              <a:ext uri="{FF2B5EF4-FFF2-40B4-BE49-F238E27FC236}">
+                <a16:creationId xmlns:a16="http://schemas.microsoft.com/office/drawing/2014/main" id="{8F695826-88CC-4A4C-9F05-6EB7CC2DF676}"/>
+              </a:ext>
+            </a:extLst>
+          </p:cNvPr>
+          <p:cNvSpPr/>
+          <p:nvPr/>
+        </p:nvSpPr>
+        <p:spPr>
+          <a:xfrm>
+            <a:off x="-15902" y="1989263"/>
+            <a:ext cx="3211861" cy="720000"/>
+          </a:xfrm>
+          <a:prstGeom prst="rect">
+            <a:avLst/>
+          </a:prstGeom>
+          <a:solidFill>
+            <a:srgbClr val="002060"/>
+          </a:solidFill>
+        </p:spPr>
+        <p:style>
+          <a:lnRef idx="2">
+            <a:schemeClr val="accent1">
+              <a:shade val="50000"/>
+            </a:schemeClr>
+          </a:lnRef>
+          <a:fillRef idx="1">
+            <a:schemeClr val="accent1"/>
+          </a:fillRef>
+          <a:effectRef idx="0">
+            <a:schemeClr val="accent1"/>
+          </a:effectRef>
+          <a:fontRef idx="minor">
+            <a:schemeClr val="lt1"/>
+          </a:fontRef>
+        </p:style>
+        <p:txBody>
+          <a:bodyPr rtlCol="0" anchor="ctr"/>
+          <a:lstStyle/>
+          <a:p>
+            <a:pPr algn="ctr">
+              <a:lnSpc>
+                <a:spcPct val="100000"/>
+              </a:lnSpc>
+              <a:buClr>
+                <a:srgbClr val="0070C0"/>
+              </a:buClr>
+            </a:pPr>
+            <a:r>
+              <a:rPr lang="en-GB" sz="2000" dirty="0">
+                <a:solidFill>
+                  <a:schemeClr val="bg1"/>
+                </a:solidFill>
+                <a:latin typeface="DINPro" panose="02000503030000020004" pitchFamily="2" charset="0"/>
+              </a:rPr>
+              <a:t>Semicolons</a:t>
+            </a:r>
+            <a:endParaRPr lang="en-US" sz="2000" dirty="0">
+              <a:solidFill>
+                <a:schemeClr val="bg1"/>
+              </a:solidFill>
+              <a:latin typeface="DINPro" panose="02000503030000020004" pitchFamily="2" charset="0"/>
+              <a:cs typeface="Didot" panose="02000503000000020003" pitchFamily="2" charset="-79"/>
+            </a:endParaRPr>
+          </a:p>
+        </p:txBody>
+      </p:sp>
+      <p:sp>
+        <p:nvSpPr>
+          <p:cNvPr id="5" name="Rectangle 4">
+            <a:extLst>
+              <a:ext uri="{FF2B5EF4-FFF2-40B4-BE49-F238E27FC236}">
+                <a16:creationId xmlns:a16="http://schemas.microsoft.com/office/drawing/2014/main" id="{3AC63835-D890-5B4D-A4D3-D1304910A751}"/>
+              </a:ext>
+            </a:extLst>
+          </p:cNvPr>
+          <p:cNvSpPr/>
+          <p:nvPr/>
+        </p:nvSpPr>
+        <p:spPr>
+          <a:xfrm>
+            <a:off x="-15902" y="2993245"/>
+            <a:ext cx="3211863" cy="720000"/>
+          </a:xfrm>
+          <a:prstGeom prst="rect">
+            <a:avLst/>
+          </a:prstGeom>
+          <a:solidFill>
+            <a:srgbClr val="002060"/>
+          </a:solidFill>
+        </p:spPr>
+        <p:style>
+          <a:lnRef idx="2">
+            <a:schemeClr val="accent1">
+              <a:shade val="50000"/>
+            </a:schemeClr>
+          </a:lnRef>
+          <a:fillRef idx="1">
+            <a:schemeClr val="accent1"/>
+          </a:fillRef>
+          <a:effectRef idx="0">
+            <a:schemeClr val="accent1"/>
+          </a:effectRef>
+          <a:fontRef idx="minor">
+            <a:schemeClr val="lt1"/>
+          </a:fontRef>
+        </p:style>
+        <p:txBody>
+          <a:bodyPr rtlCol="0" anchor="ctr"/>
+          <a:lstStyle/>
+          <a:p>
+            <a:pPr algn="ctr">
+              <a:lnSpc>
+                <a:spcPct val="100000"/>
+              </a:lnSpc>
+              <a:buClr>
+                <a:srgbClr val="0070C0"/>
+              </a:buClr>
+            </a:pPr>
+            <a:r>
+              <a:rPr lang="en-GB" sz="2000" dirty="0">
+                <a:solidFill>
+                  <a:schemeClr val="bg1"/>
+                </a:solidFill>
+                <a:latin typeface="DINPro" panose="02000503030000020004" pitchFamily="2" charset="0"/>
+              </a:rPr>
+              <a:t>Comments</a:t>
+            </a:r>
+            <a:endParaRPr lang="en-US" sz="2000" dirty="0">
+              <a:solidFill>
+                <a:schemeClr val="bg1"/>
+              </a:solidFill>
+              <a:latin typeface="DINPro" panose="02000503030000020004" pitchFamily="2" charset="0"/>
+              <a:cs typeface="Didot" panose="02000503000000020003" pitchFamily="2" charset="-79"/>
+            </a:endParaRPr>
+          </a:p>
+        </p:txBody>
+      </p:sp>
+      <p:pic>
+        <p:nvPicPr>
+          <p:cNvPr id="10" name="Picture 9" descr="A close up of a sign&#10;&#10;Description automatically generated">
+            <a:extLst>
+              <a:ext uri="{FF2B5EF4-FFF2-40B4-BE49-F238E27FC236}">
+                <a16:creationId xmlns:a16="http://schemas.microsoft.com/office/drawing/2014/main" id="{5A6553C5-15E8-E14A-996B-7CD7B5E6236C}"/>
+              </a:ext>
+            </a:extLst>
+          </p:cNvPr>
+          <p:cNvPicPr>
+            <a:picLocks noChangeAspect="1"/>
+          </p:cNvPicPr>
+          <p:nvPr/>
+        </p:nvPicPr>
+        <p:blipFill>
+          <a:blip r:embed="rId3"/>
+          <a:stretch>
+            <a:fillRect/>
+          </a:stretch>
+        </p:blipFill>
+        <p:spPr>
+          <a:xfrm>
+            <a:off x="10705703" y="222802"/>
+            <a:ext cx="1486297" cy="512085"/>
+          </a:xfrm>
+          <a:prstGeom prst="rect">
+            <a:avLst/>
+          </a:prstGeom>
+        </p:spPr>
+      </p:pic>
+      <p:sp>
+        <p:nvSpPr>
+          <p:cNvPr id="8" name="TextBox 7">
+            <a:extLst>
+              <a:ext uri="{FF2B5EF4-FFF2-40B4-BE49-F238E27FC236}">
+                <a16:creationId xmlns:a16="http://schemas.microsoft.com/office/drawing/2014/main" id="{796D6E82-87CB-5B4A-83B4-A5C7A93EAE2B}"/>
+              </a:ext>
+            </a:extLst>
+          </p:cNvPr>
+          <p:cNvSpPr txBox="1"/>
+          <p:nvPr/>
+        </p:nvSpPr>
+        <p:spPr>
+          <a:xfrm>
+            <a:off x="3968432" y="987817"/>
+            <a:ext cx="7512368" cy="4955203"/>
+          </a:xfrm>
+          <a:prstGeom prst="rect">
+            <a:avLst/>
+          </a:prstGeom>
+          <a:noFill/>
+        </p:spPr>
+        <p:txBody>
+          <a:bodyPr wrap="square" rtlCol="0">
+            <a:spAutoFit/>
+          </a:bodyPr>
+          <a:lstStyle/>
+          <a:p>
+            <a:pPr algn="ctr">
+              <a:spcAft>
+                <a:spcPts val="2000"/>
+              </a:spcAft>
+            </a:pPr>
+            <a:r>
+              <a:rPr lang="en-GB" dirty="0">
+                <a:solidFill>
+                  <a:srgbClr val="F0DA50"/>
+                </a:solidFill>
+                <a:latin typeface="DINPro" panose="02000503030000020004" pitchFamily="2" charset="0"/>
+              </a:rPr>
+              <a:t>Single Line Comments:</a:t>
+            </a:r>
+            <a:r>
+              <a:rPr lang="en-GB" dirty="0">
+                <a:solidFill>
+                  <a:schemeClr val="bg1"/>
+                </a:solidFill>
+                <a:latin typeface="DINPro" panose="02000503030000020004" pitchFamily="2" charset="0"/>
+              </a:rPr>
+              <a:t> Single line comments start with </a:t>
+            </a:r>
+            <a:r>
+              <a:rPr lang="en-GB" dirty="0">
+                <a:solidFill>
+                  <a:srgbClr val="F0DA50"/>
+                </a:solidFill>
+                <a:latin typeface="DINPro" panose="02000503030000020004" pitchFamily="2" charset="0"/>
+              </a:rPr>
+              <a:t>//</a:t>
+            </a:r>
+            <a:r>
+              <a:rPr lang="en-GB" dirty="0">
+                <a:solidFill>
+                  <a:schemeClr val="bg1"/>
+                </a:solidFill>
+                <a:latin typeface="DINPro" panose="02000503030000020004" pitchFamily="2" charset="0"/>
+              </a:rPr>
+              <a:t>.</a:t>
+            </a:r>
+          </a:p>
+          <a:p>
+            <a:pPr algn="ctr">
+              <a:spcAft>
+                <a:spcPts val="2000"/>
+              </a:spcAft>
+            </a:pPr>
+            <a:r>
+              <a:rPr lang="en-US" dirty="0">
+                <a:solidFill>
+                  <a:schemeClr val="bg1"/>
+                </a:solidFill>
+                <a:latin typeface="DINPro" panose="02000503030000020004" pitchFamily="2" charset="0"/>
+              </a:rPr>
+              <a:t>Any text between </a:t>
+            </a:r>
+            <a:r>
+              <a:rPr lang="en-US" dirty="0">
+                <a:solidFill>
+                  <a:srgbClr val="F0DA50"/>
+                </a:solidFill>
+                <a:latin typeface="DINPro" panose="02000503030000020004" pitchFamily="2" charset="0"/>
+              </a:rPr>
+              <a:t>//</a:t>
+            </a:r>
+            <a:r>
+              <a:rPr lang="en-US" dirty="0">
+                <a:solidFill>
+                  <a:schemeClr val="bg1"/>
+                </a:solidFill>
+                <a:latin typeface="DINPro" panose="02000503030000020004" pitchFamily="2" charset="0"/>
+              </a:rPr>
+              <a:t> and the end of the line will be ignored by JavaScript (will not be executed).</a:t>
+            </a:r>
+          </a:p>
+          <a:p>
+            <a:pPr algn="ctr">
+              <a:spcAft>
+                <a:spcPts val="2000"/>
+              </a:spcAft>
+            </a:pPr>
+            <a:r>
+              <a:rPr lang="en-US" dirty="0">
+                <a:solidFill>
+                  <a:srgbClr val="F0DA50"/>
+                </a:solidFill>
+                <a:latin typeface="DINPro" panose="02000503030000020004" pitchFamily="2" charset="0"/>
+              </a:rPr>
+              <a:t>Example:</a:t>
+            </a:r>
+            <a:br>
+              <a:rPr lang="en-US" dirty="0">
+                <a:solidFill>
+                  <a:srgbClr val="F0DA50"/>
+                </a:solidFill>
+                <a:latin typeface="DINPro" panose="02000503030000020004" pitchFamily="2" charset="0"/>
+              </a:rPr>
+            </a:br>
+            <a:r>
+              <a:rPr lang="en-US" dirty="0">
+                <a:solidFill>
+                  <a:srgbClr val="F0DA50"/>
+                </a:solidFill>
+                <a:latin typeface="DINPro" panose="02000503030000020004" pitchFamily="2" charset="0"/>
+              </a:rPr>
+              <a:t>var x = 5;   // Declare x, give it the value of 5</a:t>
+            </a:r>
+          </a:p>
+          <a:p>
+            <a:pPr algn="ctr">
+              <a:spcAft>
+                <a:spcPts val="2000"/>
+              </a:spcAft>
+            </a:pPr>
+            <a:endParaRPr lang="en-US" dirty="0">
+              <a:solidFill>
+                <a:srgbClr val="F0DA50"/>
+              </a:solidFill>
+              <a:latin typeface="DINPro" panose="02000503030000020004" pitchFamily="2" charset="0"/>
+            </a:endParaRPr>
+          </a:p>
+          <a:p>
+            <a:pPr algn="ctr">
+              <a:spcAft>
+                <a:spcPts val="2000"/>
+              </a:spcAft>
+            </a:pPr>
+            <a:r>
+              <a:rPr lang="en-US" dirty="0">
+                <a:solidFill>
+                  <a:srgbClr val="F0DA50"/>
+                </a:solidFill>
+                <a:latin typeface="DINPro" panose="02000503030000020004" pitchFamily="2" charset="0"/>
+              </a:rPr>
+              <a:t>Multi-line Comments:</a:t>
+            </a:r>
+            <a:r>
+              <a:rPr lang="en-US" dirty="0">
+                <a:solidFill>
+                  <a:schemeClr val="bg1"/>
+                </a:solidFill>
+                <a:latin typeface="DINPro" panose="02000503030000020004" pitchFamily="2" charset="0"/>
+              </a:rPr>
+              <a:t> Multi-line comments start with </a:t>
+            </a:r>
+            <a:r>
+              <a:rPr lang="en-US" dirty="0">
+                <a:solidFill>
+                  <a:srgbClr val="F0DA50"/>
+                </a:solidFill>
+                <a:latin typeface="DINPro" panose="02000503030000020004" pitchFamily="2" charset="0"/>
+              </a:rPr>
+              <a:t>/*</a:t>
+            </a:r>
+            <a:r>
+              <a:rPr lang="en-US" dirty="0">
+                <a:solidFill>
+                  <a:schemeClr val="bg1"/>
+                </a:solidFill>
+                <a:latin typeface="DINPro" panose="02000503030000020004" pitchFamily="2" charset="0"/>
+              </a:rPr>
+              <a:t> and end with </a:t>
+            </a:r>
+            <a:r>
+              <a:rPr lang="en-US" dirty="0">
+                <a:solidFill>
+                  <a:srgbClr val="F0DA50"/>
+                </a:solidFill>
+                <a:latin typeface="DINPro" panose="02000503030000020004" pitchFamily="2" charset="0"/>
+              </a:rPr>
+              <a:t>*/</a:t>
+            </a:r>
+            <a:r>
+              <a:rPr lang="en-US" dirty="0">
+                <a:solidFill>
+                  <a:schemeClr val="bg1"/>
+                </a:solidFill>
+                <a:latin typeface="DINPro" panose="02000503030000020004" pitchFamily="2" charset="0"/>
+              </a:rPr>
+              <a:t>.</a:t>
+            </a:r>
+          </a:p>
+          <a:p>
+            <a:pPr algn="ctr">
+              <a:spcAft>
+                <a:spcPts val="2000"/>
+              </a:spcAft>
+            </a:pPr>
+            <a:r>
+              <a:rPr lang="en-US" dirty="0">
+                <a:solidFill>
+                  <a:schemeClr val="bg1"/>
+                </a:solidFill>
+                <a:latin typeface="DINPro" panose="02000503030000020004" pitchFamily="2" charset="0"/>
+              </a:rPr>
+              <a:t>Any text between </a:t>
+            </a:r>
+            <a:r>
+              <a:rPr lang="en-US" dirty="0">
+                <a:solidFill>
+                  <a:srgbClr val="F0DA50"/>
+                </a:solidFill>
+                <a:latin typeface="DINPro" panose="02000503030000020004" pitchFamily="2" charset="0"/>
+              </a:rPr>
+              <a:t>/*</a:t>
+            </a:r>
+            <a:r>
+              <a:rPr lang="en-US" dirty="0">
+                <a:solidFill>
+                  <a:schemeClr val="bg1"/>
+                </a:solidFill>
+                <a:latin typeface="DINPro" panose="02000503030000020004" pitchFamily="2" charset="0"/>
+              </a:rPr>
+              <a:t> and </a:t>
+            </a:r>
+            <a:r>
+              <a:rPr lang="en-US" dirty="0">
+                <a:solidFill>
+                  <a:srgbClr val="F0DA50"/>
+                </a:solidFill>
+                <a:latin typeface="DINPro" panose="02000503030000020004" pitchFamily="2" charset="0"/>
+              </a:rPr>
+              <a:t>*/</a:t>
+            </a:r>
+            <a:r>
+              <a:rPr lang="en-US" dirty="0">
+                <a:solidFill>
+                  <a:schemeClr val="bg1"/>
+                </a:solidFill>
+                <a:latin typeface="DINPro" panose="02000503030000020004" pitchFamily="2" charset="0"/>
+              </a:rPr>
+              <a:t> will be ignored by JavaScript.</a:t>
+            </a:r>
+          </a:p>
+          <a:p>
+            <a:pPr algn="ctr">
+              <a:spcAft>
+                <a:spcPts val="2000"/>
+              </a:spcAft>
+            </a:pPr>
+            <a:r>
+              <a:rPr lang="en-US" dirty="0">
+                <a:solidFill>
+                  <a:srgbClr val="F0DA50"/>
+                </a:solidFill>
+                <a:latin typeface="DINPro" panose="02000503030000020004" pitchFamily="2" charset="0"/>
+              </a:rPr>
+              <a:t>Example:</a:t>
+            </a:r>
+            <a:br>
+              <a:rPr lang="en-US" dirty="0">
+                <a:solidFill>
+                  <a:srgbClr val="F0DA50"/>
+                </a:solidFill>
+                <a:latin typeface="DINPro" panose="02000503030000020004" pitchFamily="2" charset="0"/>
+              </a:rPr>
+            </a:br>
+            <a:r>
+              <a:rPr lang="en-US" dirty="0">
+                <a:solidFill>
+                  <a:srgbClr val="F0DA50"/>
+                </a:solidFill>
+                <a:latin typeface="DINPro" panose="02000503030000020004" pitchFamily="2" charset="0"/>
+              </a:rPr>
+              <a:t>/* The code below will set the id = ”name” </a:t>
+            </a:r>
+            <a:br>
+              <a:rPr lang="en-US" dirty="0">
+                <a:solidFill>
+                  <a:srgbClr val="F0DA50"/>
+                </a:solidFill>
+                <a:latin typeface="DINPro" panose="02000503030000020004" pitchFamily="2" charset="0"/>
+              </a:rPr>
+            </a:br>
+            <a:r>
+              <a:rPr lang="en-US" dirty="0">
+                <a:solidFill>
+                  <a:srgbClr val="F0DA50"/>
+                </a:solidFill>
+                <a:latin typeface="DINPro" panose="02000503030000020004" pitchFamily="2" charset="0"/>
+              </a:rPr>
+              <a:t>inner text as a Code </a:t>
+            </a:r>
+            <a:r>
+              <a:rPr lang="en-US" dirty="0" err="1">
+                <a:solidFill>
+                  <a:srgbClr val="F0DA50"/>
+                </a:solidFill>
+                <a:latin typeface="DINPro" panose="02000503030000020004" pitchFamily="2" charset="0"/>
+              </a:rPr>
+              <a:t>Taleem</a:t>
+            </a:r>
+            <a:r>
+              <a:rPr lang="en-US" dirty="0">
+                <a:solidFill>
+                  <a:srgbClr val="F0DA50"/>
+                </a:solidFill>
+                <a:latin typeface="DINPro" panose="02000503030000020004" pitchFamily="2" charset="0"/>
+              </a:rPr>
+              <a:t> */ </a:t>
+            </a:r>
+            <a:r>
+              <a:rPr lang="en-US" dirty="0" err="1">
+                <a:solidFill>
+                  <a:srgbClr val="F0DA50"/>
+                </a:solidFill>
+                <a:latin typeface="DINPro" panose="02000503030000020004" pitchFamily="2" charset="0"/>
+              </a:rPr>
+              <a:t>document.getElementById</a:t>
+            </a:r>
+            <a:r>
+              <a:rPr lang="en-US" dirty="0">
+                <a:solidFill>
+                  <a:srgbClr val="F0DA50"/>
+                </a:solidFill>
+                <a:latin typeface="DINPro" panose="02000503030000020004" pitchFamily="2" charset="0"/>
+              </a:rPr>
+              <a:t>(”name").</a:t>
+            </a:r>
+            <a:r>
+              <a:rPr lang="en-US" dirty="0" err="1">
+                <a:solidFill>
+                  <a:srgbClr val="F0DA50"/>
+                </a:solidFill>
+                <a:latin typeface="DINPro" panose="02000503030000020004" pitchFamily="2" charset="0"/>
+              </a:rPr>
+              <a:t>innerHTML</a:t>
+            </a:r>
+            <a:r>
+              <a:rPr lang="en-US" dirty="0">
+                <a:solidFill>
+                  <a:srgbClr val="F0DA50"/>
+                </a:solidFill>
+                <a:latin typeface="DINPro" panose="02000503030000020004" pitchFamily="2" charset="0"/>
+              </a:rPr>
+              <a:t> = ”Code </a:t>
+            </a:r>
+            <a:r>
+              <a:rPr lang="en-US" dirty="0" err="1">
+                <a:solidFill>
+                  <a:srgbClr val="F0DA50"/>
+                </a:solidFill>
+                <a:latin typeface="DINPro" panose="02000503030000020004" pitchFamily="2" charset="0"/>
+              </a:rPr>
+              <a:t>Taleem</a:t>
+            </a:r>
+            <a:r>
+              <a:rPr lang="en-US" dirty="0">
+                <a:solidFill>
+                  <a:srgbClr val="F0DA50"/>
+                </a:solidFill>
+                <a:latin typeface="DINPro" panose="02000503030000020004" pitchFamily="2" charset="0"/>
+              </a:rPr>
+              <a:t>";</a:t>
+            </a:r>
+          </a:p>
+        </p:txBody>
+      </p:sp>
+      <p:sp>
+        <p:nvSpPr>
+          <p:cNvPr id="7" name="Rectangle 6">
+            <a:extLst>
+              <a:ext uri="{FF2B5EF4-FFF2-40B4-BE49-F238E27FC236}">
+                <a16:creationId xmlns:a16="http://schemas.microsoft.com/office/drawing/2014/main" id="{FCFD4187-D3D9-7E49-A8E8-4F5D72561EC2}"/>
+              </a:ext>
+            </a:extLst>
+          </p:cNvPr>
+          <p:cNvSpPr/>
+          <p:nvPr/>
+        </p:nvSpPr>
+        <p:spPr>
+          <a:xfrm>
+            <a:off x="-15903" y="3994691"/>
+            <a:ext cx="3211861" cy="720000"/>
+          </a:xfrm>
+          <a:prstGeom prst="rect">
+            <a:avLst/>
+          </a:prstGeom>
+          <a:solidFill>
+            <a:srgbClr val="F0DA50"/>
+          </a:solidFill>
+        </p:spPr>
+        <p:style>
+          <a:lnRef idx="2">
+            <a:schemeClr val="accent1">
+              <a:shade val="50000"/>
+            </a:schemeClr>
+          </a:lnRef>
+          <a:fillRef idx="1">
+            <a:schemeClr val="accent1"/>
+          </a:fillRef>
+          <a:effectRef idx="0">
+            <a:schemeClr val="accent1"/>
+          </a:effectRef>
+          <a:fontRef idx="minor">
+            <a:schemeClr val="lt1"/>
+          </a:fontRef>
+        </p:style>
+        <p:txBody>
+          <a:bodyPr rtlCol="0" anchor="ctr"/>
+          <a:lstStyle/>
+          <a:p>
+            <a:pPr algn="ctr">
+              <a:lnSpc>
+                <a:spcPct val="100000"/>
+              </a:lnSpc>
+              <a:buClr>
+                <a:srgbClr val="0070C0"/>
+              </a:buClr>
+            </a:pPr>
+            <a:r>
+              <a:rPr lang="en-GB" sz="2000" dirty="0">
+                <a:solidFill>
+                  <a:srgbClr val="0A0454"/>
+                </a:solidFill>
+                <a:latin typeface="DINPro" panose="02000503030000020004" pitchFamily="2" charset="0"/>
+              </a:rPr>
+              <a:t>Syntax</a:t>
+            </a:r>
+            <a:endParaRPr lang="en-US" sz="2000" dirty="0">
+              <a:solidFill>
+                <a:srgbClr val="0A0454"/>
+              </a:solidFill>
+              <a:latin typeface="DINPro" panose="02000503030000020004" pitchFamily="2" charset="0"/>
+              <a:cs typeface="Didot" panose="02000503000000020003" pitchFamily="2" charset="-79"/>
+            </a:endParaRPr>
+          </a:p>
+        </p:txBody>
+      </p:sp>
+    </p:spTree>
+    <p:extLst>
+      <p:ext uri="{BB962C8B-B14F-4D97-AF65-F5344CB8AC3E}">
+        <p14:creationId xmlns:p14="http://schemas.microsoft.com/office/powerpoint/2010/main" val="1360105896"/>
+      </p:ext>
+    </p:extLst>
+  </p:cSld>
+  <p:clrMapOvr>
+    <a:masterClrMapping/>
+  </p:clrMapOvr>
+</p:sld>
+</file>
+
+<file path=ppt/slides/slide17.xml><?xml version="1.0" encoding="utf-8"?>
+<p:sld xmlns:a="http://schemas.openxmlformats.org/drawingml/2006/main" xmlns:r="http://schemas.openxmlformats.org/officeDocument/2006/relationships" xmlns:p="http://schemas.openxmlformats.org/presentationml/2006/main">
+  <p:cSld>
+    <p:bg>
+      <p:bgPr>
+        <a:blipFill dpi="0" rotWithShape="1">
+          <a:blip r:embed="rId2">
+            <a:lum/>
+          </a:blip>
+          <a:srcRect/>
+          <a:stretch>
+            <a:fillRect/>
+          </a:stretch>
+        </a:blipFill>
+        <a:effectLst/>
+      </p:bgPr>
+    </p:bg>
+    <p:spTree>
+      <p:nvGrpSpPr>
+        <p:cNvPr id="1" name=""/>
+        <p:cNvGrpSpPr/>
+        <p:nvPr/>
+      </p:nvGrpSpPr>
+      <p:grpSpPr>
+        <a:xfrm>
+          <a:off x="0" y="0"/>
+          <a:ext cx="0" cy="0"/>
+          <a:chOff x="0" y="0"/>
+          <a:chExt cx="0" cy="0"/>
+        </a:xfrm>
+      </p:grpSpPr>
+      <p:sp>
+        <p:nvSpPr>
+          <p:cNvPr id="2" name="Rectangle 1">
+            <a:extLst>
+              <a:ext uri="{FF2B5EF4-FFF2-40B4-BE49-F238E27FC236}">
+                <a16:creationId xmlns:a16="http://schemas.microsoft.com/office/drawing/2014/main" id="{9C508F75-2551-C444-ADEA-13E1006C4F6C}"/>
+              </a:ext>
+            </a:extLst>
+          </p:cNvPr>
+          <p:cNvSpPr/>
+          <p:nvPr/>
+        </p:nvSpPr>
+        <p:spPr>
+          <a:xfrm>
+            <a:off x="5979381" y="3720539"/>
+            <a:ext cx="4079017" cy="1000274"/>
+          </a:xfrm>
+          <a:prstGeom prst="rect">
+            <a:avLst/>
+          </a:prstGeom>
+        </p:spPr>
+        <p:txBody>
+          <a:bodyPr wrap="square">
+            <a:spAutoFit/>
+          </a:bodyPr>
+          <a:lstStyle/>
+          <a:p>
+            <a:pPr algn="ctr"/>
+            <a:r>
+              <a:rPr lang="en-US" sz="2400" dirty="0">
+                <a:solidFill>
+                  <a:srgbClr val="F0DA50"/>
+                </a:solidFill>
+                <a:latin typeface="DINPro" panose="02000503030000020004" pitchFamily="2" charset="0"/>
+              </a:rPr>
+              <a:t>CHAPTER 3</a:t>
+            </a:r>
+          </a:p>
+          <a:p>
+            <a:pPr algn="ctr"/>
+            <a:r>
+              <a:rPr lang="en-US" sz="3500" dirty="0">
+                <a:solidFill>
+                  <a:schemeClr val="bg1"/>
+                </a:solidFill>
+                <a:latin typeface="DINPro" panose="02000503030000020004" pitchFamily="2" charset="0"/>
+              </a:rPr>
+              <a:t>JS Output</a:t>
+            </a:r>
+            <a:endParaRPr lang="en-US" sz="3500" dirty="0">
+              <a:solidFill>
+                <a:schemeClr val="bg1"/>
+              </a:solidFill>
+            </a:endParaRPr>
+          </a:p>
+        </p:txBody>
+      </p:sp>
+      <p:sp>
+        <p:nvSpPr>
+          <p:cNvPr id="3" name="Rectangle 2">
+            <a:extLst>
+              <a:ext uri="{FF2B5EF4-FFF2-40B4-BE49-F238E27FC236}">
+                <a16:creationId xmlns:a16="http://schemas.microsoft.com/office/drawing/2014/main" id="{2B34B07D-6CF5-314E-9CC1-C214AA7E8BE3}"/>
+              </a:ext>
+            </a:extLst>
+          </p:cNvPr>
+          <p:cNvSpPr/>
+          <p:nvPr/>
+        </p:nvSpPr>
+        <p:spPr>
+          <a:xfrm>
+            <a:off x="-15902" y="987817"/>
+            <a:ext cx="3211862" cy="720000"/>
+          </a:xfrm>
+          <a:prstGeom prst="rect">
+            <a:avLst/>
+          </a:prstGeom>
+          <a:solidFill>
+            <a:srgbClr val="002060"/>
+          </a:solidFill>
+        </p:spPr>
+        <p:style>
+          <a:lnRef idx="2">
+            <a:schemeClr val="accent1">
+              <a:shade val="50000"/>
+            </a:schemeClr>
+          </a:lnRef>
+          <a:fillRef idx="1">
+            <a:schemeClr val="accent1"/>
+          </a:fillRef>
+          <a:effectRef idx="0">
+            <a:schemeClr val="accent1"/>
+          </a:effectRef>
+          <a:fontRef idx="minor">
+            <a:schemeClr val="lt1"/>
+          </a:fontRef>
+        </p:style>
+        <p:txBody>
+          <a:bodyPr rtlCol="0" anchor="ctr"/>
+          <a:lstStyle/>
+          <a:p>
+            <a:pPr algn="ctr"/>
+            <a:r>
+              <a:rPr lang="en-GB" sz="2000" dirty="0">
+                <a:latin typeface="DINPro" panose="02000503030000020004" pitchFamily="2" charset="0"/>
+              </a:rPr>
+              <a:t>Statements</a:t>
+            </a:r>
+            <a:endParaRPr lang="en-US" sz="2000" dirty="0">
+              <a:latin typeface="DINPro" panose="02000503030000020004" pitchFamily="2" charset="0"/>
+            </a:endParaRPr>
+          </a:p>
+        </p:txBody>
+      </p:sp>
+      <p:sp>
+        <p:nvSpPr>
+          <p:cNvPr id="4" name="Rectangle 3">
+            <a:extLst>
+              <a:ext uri="{FF2B5EF4-FFF2-40B4-BE49-F238E27FC236}">
+                <a16:creationId xmlns:a16="http://schemas.microsoft.com/office/drawing/2014/main" id="{8F695826-88CC-4A4C-9F05-6EB7CC2DF676}"/>
+              </a:ext>
+            </a:extLst>
+          </p:cNvPr>
+          <p:cNvSpPr/>
+          <p:nvPr/>
+        </p:nvSpPr>
+        <p:spPr>
+          <a:xfrm>
+            <a:off x="-15902" y="1989263"/>
+            <a:ext cx="3211861" cy="720000"/>
+          </a:xfrm>
+          <a:prstGeom prst="rect">
+            <a:avLst/>
+          </a:prstGeom>
+          <a:solidFill>
+            <a:srgbClr val="002060"/>
+          </a:solidFill>
+        </p:spPr>
+        <p:style>
+          <a:lnRef idx="2">
+            <a:schemeClr val="accent1">
+              <a:shade val="50000"/>
+            </a:schemeClr>
+          </a:lnRef>
+          <a:fillRef idx="1">
+            <a:schemeClr val="accent1"/>
+          </a:fillRef>
+          <a:effectRef idx="0">
+            <a:schemeClr val="accent1"/>
+          </a:effectRef>
+          <a:fontRef idx="minor">
+            <a:schemeClr val="lt1"/>
+          </a:fontRef>
+        </p:style>
+        <p:txBody>
+          <a:bodyPr rtlCol="0" anchor="ctr"/>
+          <a:lstStyle/>
+          <a:p>
+            <a:pPr algn="ctr">
+              <a:lnSpc>
+                <a:spcPct val="100000"/>
+              </a:lnSpc>
+              <a:buClr>
+                <a:srgbClr val="0070C0"/>
+              </a:buClr>
+            </a:pPr>
+            <a:r>
+              <a:rPr lang="en-GB" dirty="0">
+                <a:latin typeface="DINPro" panose="02000503030000020004" pitchFamily="2" charset="0"/>
+              </a:rPr>
+              <a:t>Semicolons</a:t>
+            </a:r>
+            <a:endParaRPr lang="en-US" sz="2000" dirty="0">
+              <a:latin typeface="DINPro" panose="02000503030000020004" pitchFamily="2" charset="0"/>
+              <a:cs typeface="Didot" panose="02000503000000020003" pitchFamily="2" charset="-79"/>
+            </a:endParaRPr>
+          </a:p>
+        </p:txBody>
+      </p:sp>
+      <p:sp>
+        <p:nvSpPr>
+          <p:cNvPr id="5" name="Rectangle 4">
+            <a:extLst>
+              <a:ext uri="{FF2B5EF4-FFF2-40B4-BE49-F238E27FC236}">
+                <a16:creationId xmlns:a16="http://schemas.microsoft.com/office/drawing/2014/main" id="{3AC63835-D890-5B4D-A4D3-D1304910A751}"/>
+              </a:ext>
+            </a:extLst>
+          </p:cNvPr>
+          <p:cNvSpPr/>
+          <p:nvPr/>
+        </p:nvSpPr>
+        <p:spPr>
+          <a:xfrm>
+            <a:off x="-15902" y="2993245"/>
+            <a:ext cx="3211863" cy="720000"/>
+          </a:xfrm>
+          <a:prstGeom prst="rect">
+            <a:avLst/>
+          </a:prstGeom>
+          <a:solidFill>
+            <a:srgbClr val="002060"/>
+          </a:solidFill>
+        </p:spPr>
+        <p:style>
+          <a:lnRef idx="2">
+            <a:schemeClr val="accent1">
+              <a:shade val="50000"/>
+            </a:schemeClr>
+          </a:lnRef>
+          <a:fillRef idx="1">
+            <a:schemeClr val="accent1"/>
+          </a:fillRef>
+          <a:effectRef idx="0">
+            <a:schemeClr val="accent1"/>
+          </a:effectRef>
+          <a:fontRef idx="minor">
+            <a:schemeClr val="lt1"/>
+          </a:fontRef>
+        </p:style>
+        <p:txBody>
+          <a:bodyPr rtlCol="0" anchor="ctr"/>
+          <a:lstStyle/>
+          <a:p>
+            <a:pPr algn="ctr">
+              <a:lnSpc>
+                <a:spcPct val="100000"/>
+              </a:lnSpc>
+              <a:buClr>
+                <a:srgbClr val="0070C0"/>
+              </a:buClr>
+            </a:pPr>
+            <a:r>
+              <a:rPr lang="en-GB" sz="2000" dirty="0">
+                <a:latin typeface="DINPro" panose="02000503030000020004" pitchFamily="2" charset="0"/>
+              </a:rPr>
+              <a:t>Comments</a:t>
+            </a:r>
+            <a:endParaRPr lang="en-US" sz="2000" dirty="0">
+              <a:latin typeface="DINPro" panose="02000503030000020004" pitchFamily="2" charset="0"/>
+              <a:cs typeface="Didot" panose="02000503000000020003" pitchFamily="2" charset="-79"/>
+            </a:endParaRPr>
+          </a:p>
+        </p:txBody>
+      </p:sp>
+      <p:pic>
+        <p:nvPicPr>
+          <p:cNvPr id="10" name="Picture 9" descr="A close up of a sign&#10;&#10;Description automatically generated">
+            <a:extLst>
+              <a:ext uri="{FF2B5EF4-FFF2-40B4-BE49-F238E27FC236}">
+                <a16:creationId xmlns:a16="http://schemas.microsoft.com/office/drawing/2014/main" id="{5A6553C5-15E8-E14A-996B-7CD7B5E6236C}"/>
+              </a:ext>
+            </a:extLst>
+          </p:cNvPr>
+          <p:cNvPicPr>
+            <a:picLocks noChangeAspect="1"/>
+          </p:cNvPicPr>
+          <p:nvPr/>
+        </p:nvPicPr>
+        <p:blipFill>
+          <a:blip r:embed="rId3"/>
+          <a:stretch>
+            <a:fillRect/>
+          </a:stretch>
+        </p:blipFill>
+        <p:spPr>
+          <a:xfrm>
+            <a:off x="10705703" y="222802"/>
+            <a:ext cx="1486297" cy="512085"/>
+          </a:xfrm>
+          <a:prstGeom prst="rect">
+            <a:avLst/>
+          </a:prstGeom>
+        </p:spPr>
+      </p:pic>
+      <p:pic>
+        <p:nvPicPr>
+          <p:cNvPr id="12" name="Picture 11" descr="A close up of a logo&#10;&#10;Description automatically generated">
+            <a:extLst>
+              <a:ext uri="{FF2B5EF4-FFF2-40B4-BE49-F238E27FC236}">
+                <a16:creationId xmlns:a16="http://schemas.microsoft.com/office/drawing/2014/main" id="{F3051263-F22D-8643-AF0D-8EBC552692A2}"/>
+              </a:ext>
+            </a:extLst>
+          </p:cNvPr>
+          <p:cNvPicPr>
+            <a:picLocks noChangeAspect="1"/>
+          </p:cNvPicPr>
+          <p:nvPr/>
+        </p:nvPicPr>
+        <p:blipFill>
+          <a:blip r:embed="rId4"/>
+          <a:stretch>
+            <a:fillRect/>
+          </a:stretch>
+        </p:blipFill>
+        <p:spPr>
+          <a:xfrm>
+            <a:off x="7084266" y="1628302"/>
+            <a:ext cx="1835978" cy="1841224"/>
+          </a:xfrm>
+          <a:prstGeom prst="rect">
+            <a:avLst/>
+          </a:prstGeom>
+        </p:spPr>
+      </p:pic>
+      <p:sp>
+        <p:nvSpPr>
+          <p:cNvPr id="8" name="Rectangle 7">
+            <a:extLst>
+              <a:ext uri="{FF2B5EF4-FFF2-40B4-BE49-F238E27FC236}">
+                <a16:creationId xmlns:a16="http://schemas.microsoft.com/office/drawing/2014/main" id="{189762AE-4FC6-D24D-8B13-579AA7876D1D}"/>
+              </a:ext>
+            </a:extLst>
+          </p:cNvPr>
+          <p:cNvSpPr/>
+          <p:nvPr/>
+        </p:nvSpPr>
+        <p:spPr>
+          <a:xfrm>
+            <a:off x="0" y="3994691"/>
+            <a:ext cx="3211863" cy="720000"/>
+          </a:xfrm>
+          <a:prstGeom prst="rect">
+            <a:avLst/>
+          </a:prstGeom>
+          <a:solidFill>
+            <a:srgbClr val="002060"/>
+          </a:solidFill>
+        </p:spPr>
+        <p:style>
+          <a:lnRef idx="2">
+            <a:schemeClr val="accent1">
+              <a:shade val="50000"/>
+            </a:schemeClr>
+          </a:lnRef>
+          <a:fillRef idx="1">
+            <a:schemeClr val="accent1"/>
+          </a:fillRef>
+          <a:effectRef idx="0">
+            <a:schemeClr val="accent1"/>
+          </a:effectRef>
+          <a:fontRef idx="minor">
+            <a:schemeClr val="lt1"/>
+          </a:fontRef>
+        </p:style>
+        <p:txBody>
+          <a:bodyPr rtlCol="0" anchor="ctr"/>
+          <a:lstStyle/>
+          <a:p>
+            <a:pPr algn="ctr">
+              <a:lnSpc>
+                <a:spcPct val="100000"/>
+              </a:lnSpc>
+              <a:buClr>
+                <a:srgbClr val="0070C0"/>
+              </a:buClr>
+            </a:pPr>
+            <a:r>
+              <a:rPr lang="en-GB" sz="2000" dirty="0">
+                <a:latin typeface="DINPro" panose="02000503030000020004" pitchFamily="2" charset="0"/>
+              </a:rPr>
+              <a:t>Syntax</a:t>
+            </a:r>
+            <a:endParaRPr lang="en-US" sz="2000" dirty="0">
+              <a:latin typeface="DINPro" panose="02000503030000020004" pitchFamily="2" charset="0"/>
+              <a:cs typeface="Didot" panose="02000503000000020003" pitchFamily="2" charset="-79"/>
+            </a:endParaRPr>
+          </a:p>
+        </p:txBody>
+      </p:sp>
+    </p:spTree>
+    <p:extLst>
+      <p:ext uri="{BB962C8B-B14F-4D97-AF65-F5344CB8AC3E}">
+        <p14:creationId xmlns:p14="http://schemas.microsoft.com/office/powerpoint/2010/main" val="3664546844"/>
+      </p:ext>
+    </p:extLst>
+  </p:cSld>
+  <p:clrMapOvr>
+    <a:masterClrMapping/>
+  </p:clrMapOvr>
+  <p:timing>
+    <p:tnLst>
+      <p:par>
+        <p:cTn id="1" dur="indefinite" restart="never" nodeType="tmRoot">
+          <p:childTnLst>
+            <p:seq concurrent="1" nextAc="seek">
+              <p:cTn id="2" dur="indefinite" nodeType="mainSeq">
+                <p:childTnLst>
+                  <p:par>
+                    <p:cTn id="3" fill="hold">
+                      <p:stCondLst>
+                        <p:cond delay="indefinite"/>
+                      </p:stCondLst>
+                      <p:childTnLst>
+                        <p:par>
+                          <p:cTn id="4" fill="hold">
+                            <p:stCondLst>
+                              <p:cond delay="0"/>
+                            </p:stCondLst>
+                            <p:childTnLst>
+                              <p:par>
+                                <p:cTn id="5" presetID="41" presetClass="entr" presetSubtype="0" fill="hold" grpId="0" nodeType="clickEffect">
+                                  <p:stCondLst>
+                                    <p:cond delay="0"/>
+                                  </p:stCondLst>
+                                  <p:iterate type="lt">
+                                    <p:tmPct val="10000"/>
+                                  </p:iterate>
+                                  <p:childTnLst>
+                                    <p:set>
+                                      <p:cBhvr>
+                                        <p:cTn id="6" dur="1" fill="hold">
+                                          <p:stCondLst>
+                                            <p:cond delay="0"/>
+                                          </p:stCondLst>
+                                        </p:cTn>
+                                        <p:tgtEl>
+                                          <p:spTgt spid="3"/>
+                                        </p:tgtEl>
+                                        <p:attrNameLst>
+                                          <p:attrName>style.visibility</p:attrName>
+                                        </p:attrNameLst>
+                                      </p:cBhvr>
+                                      <p:to>
+                                        <p:strVal val="visible"/>
+                                      </p:to>
+                                    </p:set>
+                                    <p:anim calcmode="lin" valueType="num">
+                                      <p:cBhvr>
+                                        <p:cTn id="7" dur="500" fill="hold"/>
+                                        <p:tgtEl>
+                                          <p:spTgt spid="3"/>
+                                        </p:tgtEl>
+                                        <p:attrNameLst>
+                                          <p:attrName>ppt_x</p:attrName>
+                                        </p:attrNameLst>
+                                      </p:cBhvr>
+                                      <p:tavLst>
+                                        <p:tav tm="0">
+                                          <p:val>
+                                            <p:strVal val="#ppt_x"/>
+                                          </p:val>
+                                        </p:tav>
+                                        <p:tav tm="50000">
+                                          <p:val>
+                                            <p:strVal val="#ppt_x+.1"/>
+                                          </p:val>
+                                        </p:tav>
+                                        <p:tav tm="100000">
+                                          <p:val>
+                                            <p:strVal val="#ppt_x"/>
+                                          </p:val>
+                                        </p:tav>
+                                      </p:tavLst>
+                                    </p:anim>
+                                    <p:anim calcmode="lin" valueType="num">
+                                      <p:cBhvr>
+                                        <p:cTn id="8" dur="500" fill="hold"/>
+                                        <p:tgtEl>
+                                          <p:spTgt spid="3"/>
+                                        </p:tgtEl>
+                                        <p:attrNameLst>
+                                          <p:attrName>ppt_y</p:attrName>
+                                        </p:attrNameLst>
+                                      </p:cBhvr>
+                                      <p:tavLst>
+                                        <p:tav tm="0">
+                                          <p:val>
+                                            <p:strVal val="#ppt_y"/>
+                                          </p:val>
+                                        </p:tav>
+                                        <p:tav tm="100000">
+                                          <p:val>
+                                            <p:strVal val="#ppt_y"/>
+                                          </p:val>
+                                        </p:tav>
+                                      </p:tavLst>
+                                    </p:anim>
+                                    <p:anim calcmode="lin" valueType="num">
+                                      <p:cBhvr>
+                                        <p:cTn id="9" dur="500" fill="hold"/>
+                                        <p:tgtEl>
+                                          <p:spTgt spid="3"/>
+                                        </p:tgtEl>
+                                        <p:attrNameLst>
+                                          <p:attrName>ppt_h</p:attrName>
+                                        </p:attrNameLst>
+                                      </p:cBhvr>
+                                      <p:tavLst>
+                                        <p:tav tm="0">
+                                          <p:val>
+                                            <p:strVal val="#ppt_h/10"/>
+                                          </p:val>
+                                        </p:tav>
+                                        <p:tav tm="50000">
+                                          <p:val>
+                                            <p:strVal val="#ppt_h+.01"/>
+                                          </p:val>
+                                        </p:tav>
+                                        <p:tav tm="100000">
+                                          <p:val>
+                                            <p:strVal val="#ppt_h"/>
+                                          </p:val>
+                                        </p:tav>
+                                      </p:tavLst>
+                                    </p:anim>
+                                    <p:anim calcmode="lin" valueType="num">
+                                      <p:cBhvr>
+                                        <p:cTn id="10" dur="500" fill="hold"/>
+                                        <p:tgtEl>
+                                          <p:spTgt spid="3"/>
+                                        </p:tgtEl>
+                                        <p:attrNameLst>
+                                          <p:attrName>ppt_w</p:attrName>
+                                        </p:attrNameLst>
+                                      </p:cBhvr>
+                                      <p:tavLst>
+                                        <p:tav tm="0">
+                                          <p:val>
+                                            <p:strVal val="#ppt_w/10"/>
+                                          </p:val>
+                                        </p:tav>
+                                        <p:tav tm="50000">
+                                          <p:val>
+                                            <p:strVal val="#ppt_w+.01"/>
+                                          </p:val>
+                                        </p:tav>
+                                        <p:tav tm="100000">
+                                          <p:val>
+                                            <p:strVal val="#ppt_w"/>
+                                          </p:val>
+                                        </p:tav>
+                                      </p:tavLst>
+                                    </p:anim>
+                                    <p:animEffect transition="in" filter="fade">
+                                      <p:cBhvr>
+                                        <p:cTn id="11" dur="500" tmFilter="0,0; .5, 1; 1, 1"/>
+                                        <p:tgtEl>
+                                          <p:spTgt spid="3"/>
+                                        </p:tgtEl>
+                                      </p:cBhvr>
+                                    </p:animEffect>
+                                  </p:childTnLst>
+                                </p:cTn>
+                              </p:par>
+                            </p:childTnLst>
+                          </p:cTn>
+                        </p:par>
+                      </p:childTnLst>
+                    </p:cTn>
+                  </p:par>
+                  <p:par>
+                    <p:cTn id="12" fill="hold">
+                      <p:stCondLst>
+                        <p:cond delay="indefinite"/>
+                      </p:stCondLst>
+                      <p:childTnLst>
+                        <p:par>
+                          <p:cTn id="13" fill="hold">
+                            <p:stCondLst>
+                              <p:cond delay="0"/>
+                            </p:stCondLst>
+                            <p:childTnLst>
+                              <p:par>
+                                <p:cTn id="14" presetID="41" presetClass="entr" presetSubtype="0" fill="hold" grpId="0" nodeType="clickEffect">
+                                  <p:stCondLst>
+                                    <p:cond delay="0"/>
+                                  </p:stCondLst>
+                                  <p:iterate type="lt">
+                                    <p:tmPct val="10000"/>
+                                  </p:iterate>
+                                  <p:childTnLst>
+                                    <p:set>
+                                      <p:cBhvr>
+                                        <p:cTn id="15" dur="1" fill="hold">
+                                          <p:stCondLst>
+                                            <p:cond delay="0"/>
+                                          </p:stCondLst>
+                                        </p:cTn>
+                                        <p:tgtEl>
+                                          <p:spTgt spid="4"/>
+                                        </p:tgtEl>
+                                        <p:attrNameLst>
+                                          <p:attrName>style.visibility</p:attrName>
+                                        </p:attrNameLst>
+                                      </p:cBhvr>
+                                      <p:to>
+                                        <p:strVal val="visible"/>
+                                      </p:to>
+                                    </p:set>
+                                    <p:anim calcmode="lin" valueType="num">
+                                      <p:cBhvr>
+                                        <p:cTn id="16" dur="500" fill="hold"/>
+                                        <p:tgtEl>
+                                          <p:spTgt spid="4"/>
+                                        </p:tgtEl>
+                                        <p:attrNameLst>
+                                          <p:attrName>ppt_x</p:attrName>
+                                        </p:attrNameLst>
+                                      </p:cBhvr>
+                                      <p:tavLst>
+                                        <p:tav tm="0">
+                                          <p:val>
+                                            <p:strVal val="#ppt_x"/>
+                                          </p:val>
+                                        </p:tav>
+                                        <p:tav tm="50000">
+                                          <p:val>
+                                            <p:strVal val="#ppt_x+.1"/>
+                                          </p:val>
+                                        </p:tav>
+                                        <p:tav tm="100000">
+                                          <p:val>
+                                            <p:strVal val="#ppt_x"/>
+                                          </p:val>
+                                        </p:tav>
+                                      </p:tavLst>
+                                    </p:anim>
+                                    <p:anim calcmode="lin" valueType="num">
+                                      <p:cBhvr>
+                                        <p:cTn id="17" dur="500" fill="hold"/>
+                                        <p:tgtEl>
+                                          <p:spTgt spid="4"/>
+                                        </p:tgtEl>
+                                        <p:attrNameLst>
+                                          <p:attrName>ppt_y</p:attrName>
+                                        </p:attrNameLst>
+                                      </p:cBhvr>
+                                      <p:tavLst>
+                                        <p:tav tm="0">
+                                          <p:val>
+                                            <p:strVal val="#ppt_y"/>
+                                          </p:val>
+                                        </p:tav>
+                                        <p:tav tm="100000">
+                                          <p:val>
+                                            <p:strVal val="#ppt_y"/>
+                                          </p:val>
+                                        </p:tav>
+                                      </p:tavLst>
+                                    </p:anim>
+                                    <p:anim calcmode="lin" valueType="num">
+                                      <p:cBhvr>
+                                        <p:cTn id="18" dur="500" fill="hold"/>
+                                        <p:tgtEl>
+                                          <p:spTgt spid="4"/>
+                                        </p:tgtEl>
+                                        <p:attrNameLst>
+                                          <p:attrName>ppt_h</p:attrName>
+                                        </p:attrNameLst>
+                                      </p:cBhvr>
+                                      <p:tavLst>
+                                        <p:tav tm="0">
+                                          <p:val>
+                                            <p:strVal val="#ppt_h/10"/>
+                                          </p:val>
+                                        </p:tav>
+                                        <p:tav tm="50000">
+                                          <p:val>
+                                            <p:strVal val="#ppt_h+.01"/>
+                                          </p:val>
+                                        </p:tav>
+                                        <p:tav tm="100000">
+                                          <p:val>
+                                            <p:strVal val="#ppt_h"/>
+                                          </p:val>
+                                        </p:tav>
+                                      </p:tavLst>
+                                    </p:anim>
+                                    <p:anim calcmode="lin" valueType="num">
+                                      <p:cBhvr>
+                                        <p:cTn id="19" dur="500" fill="hold"/>
+                                        <p:tgtEl>
+                                          <p:spTgt spid="4"/>
+                                        </p:tgtEl>
+                                        <p:attrNameLst>
+                                          <p:attrName>ppt_w</p:attrName>
+                                        </p:attrNameLst>
+                                      </p:cBhvr>
+                                      <p:tavLst>
+                                        <p:tav tm="0">
+                                          <p:val>
+                                            <p:strVal val="#ppt_w/10"/>
+                                          </p:val>
+                                        </p:tav>
+                                        <p:tav tm="50000">
+                                          <p:val>
+                                            <p:strVal val="#ppt_w+.01"/>
+                                          </p:val>
+                                        </p:tav>
+                                        <p:tav tm="100000">
+                                          <p:val>
+                                            <p:strVal val="#ppt_w"/>
+                                          </p:val>
+                                        </p:tav>
+                                      </p:tavLst>
+                                    </p:anim>
+                                    <p:animEffect transition="in" filter="fade">
+                                      <p:cBhvr>
+                                        <p:cTn id="20" dur="500" tmFilter="0,0; .5, 1; 1, 1"/>
+                                        <p:tgtEl>
+                                          <p:spTgt spid="4"/>
+                                        </p:tgtEl>
+                                      </p:cBhvr>
+                                    </p:animEffect>
+                                  </p:childTnLst>
+                                </p:cTn>
+                              </p:par>
+                            </p:childTnLst>
+                          </p:cTn>
+                        </p:par>
+                      </p:childTnLst>
+                    </p:cTn>
+                  </p:par>
+                  <p:par>
+                    <p:cTn id="21" fill="hold">
+                      <p:stCondLst>
+                        <p:cond delay="indefinite"/>
+                      </p:stCondLst>
+                      <p:childTnLst>
+                        <p:par>
+                          <p:cTn id="22" fill="hold">
+                            <p:stCondLst>
+                              <p:cond delay="0"/>
+                            </p:stCondLst>
+                            <p:childTnLst>
+                              <p:par>
+                                <p:cTn id="23" presetID="41" presetClass="entr" presetSubtype="0" fill="hold" grpId="0" nodeType="clickEffect">
+                                  <p:stCondLst>
+                                    <p:cond delay="0"/>
+                                  </p:stCondLst>
+                                  <p:iterate type="lt">
+                                    <p:tmPct val="10000"/>
+                                  </p:iterate>
+                                  <p:childTnLst>
+                                    <p:set>
+                                      <p:cBhvr>
+                                        <p:cTn id="24" dur="1" fill="hold">
+                                          <p:stCondLst>
+                                            <p:cond delay="0"/>
+                                          </p:stCondLst>
+                                        </p:cTn>
+                                        <p:tgtEl>
+                                          <p:spTgt spid="5"/>
+                                        </p:tgtEl>
+                                        <p:attrNameLst>
+                                          <p:attrName>style.visibility</p:attrName>
+                                        </p:attrNameLst>
+                                      </p:cBhvr>
+                                      <p:to>
+                                        <p:strVal val="visible"/>
+                                      </p:to>
+                                    </p:set>
+                                    <p:anim calcmode="lin" valueType="num">
+                                      <p:cBhvr>
+                                        <p:cTn id="25" dur="500" fill="hold"/>
+                                        <p:tgtEl>
+                                          <p:spTgt spid="5"/>
+                                        </p:tgtEl>
+                                        <p:attrNameLst>
+                                          <p:attrName>ppt_x</p:attrName>
+                                        </p:attrNameLst>
+                                      </p:cBhvr>
+                                      <p:tavLst>
+                                        <p:tav tm="0">
+                                          <p:val>
+                                            <p:strVal val="#ppt_x"/>
+                                          </p:val>
+                                        </p:tav>
+                                        <p:tav tm="50000">
+                                          <p:val>
+                                            <p:strVal val="#ppt_x+.1"/>
+                                          </p:val>
+                                        </p:tav>
+                                        <p:tav tm="100000">
+                                          <p:val>
+                                            <p:strVal val="#ppt_x"/>
+                                          </p:val>
+                                        </p:tav>
+                                      </p:tavLst>
+                                    </p:anim>
+                                    <p:anim calcmode="lin" valueType="num">
+                                      <p:cBhvr>
+                                        <p:cTn id="26" dur="500" fill="hold"/>
+                                        <p:tgtEl>
+                                          <p:spTgt spid="5"/>
+                                        </p:tgtEl>
+                                        <p:attrNameLst>
+                                          <p:attrName>ppt_y</p:attrName>
+                                        </p:attrNameLst>
+                                      </p:cBhvr>
+                                      <p:tavLst>
+                                        <p:tav tm="0">
+                                          <p:val>
+                                            <p:strVal val="#ppt_y"/>
+                                          </p:val>
+                                        </p:tav>
+                                        <p:tav tm="100000">
+                                          <p:val>
+                                            <p:strVal val="#ppt_y"/>
+                                          </p:val>
+                                        </p:tav>
+                                      </p:tavLst>
+                                    </p:anim>
+                                    <p:anim calcmode="lin" valueType="num">
+                                      <p:cBhvr>
+                                        <p:cTn id="27" dur="500" fill="hold"/>
+                                        <p:tgtEl>
+                                          <p:spTgt spid="5"/>
+                                        </p:tgtEl>
+                                        <p:attrNameLst>
+                                          <p:attrName>ppt_h</p:attrName>
+                                        </p:attrNameLst>
+                                      </p:cBhvr>
+                                      <p:tavLst>
+                                        <p:tav tm="0">
+                                          <p:val>
+                                            <p:strVal val="#ppt_h/10"/>
+                                          </p:val>
+                                        </p:tav>
+                                        <p:tav tm="50000">
+                                          <p:val>
+                                            <p:strVal val="#ppt_h+.01"/>
+                                          </p:val>
+                                        </p:tav>
+                                        <p:tav tm="100000">
+                                          <p:val>
+                                            <p:strVal val="#ppt_h"/>
+                                          </p:val>
+                                        </p:tav>
+                                      </p:tavLst>
+                                    </p:anim>
+                                    <p:anim calcmode="lin" valueType="num">
+                                      <p:cBhvr>
+                                        <p:cTn id="28" dur="500" fill="hold"/>
+                                        <p:tgtEl>
+                                          <p:spTgt spid="5"/>
+                                        </p:tgtEl>
+                                        <p:attrNameLst>
+                                          <p:attrName>ppt_w</p:attrName>
+                                        </p:attrNameLst>
+                                      </p:cBhvr>
+                                      <p:tavLst>
+                                        <p:tav tm="0">
+                                          <p:val>
+                                            <p:strVal val="#ppt_w/10"/>
+                                          </p:val>
+                                        </p:tav>
+                                        <p:tav tm="50000">
+                                          <p:val>
+                                            <p:strVal val="#ppt_w+.01"/>
+                                          </p:val>
+                                        </p:tav>
+                                        <p:tav tm="100000">
+                                          <p:val>
+                                            <p:strVal val="#ppt_w"/>
+                                          </p:val>
+                                        </p:tav>
+                                      </p:tavLst>
+                                    </p:anim>
+                                    <p:animEffect transition="in" filter="fade">
+                                      <p:cBhvr>
+                                        <p:cTn id="29" dur="500" tmFilter="0,0; .5, 1; 1, 1"/>
+                                        <p:tgtEl>
+                                          <p:spTgt spid="5"/>
+                                        </p:tgtEl>
+                                      </p:cBhvr>
+                                    </p:animEffect>
+                                  </p:childTnLst>
+                                </p:cTn>
+                              </p:par>
+                            </p:childTnLst>
+                          </p:cTn>
+                        </p:par>
+                      </p:childTnLst>
+                    </p:cTn>
+                  </p:par>
+                  <p:par>
+                    <p:cTn id="30" fill="hold">
+                      <p:stCondLst>
+                        <p:cond delay="indefinite"/>
+                      </p:stCondLst>
+                      <p:childTnLst>
+                        <p:par>
+                          <p:cTn id="31" fill="hold">
+                            <p:stCondLst>
+                              <p:cond delay="0"/>
+                            </p:stCondLst>
+                            <p:childTnLst>
+                              <p:par>
+                                <p:cTn id="32" presetID="41" presetClass="entr" presetSubtype="0" fill="hold" grpId="0" nodeType="clickEffect">
+                                  <p:stCondLst>
+                                    <p:cond delay="0"/>
+                                  </p:stCondLst>
+                                  <p:iterate type="lt">
+                                    <p:tmPct val="10000"/>
+                                  </p:iterate>
+                                  <p:childTnLst>
+                                    <p:set>
+                                      <p:cBhvr>
+                                        <p:cTn id="33" dur="1" fill="hold">
+                                          <p:stCondLst>
+                                            <p:cond delay="0"/>
+                                          </p:stCondLst>
+                                        </p:cTn>
+                                        <p:tgtEl>
+                                          <p:spTgt spid="8"/>
+                                        </p:tgtEl>
+                                        <p:attrNameLst>
+                                          <p:attrName>style.visibility</p:attrName>
+                                        </p:attrNameLst>
+                                      </p:cBhvr>
+                                      <p:to>
+                                        <p:strVal val="visible"/>
+                                      </p:to>
+                                    </p:set>
+                                    <p:anim calcmode="lin" valueType="num">
+                                      <p:cBhvr>
+                                        <p:cTn id="34" dur="500" fill="hold"/>
+                                        <p:tgtEl>
+                                          <p:spTgt spid="8"/>
+                                        </p:tgtEl>
+                                        <p:attrNameLst>
+                                          <p:attrName>ppt_x</p:attrName>
+                                        </p:attrNameLst>
+                                      </p:cBhvr>
+                                      <p:tavLst>
+                                        <p:tav tm="0">
+                                          <p:val>
+                                            <p:strVal val="#ppt_x"/>
+                                          </p:val>
+                                        </p:tav>
+                                        <p:tav tm="50000">
+                                          <p:val>
+                                            <p:strVal val="#ppt_x+.1"/>
+                                          </p:val>
+                                        </p:tav>
+                                        <p:tav tm="100000">
+                                          <p:val>
+                                            <p:strVal val="#ppt_x"/>
+                                          </p:val>
+                                        </p:tav>
+                                      </p:tavLst>
+                                    </p:anim>
+                                    <p:anim calcmode="lin" valueType="num">
+                                      <p:cBhvr>
+                                        <p:cTn id="35" dur="500" fill="hold"/>
+                                        <p:tgtEl>
+                                          <p:spTgt spid="8"/>
+                                        </p:tgtEl>
+                                        <p:attrNameLst>
+                                          <p:attrName>ppt_y</p:attrName>
+                                        </p:attrNameLst>
+                                      </p:cBhvr>
+                                      <p:tavLst>
+                                        <p:tav tm="0">
+                                          <p:val>
+                                            <p:strVal val="#ppt_y"/>
+                                          </p:val>
+                                        </p:tav>
+                                        <p:tav tm="100000">
+                                          <p:val>
+                                            <p:strVal val="#ppt_y"/>
+                                          </p:val>
+                                        </p:tav>
+                                      </p:tavLst>
+                                    </p:anim>
+                                    <p:anim calcmode="lin" valueType="num">
+                                      <p:cBhvr>
+                                        <p:cTn id="36" dur="500" fill="hold"/>
+                                        <p:tgtEl>
+                                          <p:spTgt spid="8"/>
+                                        </p:tgtEl>
+                                        <p:attrNameLst>
+                                          <p:attrName>ppt_h</p:attrName>
+                                        </p:attrNameLst>
+                                      </p:cBhvr>
+                                      <p:tavLst>
+                                        <p:tav tm="0">
+                                          <p:val>
+                                            <p:strVal val="#ppt_h/10"/>
+                                          </p:val>
+                                        </p:tav>
+                                        <p:tav tm="50000">
+                                          <p:val>
+                                            <p:strVal val="#ppt_h+.01"/>
+                                          </p:val>
+                                        </p:tav>
+                                        <p:tav tm="100000">
+                                          <p:val>
+                                            <p:strVal val="#ppt_h"/>
+                                          </p:val>
+                                        </p:tav>
+                                      </p:tavLst>
+                                    </p:anim>
+                                    <p:anim calcmode="lin" valueType="num">
+                                      <p:cBhvr>
+                                        <p:cTn id="37" dur="500" fill="hold"/>
+                                        <p:tgtEl>
+                                          <p:spTgt spid="8"/>
+                                        </p:tgtEl>
+                                        <p:attrNameLst>
+                                          <p:attrName>ppt_w</p:attrName>
+                                        </p:attrNameLst>
+                                      </p:cBhvr>
+                                      <p:tavLst>
+                                        <p:tav tm="0">
+                                          <p:val>
+                                            <p:strVal val="#ppt_w/10"/>
+                                          </p:val>
+                                        </p:tav>
+                                        <p:tav tm="50000">
+                                          <p:val>
+                                            <p:strVal val="#ppt_w+.01"/>
+                                          </p:val>
+                                        </p:tav>
+                                        <p:tav tm="100000">
+                                          <p:val>
+                                            <p:strVal val="#ppt_w"/>
+                                          </p:val>
+                                        </p:tav>
+                                      </p:tavLst>
+                                    </p:anim>
+                                    <p:animEffect transition="in" filter="fade">
+                                      <p:cBhvr>
+                                        <p:cTn id="38" dur="500" tmFilter="0,0; .5, 1; 1, 1"/>
+                                        <p:tgtEl>
+                                          <p:spTgt spid="8"/>
+                                        </p:tgtEl>
+                                      </p:cBhvr>
+                                    </p:animEffect>
+                                  </p:childTnLst>
+                                </p:cTn>
+                              </p:par>
+                            </p:childTnLst>
+                          </p:cTn>
+                        </p:par>
+                      </p:childTnLst>
+                    </p:cTn>
+                  </p:par>
+                </p:childTnLst>
+              </p:cTn>
+              <p:prevCondLst>
+                <p:cond evt="onPrev" delay="0">
+                  <p:tgtEl>
+                    <p:sldTgt/>
+                  </p:tgtEl>
+                </p:cond>
+              </p:prevCondLst>
+              <p:nextCondLst>
+                <p:cond evt="onNext" delay="0">
+                  <p:tgtEl>
+                    <p:sldTgt/>
+                  </p:tgtEl>
+                </p:cond>
+              </p:nextCondLst>
+            </p:seq>
+          </p:childTnLst>
+        </p:cTn>
+      </p:par>
+    </p:tnLst>
+    <p:bldLst>
+      <p:bldP spid="3" grpId="0" animBg="1"/>
+      <p:bldP spid="4" grpId="0" animBg="1"/>
+      <p:bldP spid="5" grpId="0" animBg="1"/>
+      <p:bldP spid="8" grpId="0" animBg="1"/>
+    </p:bldLst>
+  </p:timing>
 </p:sld>
 </file>
 
@@ -10441,10 +12689,10 @@
       </p:pic>
       <p:pic>
         <p:nvPicPr>
-          <p:cNvPr id="8" name="Picture 7" descr="A screenshot of a cell phone&#10;&#10;Description automatically generated">
-            <a:extLst>
-              <a:ext uri="{FF2B5EF4-FFF2-40B4-BE49-F238E27FC236}">
-                <a16:creationId xmlns:a16="http://schemas.microsoft.com/office/drawing/2014/main" id="{728EA63C-DE3C-254D-A07B-374E57DCAE31}"/>
+          <p:cNvPr id="9" name="Picture 8" descr="A screenshot of text&#10;&#10;Description automatically generated">
+            <a:extLst>
+              <a:ext uri="{FF2B5EF4-FFF2-40B4-BE49-F238E27FC236}">
+                <a16:creationId xmlns:a16="http://schemas.microsoft.com/office/drawing/2014/main" id="{A5583795-6959-4B4D-A5FB-E8EA04D49486}"/>
               </a:ext>
             </a:extLst>
           </p:cNvPr>
@@ -10461,8 +12709,8 @@
         </p:blipFill>
         <p:spPr>
           <a:xfrm>
-            <a:off x="5882935" y="987817"/>
-            <a:ext cx="5445023" cy="4722557"/>
+            <a:off x="5648084" y="992377"/>
+            <a:ext cx="5473207" cy="4742866"/>
           </a:xfrm>
           <a:prstGeom prst="rect">
             <a:avLst/>
